--- a/r_project_presentation.pptx
+++ b/r_project_presentation.pptx
@@ -122,6 +122,11 @@
       </a:defRPr>
     </a:lvl9pPr>
   </p:defaultTextStyle>
+  <p:extLst>
+    <p:ext uri="{EFAFB233-063F-42B5-8137-9DF3F51BA10A}">
+      <p15:sldGuideLst xmlns:p15="http://schemas.microsoft.com/office/powerpoint/2012/main"/>
+    </p:ext>
+  </p:extLst>
 </p:presentation>
 </file>
 
@@ -274,7 +279,7 @@
           <a:p>
             <a:fld id="{C1167E98-6E44-4B6D-ADB4-364E7862CAF3}" type="datetimeFigureOut">
               <a:rPr lang="en-AU" smtClean="0"/>
-              <a:t>11/04/2024</a:t>
+              <a:t>27/04/2024</a:t>
             </a:fld>
             <a:endParaRPr lang="en-AU"/>
           </a:p>
@@ -474,7 +479,7 @@
           <a:p>
             <a:fld id="{C1167E98-6E44-4B6D-ADB4-364E7862CAF3}" type="datetimeFigureOut">
               <a:rPr lang="en-AU" smtClean="0"/>
-              <a:t>11/04/2024</a:t>
+              <a:t>27/04/2024</a:t>
             </a:fld>
             <a:endParaRPr lang="en-AU"/>
           </a:p>
@@ -684,7 +689,7 @@
           <a:p>
             <a:fld id="{C1167E98-6E44-4B6D-ADB4-364E7862CAF3}" type="datetimeFigureOut">
               <a:rPr lang="en-AU" smtClean="0"/>
-              <a:t>11/04/2024</a:t>
+              <a:t>27/04/2024</a:t>
             </a:fld>
             <a:endParaRPr lang="en-AU"/>
           </a:p>
@@ -884,7 +889,7 @@
           <a:p>
             <a:fld id="{C1167E98-6E44-4B6D-ADB4-364E7862CAF3}" type="datetimeFigureOut">
               <a:rPr lang="en-AU" smtClean="0"/>
-              <a:t>11/04/2024</a:t>
+              <a:t>27/04/2024</a:t>
             </a:fld>
             <a:endParaRPr lang="en-AU"/>
           </a:p>
@@ -1160,7 +1165,7 @@
           <a:p>
             <a:fld id="{C1167E98-6E44-4B6D-ADB4-364E7862CAF3}" type="datetimeFigureOut">
               <a:rPr lang="en-AU" smtClean="0"/>
-              <a:t>11/04/2024</a:t>
+              <a:t>27/04/2024</a:t>
             </a:fld>
             <a:endParaRPr lang="en-AU"/>
           </a:p>
@@ -1428,7 +1433,7 @@
           <a:p>
             <a:fld id="{C1167E98-6E44-4B6D-ADB4-364E7862CAF3}" type="datetimeFigureOut">
               <a:rPr lang="en-AU" smtClean="0"/>
-              <a:t>11/04/2024</a:t>
+              <a:t>27/04/2024</a:t>
             </a:fld>
             <a:endParaRPr lang="en-AU"/>
           </a:p>
@@ -1843,7 +1848,7 @@
           <a:p>
             <a:fld id="{C1167E98-6E44-4B6D-ADB4-364E7862CAF3}" type="datetimeFigureOut">
               <a:rPr lang="en-AU" smtClean="0"/>
-              <a:t>11/04/2024</a:t>
+              <a:t>27/04/2024</a:t>
             </a:fld>
             <a:endParaRPr lang="en-AU"/>
           </a:p>
@@ -1985,7 +1990,7 @@
           <a:p>
             <a:fld id="{C1167E98-6E44-4B6D-ADB4-364E7862CAF3}" type="datetimeFigureOut">
               <a:rPr lang="en-AU" smtClean="0"/>
-              <a:t>11/04/2024</a:t>
+              <a:t>27/04/2024</a:t>
             </a:fld>
             <a:endParaRPr lang="en-AU"/>
           </a:p>
@@ -2098,7 +2103,7 @@
           <a:p>
             <a:fld id="{C1167E98-6E44-4B6D-ADB4-364E7862CAF3}" type="datetimeFigureOut">
               <a:rPr lang="en-AU" smtClean="0"/>
-              <a:t>11/04/2024</a:t>
+              <a:t>27/04/2024</a:t>
             </a:fld>
             <a:endParaRPr lang="en-AU"/>
           </a:p>
@@ -2411,7 +2416,7 @@
           <a:p>
             <a:fld id="{C1167E98-6E44-4B6D-ADB4-364E7862CAF3}" type="datetimeFigureOut">
               <a:rPr lang="en-AU" smtClean="0"/>
-              <a:t>11/04/2024</a:t>
+              <a:t>27/04/2024</a:t>
             </a:fld>
             <a:endParaRPr lang="en-AU"/>
           </a:p>
@@ -2700,7 +2705,7 @@
           <a:p>
             <a:fld id="{C1167E98-6E44-4B6D-ADB4-364E7862CAF3}" type="datetimeFigureOut">
               <a:rPr lang="en-AU" smtClean="0"/>
-              <a:t>11/04/2024</a:t>
+              <a:t>27/04/2024</a:t>
             </a:fld>
             <a:endParaRPr lang="en-AU"/>
           </a:p>
@@ -2943,7 +2948,7 @@
           <a:p>
             <a:fld id="{C1167E98-6E44-4B6D-ADB4-364E7862CAF3}" type="datetimeFigureOut">
               <a:rPr lang="en-AU" smtClean="0"/>
-              <a:t>11/04/2024</a:t>
+              <a:t>27/04/2024</a:t>
             </a:fld>
             <a:endParaRPr lang="en-AU"/>
           </a:p>
@@ -4001,7 +4006,13 @@
           </a:bodyPr>
           <a:lstStyle/>
           <a:p>
-            <a:endParaRPr lang="en-AU" sz="2400"/>
+            <a:r>
+              <a:rPr lang="en-AU" sz="2400" dirty="0"/>
+              <a:t>[limit to a few key points]</a:t>
+            </a:r>
+          </a:p>
+          <a:p>
+            <a:endParaRPr lang="en-AU" sz="2400" dirty="0"/>
           </a:p>
         </p:txBody>
       </p:sp>
@@ -5397,7 +5408,7 @@
           </a:bodyPr>
           <a:lstStyle/>
           <a:p>
-            <a:endParaRPr lang="en-AU" sz="2400"/>
+            <a:endParaRPr lang="en-AU" sz="2400" dirty="0"/>
           </a:p>
         </p:txBody>
       </p:sp>
@@ -6674,7 +6685,13 @@
           </a:bodyPr>
           <a:lstStyle/>
           <a:p>
-            <a:endParaRPr lang="en-AU" sz="2400"/>
+            <a:r>
+              <a:rPr lang="en-AU" sz="2400" dirty="0"/>
+              <a:t>[limit to a few key points]</a:t>
+            </a:r>
+          </a:p>
+          <a:p>
+            <a:endParaRPr lang="en-AU" sz="2400" dirty="0"/>
           </a:p>
         </p:txBody>
       </p:sp>
@@ -6982,7 +6999,13 @@
           </a:bodyPr>
           <a:lstStyle/>
           <a:p>
-            <a:endParaRPr lang="en-AU" sz="2400"/>
+            <a:r>
+              <a:rPr lang="en-AU" sz="2400" dirty="0"/>
+              <a:t>[limit to a few key points]</a:t>
+            </a:r>
+          </a:p>
+          <a:p>
+            <a:endParaRPr lang="en-AU" sz="2400" dirty="0"/>
           </a:p>
         </p:txBody>
       </p:sp>
@@ -7550,7 +7573,10 @@
           </a:bodyPr>
           <a:lstStyle/>
           <a:p>
-            <a:endParaRPr lang="en-AU" sz="2400"/>
+            <a:r>
+              <a:rPr lang="en-AU" sz="2400" dirty="0"/>
+              <a:t>[limit to a few key points]</a:t>
+            </a:r>
           </a:p>
         </p:txBody>
       </p:sp>
@@ -7853,7 +7879,13 @@
           </a:bodyPr>
           <a:lstStyle/>
           <a:p>
-            <a:endParaRPr lang="en-AU" sz="2400"/>
+            <a:r>
+              <a:rPr lang="en-AU" sz="2400" dirty="0"/>
+              <a:t>[limit to a few key points]</a:t>
+            </a:r>
+          </a:p>
+          <a:p>
+            <a:endParaRPr lang="en-AU" sz="2400" dirty="0"/>
           </a:p>
         </p:txBody>
       </p:sp>
@@ -8156,7 +8188,13 @@
           </a:bodyPr>
           <a:lstStyle/>
           <a:p>
-            <a:endParaRPr lang="en-AU" sz="2400"/>
+            <a:r>
+              <a:rPr lang="en-AU" sz="2400" dirty="0"/>
+              <a:t>[limit to a few key points]</a:t>
+            </a:r>
+          </a:p>
+          <a:p>
+            <a:endParaRPr lang="en-AU" sz="2400" dirty="0"/>
           </a:p>
         </p:txBody>
       </p:sp>
@@ -8724,7 +8762,13 @@
           </a:bodyPr>
           <a:lstStyle/>
           <a:p>
-            <a:endParaRPr lang="en-AU" sz="2400"/>
+            <a:r>
+              <a:rPr lang="en-AU" sz="2400" dirty="0"/>
+              <a:t>[limit to a few key points]</a:t>
+            </a:r>
+          </a:p>
+          <a:p>
+            <a:endParaRPr lang="en-AU" sz="2400" dirty="0"/>
           </a:p>
         </p:txBody>
       </p:sp>
@@ -9027,7 +9071,13 @@
           </a:bodyPr>
           <a:lstStyle/>
           <a:p>
-            <a:endParaRPr lang="en-AU" sz="2400"/>
+            <a:r>
+              <a:rPr lang="en-AU" sz="2400" dirty="0"/>
+              <a:t>[limit to a few key points]</a:t>
+            </a:r>
+          </a:p>
+          <a:p>
+            <a:endParaRPr lang="en-AU" sz="2400" dirty="0"/>
           </a:p>
         </p:txBody>
       </p:sp>

--- a/r_project_presentation.pptx
+++ b/r_project_presentation.pptx
@@ -4,6 +4,9 @@
   <p:sldMasterIdLst>
     <p:sldMasterId id="2147483648" r:id="rId1"/>
   </p:sldMasterIdLst>
+  <p:notesMasterIdLst>
+    <p:notesMasterId r:id="rId36"/>
+  </p:notesMasterIdLst>
   <p:sldIdLst>
     <p:sldId id="256" r:id="rId2"/>
     <p:sldId id="303" r:id="rId3"/>
@@ -16,28 +19,29 @@
     <p:sldId id="278" r:id="rId10"/>
     <p:sldId id="311" r:id="rId11"/>
     <p:sldId id="312" r:id="rId12"/>
-    <p:sldId id="282" r:id="rId13"/>
-    <p:sldId id="290" r:id="rId14"/>
-    <p:sldId id="291" r:id="rId15"/>
-    <p:sldId id="293" r:id="rId16"/>
-    <p:sldId id="292" r:id="rId17"/>
-    <p:sldId id="294" r:id="rId18"/>
-    <p:sldId id="295" r:id="rId19"/>
-    <p:sldId id="296" r:id="rId20"/>
-    <p:sldId id="297" r:id="rId21"/>
-    <p:sldId id="298" r:id="rId22"/>
-    <p:sldId id="299" r:id="rId23"/>
-    <p:sldId id="300" r:id="rId24"/>
-    <p:sldId id="301" r:id="rId25"/>
-    <p:sldId id="302" r:id="rId26"/>
-    <p:sldId id="283" r:id="rId27"/>
-    <p:sldId id="305" r:id="rId28"/>
-    <p:sldId id="306" r:id="rId29"/>
-    <p:sldId id="307" r:id="rId30"/>
-    <p:sldId id="308" r:id="rId31"/>
-    <p:sldId id="309" r:id="rId32"/>
-    <p:sldId id="310" r:id="rId33"/>
-    <p:sldId id="288" r:id="rId34"/>
+    <p:sldId id="313" r:id="rId13"/>
+    <p:sldId id="282" r:id="rId14"/>
+    <p:sldId id="290" r:id="rId15"/>
+    <p:sldId id="291" r:id="rId16"/>
+    <p:sldId id="293" r:id="rId17"/>
+    <p:sldId id="292" r:id="rId18"/>
+    <p:sldId id="294" r:id="rId19"/>
+    <p:sldId id="295" r:id="rId20"/>
+    <p:sldId id="296" r:id="rId21"/>
+    <p:sldId id="297" r:id="rId22"/>
+    <p:sldId id="298" r:id="rId23"/>
+    <p:sldId id="299" r:id="rId24"/>
+    <p:sldId id="300" r:id="rId25"/>
+    <p:sldId id="301" r:id="rId26"/>
+    <p:sldId id="302" r:id="rId27"/>
+    <p:sldId id="283" r:id="rId28"/>
+    <p:sldId id="305" r:id="rId29"/>
+    <p:sldId id="306" r:id="rId30"/>
+    <p:sldId id="307" r:id="rId31"/>
+    <p:sldId id="308" r:id="rId32"/>
+    <p:sldId id="309" r:id="rId33"/>
+    <p:sldId id="310" r:id="rId34"/>
+    <p:sldId id="288" r:id="rId35"/>
   </p:sldIdLst>
   <p:sldSz cx="12192000" cy="6858000"/>
   <p:notesSz cx="6858000" cy="9144000"/>
@@ -3018,10 +3022,18 @@
         <a:lstStyle/>
         <a:p>
           <a:r>
-            <a:rPr lang="en-AU"/>
-            <a:t>Clarified the names of the columns {Oulad}</a:t>
+            <a:rPr lang="en-AU" dirty="0"/>
+            <a:t>Clarified the names of the columns {</a:t>
           </a:r>
-          <a:endParaRPr lang="en-US"/>
+          <a:r>
+            <a:rPr lang="en-AU" dirty="0" err="1"/>
+            <a:t>Oulad</a:t>
+          </a:r>
+          <a:r>
+            <a:rPr lang="en-AU" dirty="0"/>
+            <a:t>}</a:t>
+          </a:r>
+          <a:endParaRPr lang="en-US" dirty="0"/>
         </a:p>
       </dgm:t>
     </dgm:pt>
@@ -3055,10 +3067,18 @@
         <a:lstStyle/>
         <a:p>
           <a:r>
-            <a:rPr lang="en-AU"/>
-            <a:t>Corrected misspelt values {Oulad}</a:t>
+            <a:rPr lang="en-AU" dirty="0"/>
+            <a:t>Corrected misspelt values {</a:t>
           </a:r>
-          <a:endParaRPr lang="en-US"/>
+          <a:r>
+            <a:rPr lang="en-AU" dirty="0" err="1"/>
+            <a:t>Oulad</a:t>
+          </a:r>
+          <a:r>
+            <a:rPr lang="en-AU" dirty="0"/>
+            <a:t>}</a:t>
+          </a:r>
+          <a:endParaRPr lang="en-US" dirty="0"/>
         </a:p>
       </dgm:t>
     </dgm:pt>
@@ -3129,10 +3149,18 @@
         <a:lstStyle/>
         <a:p>
           <a:r>
-            <a:rPr lang="en-AU"/>
-            <a:t>Filled in missing student scores with zero {Oulad}</a:t>
+            <a:rPr lang="en-AU" dirty="0"/>
+            <a:t>Filled in missing student scores with zero {</a:t>
           </a:r>
-          <a:endParaRPr lang="en-US"/>
+          <a:r>
+            <a:rPr lang="en-AU" dirty="0" err="1"/>
+            <a:t>Oulad</a:t>
+          </a:r>
+          <a:r>
+            <a:rPr lang="en-AU" dirty="0"/>
+            <a:t>}</a:t>
+          </a:r>
+          <a:endParaRPr lang="en-US" dirty="0"/>
         </a:p>
       </dgm:t>
     </dgm:pt>
@@ -3302,7 +3330,7 @@
         <a:p>
           <a:r>
             <a:rPr lang="en-AU" dirty="0"/>
-            <a:t>Merged tables that I was able to merge so that it was easier for me to work with the data {</a:t>
+            <a:t>Either split or merged tables if that made it easier for me to work with the data {</a:t>
           </a:r>
           <a:r>
             <a:rPr lang="en-AU" dirty="0" err="1"/>
@@ -3391,10 +3419,18 @@
         <a:lstStyle/>
         <a:p>
           <a:r>
-            <a:rPr lang="en-AU"/>
-            <a:t>Replaced abbreviated terms with their unabbreviated version {Oulad}</a:t>
+            <a:rPr lang="en-AU" dirty="0"/>
+            <a:t>Replaced abbreviated terms with their unabbreviated version {</a:t>
           </a:r>
-          <a:endParaRPr lang="en-US"/>
+          <a:r>
+            <a:rPr lang="en-AU" dirty="0" err="1"/>
+            <a:t>Oulad</a:t>
+          </a:r>
+          <a:r>
+            <a:rPr lang="en-AU" dirty="0"/>
+            <a:t>}</a:t>
+          </a:r>
+          <a:endParaRPr lang="en-US" dirty="0"/>
         </a:p>
       </dgm:t>
     </dgm:pt>
@@ -3502,6 +3538,95 @@
         </a:p>
       </dgm:t>
     </dgm:pt>
+    <dgm:pt modelId="{030FA8F0-574F-474C-A446-9D8883AC19EA}">
+      <dgm:prSet/>
+      <dgm:spPr/>
+      <dgm:t>
+        <a:bodyPr/>
+        <a:lstStyle/>
+        <a:p>
+          <a:r>
+            <a:rPr lang="en-AU" dirty="0"/>
+            <a:t>Filtered for the data I wanted, which helped me to analyze and visualize the data {</a:t>
+          </a:r>
+          <a:r>
+            <a:rPr lang="en-AU" dirty="0" err="1"/>
+            <a:t>Oulad</a:t>
+          </a:r>
+          <a:r>
+            <a:rPr lang="en-AU" dirty="0"/>
+            <a:t>}</a:t>
+          </a:r>
+          <a:endParaRPr lang="en-US" dirty="0"/>
+        </a:p>
+      </dgm:t>
+    </dgm:pt>
+    <dgm:pt modelId="{569BBC6D-1B8E-4F49-AD9C-6C453E60617C}" type="parTrans" cxnId="{7165FD6A-EF3B-43A5-9529-F2F852DB7C23}">
+      <dgm:prSet/>
+      <dgm:spPr/>
+      <dgm:t>
+        <a:bodyPr/>
+        <a:lstStyle/>
+        <a:p>
+          <a:endParaRPr lang="en-AU"/>
+        </a:p>
+      </dgm:t>
+    </dgm:pt>
+    <dgm:pt modelId="{D2FA4CC0-7D1C-4272-9DFC-BD8DFF76B651}" type="sibTrans" cxnId="{7165FD6A-EF3B-43A5-9529-F2F852DB7C23}">
+      <dgm:prSet/>
+      <dgm:spPr/>
+      <dgm:t>
+        <a:bodyPr/>
+        <a:lstStyle/>
+        <a:p>
+          <a:endParaRPr lang="en-AU"/>
+        </a:p>
+      </dgm:t>
+    </dgm:pt>
+    <dgm:pt modelId="{60A2BD6D-77E4-4E76-8041-A03C3CDF1FDD}">
+      <dgm:prSet/>
+      <dgm:spPr/>
+      <dgm:t>
+        <a:bodyPr/>
+        <a:lstStyle/>
+        <a:p>
+          <a:r>
+            <a:rPr lang="en-AU" dirty="0"/>
+            <a:t>Reordering data {</a:t>
+          </a:r>
+          <a:r>
+            <a:rPr lang="en-AU" dirty="0" err="1"/>
+            <a:t>Oulad</a:t>
+          </a:r>
+          <a:r>
+            <a:rPr lang="en-AU" dirty="0"/>
+            <a:t>}</a:t>
+          </a:r>
+        </a:p>
+      </dgm:t>
+    </dgm:pt>
+    <dgm:pt modelId="{180C5458-F3D4-4433-A8AF-E11C8319DB02}" type="parTrans" cxnId="{AC701D34-8F8F-44E5-927A-7D3555145439}">
+      <dgm:prSet/>
+      <dgm:spPr/>
+      <dgm:t>
+        <a:bodyPr/>
+        <a:lstStyle/>
+        <a:p>
+          <a:endParaRPr lang="en-AU"/>
+        </a:p>
+      </dgm:t>
+    </dgm:pt>
+    <dgm:pt modelId="{6C7527D7-9A91-49D8-8330-8A00957480F5}" type="sibTrans" cxnId="{AC701D34-8F8F-44E5-927A-7D3555145439}">
+      <dgm:prSet/>
+      <dgm:spPr/>
+      <dgm:t>
+        <a:bodyPr/>
+        <a:lstStyle/>
+        <a:p>
+          <a:endParaRPr lang="en-AU"/>
+        </a:p>
+      </dgm:t>
+    </dgm:pt>
     <dgm:pt modelId="{27E8D39E-082F-449A-B15F-E2111F9B6294}" type="pres">
       <dgm:prSet presAssocID="{48DA57D3-0AA6-4BE5-B8D0-859C3D96F202}" presName="diagram" presStyleCnt="0">
         <dgm:presLayoutVars>
@@ -3512,7 +3637,7 @@
       <dgm:spPr/>
     </dgm:pt>
     <dgm:pt modelId="{F093F579-99A3-460C-9444-0ED9B77F131A}" type="pres">
-      <dgm:prSet presAssocID="{40F46643-F9EF-4C39-8944-A8BD9FE47925}" presName="node" presStyleLbl="node1" presStyleIdx="0" presStyleCnt="13">
+      <dgm:prSet presAssocID="{40F46643-F9EF-4C39-8944-A8BD9FE47925}" presName="node" presStyleLbl="node1" presStyleIdx="0" presStyleCnt="15">
         <dgm:presLayoutVars>
           <dgm:bulletEnabled val="1"/>
         </dgm:presLayoutVars>
@@ -3524,7 +3649,7 @@
       <dgm:spPr/>
     </dgm:pt>
     <dgm:pt modelId="{27B43460-A30C-4A8E-8D03-CE27F067DAE8}" type="pres">
-      <dgm:prSet presAssocID="{32E53A2F-13A9-4EB2-9972-8B957F3EB1EC}" presName="node" presStyleLbl="node1" presStyleIdx="1" presStyleCnt="13">
+      <dgm:prSet presAssocID="{32E53A2F-13A9-4EB2-9972-8B957F3EB1EC}" presName="node" presStyleLbl="node1" presStyleIdx="1" presStyleCnt="15">
         <dgm:presLayoutVars>
           <dgm:bulletEnabled val="1"/>
         </dgm:presLayoutVars>
@@ -3536,7 +3661,7 @@
       <dgm:spPr/>
     </dgm:pt>
     <dgm:pt modelId="{231DD4F5-8B69-46AA-8BC3-DFFD449F11E1}" type="pres">
-      <dgm:prSet presAssocID="{1C985B4C-A33B-4828-9C48-06444DB47B03}" presName="node" presStyleLbl="node1" presStyleIdx="2" presStyleCnt="13">
+      <dgm:prSet presAssocID="{1C985B4C-A33B-4828-9C48-06444DB47B03}" presName="node" presStyleLbl="node1" presStyleIdx="2" presStyleCnt="15">
         <dgm:presLayoutVars>
           <dgm:bulletEnabled val="1"/>
         </dgm:presLayoutVars>
@@ -3548,7 +3673,7 @@
       <dgm:spPr/>
     </dgm:pt>
     <dgm:pt modelId="{A22E5273-DCFF-438B-9601-DCA2FEF80F10}" type="pres">
-      <dgm:prSet presAssocID="{5D7D66B3-2955-4BF4-AF21-A131370894D3}" presName="node" presStyleLbl="node1" presStyleIdx="3" presStyleCnt="13">
+      <dgm:prSet presAssocID="{5D7D66B3-2955-4BF4-AF21-A131370894D3}" presName="node" presStyleLbl="node1" presStyleIdx="3" presStyleCnt="15">
         <dgm:presLayoutVars>
           <dgm:bulletEnabled val="1"/>
         </dgm:presLayoutVars>
@@ -3560,7 +3685,7 @@
       <dgm:spPr/>
     </dgm:pt>
     <dgm:pt modelId="{2F17525F-F9CC-481A-A472-952E517E3CB2}" type="pres">
-      <dgm:prSet presAssocID="{3596C1E1-78F0-4683-B9E9-36D12C2464F6}" presName="node" presStyleLbl="node1" presStyleIdx="4" presStyleCnt="13">
+      <dgm:prSet presAssocID="{3596C1E1-78F0-4683-B9E9-36D12C2464F6}" presName="node" presStyleLbl="node1" presStyleIdx="4" presStyleCnt="15">
         <dgm:presLayoutVars>
           <dgm:bulletEnabled val="1"/>
         </dgm:presLayoutVars>
@@ -3572,7 +3697,7 @@
       <dgm:spPr/>
     </dgm:pt>
     <dgm:pt modelId="{9348582E-E9A6-4A34-B914-4CA5B8B7362D}" type="pres">
-      <dgm:prSet presAssocID="{BD33337E-C299-46A5-832B-67FCFD5C2030}" presName="node" presStyleLbl="node1" presStyleIdx="5" presStyleCnt="13">
+      <dgm:prSet presAssocID="{BD33337E-C299-46A5-832B-67FCFD5C2030}" presName="node" presStyleLbl="node1" presStyleIdx="5" presStyleCnt="15">
         <dgm:presLayoutVars>
           <dgm:bulletEnabled val="1"/>
         </dgm:presLayoutVars>
@@ -3584,7 +3709,7 @@
       <dgm:spPr/>
     </dgm:pt>
     <dgm:pt modelId="{EBC06BA1-A5C9-4644-9A2E-04106A86C535}" type="pres">
-      <dgm:prSet presAssocID="{4EE005DB-D216-468A-902E-E2AC66443F96}" presName="node" presStyleLbl="node1" presStyleIdx="6" presStyleCnt="13">
+      <dgm:prSet presAssocID="{4EE005DB-D216-468A-902E-E2AC66443F96}" presName="node" presStyleLbl="node1" presStyleIdx="6" presStyleCnt="15">
         <dgm:presLayoutVars>
           <dgm:bulletEnabled val="1"/>
         </dgm:presLayoutVars>
@@ -3596,7 +3721,7 @@
       <dgm:spPr/>
     </dgm:pt>
     <dgm:pt modelId="{27235FBE-D92C-4E55-9A82-86002F499E7F}" type="pres">
-      <dgm:prSet presAssocID="{6019BDFE-CD59-457E-A91C-9CE839A42AAB}" presName="node" presStyleLbl="node1" presStyleIdx="7" presStyleCnt="13">
+      <dgm:prSet presAssocID="{6019BDFE-CD59-457E-A91C-9CE839A42AAB}" presName="node" presStyleLbl="node1" presStyleIdx="7" presStyleCnt="15">
         <dgm:presLayoutVars>
           <dgm:bulletEnabled val="1"/>
         </dgm:presLayoutVars>
@@ -3608,7 +3733,7 @@
       <dgm:spPr/>
     </dgm:pt>
     <dgm:pt modelId="{33D03820-D56B-4F07-9F52-8FF580ECA570}" type="pres">
-      <dgm:prSet presAssocID="{8621D5F7-D0AF-4BC8-AE42-2D670E702763}" presName="node" presStyleLbl="node1" presStyleIdx="8" presStyleCnt="13">
+      <dgm:prSet presAssocID="{8621D5F7-D0AF-4BC8-AE42-2D670E702763}" presName="node" presStyleLbl="node1" presStyleIdx="8" presStyleCnt="15">
         <dgm:presLayoutVars>
           <dgm:bulletEnabled val="1"/>
         </dgm:presLayoutVars>
@@ -3620,7 +3745,7 @@
       <dgm:spPr/>
     </dgm:pt>
     <dgm:pt modelId="{55269375-F954-437C-A385-9A9CC981639A}" type="pres">
-      <dgm:prSet presAssocID="{B23AF4EA-4B9B-455B-B26E-6BEE9A66F852}" presName="node" presStyleLbl="node1" presStyleIdx="9" presStyleCnt="13">
+      <dgm:prSet presAssocID="{B23AF4EA-4B9B-455B-B26E-6BEE9A66F852}" presName="node" presStyleLbl="node1" presStyleIdx="9" presStyleCnt="15">
         <dgm:presLayoutVars>
           <dgm:bulletEnabled val="1"/>
         </dgm:presLayoutVars>
@@ -3632,7 +3757,7 @@
       <dgm:spPr/>
     </dgm:pt>
     <dgm:pt modelId="{57242B42-6767-4CE9-9C09-44F726E66B40}" type="pres">
-      <dgm:prSet presAssocID="{5934FB2D-2F51-4C75-B94F-151474C8DBF0}" presName="node" presStyleLbl="node1" presStyleIdx="10" presStyleCnt="13">
+      <dgm:prSet presAssocID="{5934FB2D-2F51-4C75-B94F-151474C8DBF0}" presName="node" presStyleLbl="node1" presStyleIdx="10" presStyleCnt="15">
         <dgm:presLayoutVars>
           <dgm:bulletEnabled val="1"/>
         </dgm:presLayoutVars>
@@ -3644,7 +3769,7 @@
       <dgm:spPr/>
     </dgm:pt>
     <dgm:pt modelId="{849A1A6F-9C47-46F9-910C-8D4326B60FD1}" type="pres">
-      <dgm:prSet presAssocID="{46C6EEF4-B629-424B-9136-55615C0D6651}" presName="node" presStyleLbl="node1" presStyleIdx="11" presStyleCnt="13">
+      <dgm:prSet presAssocID="{46C6EEF4-B629-424B-9136-55615C0D6651}" presName="node" presStyleLbl="node1" presStyleIdx="11" presStyleCnt="15">
         <dgm:presLayoutVars>
           <dgm:bulletEnabled val="1"/>
         </dgm:presLayoutVars>
@@ -3656,7 +3781,31 @@
       <dgm:spPr/>
     </dgm:pt>
     <dgm:pt modelId="{AD29784B-3A9F-48E5-8C78-E7390793144E}" type="pres">
-      <dgm:prSet presAssocID="{3EFB8E9E-D1E8-41CC-BB61-E9F3844E4551}" presName="node" presStyleLbl="node1" presStyleIdx="12" presStyleCnt="13">
+      <dgm:prSet presAssocID="{3EFB8E9E-D1E8-41CC-BB61-E9F3844E4551}" presName="node" presStyleLbl="node1" presStyleIdx="12" presStyleCnt="15">
+        <dgm:presLayoutVars>
+          <dgm:bulletEnabled val="1"/>
+        </dgm:presLayoutVars>
+      </dgm:prSet>
+      <dgm:spPr/>
+    </dgm:pt>
+    <dgm:pt modelId="{7E54706D-B33E-4726-B950-22814C1AA54E}" type="pres">
+      <dgm:prSet presAssocID="{DADAE238-61B8-4663-851E-7E9C8F569973}" presName="sibTrans" presStyleCnt="0"/>
+      <dgm:spPr/>
+    </dgm:pt>
+    <dgm:pt modelId="{C65AA8AC-48A7-4A34-B96E-401F2AA4995D}" type="pres">
+      <dgm:prSet presAssocID="{030FA8F0-574F-474C-A446-9D8883AC19EA}" presName="node" presStyleLbl="node1" presStyleIdx="13" presStyleCnt="15">
+        <dgm:presLayoutVars>
+          <dgm:bulletEnabled val="1"/>
+        </dgm:presLayoutVars>
+      </dgm:prSet>
+      <dgm:spPr/>
+    </dgm:pt>
+    <dgm:pt modelId="{1D683658-43FC-43CA-A92E-570D5250A31B}" type="pres">
+      <dgm:prSet presAssocID="{D2FA4CC0-7D1C-4272-9DFC-BD8DFF76B651}" presName="sibTrans" presStyleCnt="0"/>
+      <dgm:spPr/>
+    </dgm:pt>
+    <dgm:pt modelId="{4BA07815-E9CA-4497-BE8B-28E86DBCE203}" type="pres">
+      <dgm:prSet presAssocID="{60A2BD6D-77E4-4E76-8041-A03C3CDF1FDD}" presName="node" presStyleLbl="node1" presStyleIdx="14" presStyleCnt="15">
         <dgm:presLayoutVars>
           <dgm:bulletEnabled val="1"/>
         </dgm:presLayoutVars>
@@ -3667,14 +3816,17 @@
   <dgm:cxnLst>
     <dgm:cxn modelId="{23D09D05-BB78-417A-B0AA-AFB57475BC7D}" type="presOf" srcId="{48DA57D3-0AA6-4BE5-B8D0-859C3D96F202}" destId="{27E8D39E-082F-449A-B15F-E2111F9B6294}" srcOrd="0" destOrd="0" presId="urn:microsoft.com/office/officeart/2005/8/layout/default"/>
     <dgm:cxn modelId="{A40DE92A-FF08-4DFD-8D67-09A28516009B}" srcId="{48DA57D3-0AA6-4BE5-B8D0-859C3D96F202}" destId="{BD33337E-C299-46A5-832B-67FCFD5C2030}" srcOrd="5" destOrd="0" parTransId="{C1D30FB7-0DD6-4333-8FD9-A7F205C8BAF4}" sibTransId="{A21241B5-DD6E-4B75-8932-F48C499F1B45}"/>
+    <dgm:cxn modelId="{AC701D34-8F8F-44E5-927A-7D3555145439}" srcId="{48DA57D3-0AA6-4BE5-B8D0-859C3D96F202}" destId="{60A2BD6D-77E4-4E76-8041-A03C3CDF1FDD}" srcOrd="14" destOrd="0" parTransId="{180C5458-F3D4-4433-A8AF-E11C8319DB02}" sibTransId="{6C7527D7-9A91-49D8-8330-8A00957480F5}"/>
     <dgm:cxn modelId="{D483163C-629E-4653-B271-AF48D0D20CF1}" srcId="{48DA57D3-0AA6-4BE5-B8D0-859C3D96F202}" destId="{32E53A2F-13A9-4EB2-9972-8B957F3EB1EC}" srcOrd="1" destOrd="0" parTransId="{2C33F32A-1F6D-4FB2-AE8A-42F82B386087}" sibTransId="{B72AFFA5-AD31-4F43-9D9A-6139B07060F8}"/>
     <dgm:cxn modelId="{33D88D5C-971F-4584-A8AD-61EE349A0969}" type="presOf" srcId="{4EE005DB-D216-468A-902E-E2AC66443F96}" destId="{EBC06BA1-A5C9-4644-9A2E-04106A86C535}" srcOrd="0" destOrd="0" presId="urn:microsoft.com/office/officeart/2005/8/layout/default"/>
     <dgm:cxn modelId="{63FB895E-7404-4316-B686-347D69CB0E68}" srcId="{48DA57D3-0AA6-4BE5-B8D0-859C3D96F202}" destId="{6019BDFE-CD59-457E-A91C-9CE839A42AAB}" srcOrd="7" destOrd="0" parTransId="{2CE4FCF6-0FEA-43A0-9B56-9C29178B2F8D}" sibTransId="{372A2523-0A6B-4BA4-BB09-29AF9091E5F2}"/>
     <dgm:cxn modelId="{6E025368-D618-46FB-AB2C-C81D0346A151}" srcId="{48DA57D3-0AA6-4BE5-B8D0-859C3D96F202}" destId="{5D7D66B3-2955-4BF4-AF21-A131370894D3}" srcOrd="3" destOrd="0" parTransId="{DADB9D29-F56C-4B4C-BAD6-822F0BB2D592}" sibTransId="{62524B42-9FFA-4F66-96E0-AE74CC0EBD12}"/>
+    <dgm:cxn modelId="{7165FD6A-EF3B-43A5-9529-F2F852DB7C23}" srcId="{48DA57D3-0AA6-4BE5-B8D0-859C3D96F202}" destId="{030FA8F0-574F-474C-A446-9D8883AC19EA}" srcOrd="13" destOrd="0" parTransId="{569BBC6D-1B8E-4F49-AD9C-6C453E60617C}" sibTransId="{D2FA4CC0-7D1C-4272-9DFC-BD8DFF76B651}"/>
     <dgm:cxn modelId="{5A2F1D4C-A620-4312-AB8B-3A97CF2D99C8}" type="presOf" srcId="{8621D5F7-D0AF-4BC8-AE42-2D670E702763}" destId="{33D03820-D56B-4F07-9F52-8FF580ECA570}" srcOrd="0" destOrd="0" presId="urn:microsoft.com/office/officeart/2005/8/layout/default"/>
     <dgm:cxn modelId="{D5516150-E174-44A9-BBBE-410DA44D9918}" type="presOf" srcId="{1C985B4C-A33B-4828-9C48-06444DB47B03}" destId="{231DD4F5-8B69-46AA-8BC3-DFFD449F11E1}" srcOrd="0" destOrd="0" presId="urn:microsoft.com/office/officeart/2005/8/layout/default"/>
     <dgm:cxn modelId="{D1BFAB51-45C6-4032-ABCC-032DE3B92FA1}" type="presOf" srcId="{3596C1E1-78F0-4683-B9E9-36D12C2464F6}" destId="{2F17525F-F9CC-481A-A472-952E517E3CB2}" srcOrd="0" destOrd="0" presId="urn:microsoft.com/office/officeart/2005/8/layout/default"/>
     <dgm:cxn modelId="{94219975-1C27-479A-98CD-2FECC0E0F450}" type="presOf" srcId="{3EFB8E9E-D1E8-41CC-BB61-E9F3844E4551}" destId="{AD29784B-3A9F-48E5-8C78-E7390793144E}" srcOrd="0" destOrd="0" presId="urn:microsoft.com/office/officeart/2005/8/layout/default"/>
+    <dgm:cxn modelId="{190BEE8F-10FD-4D51-AF9F-D3CBBE210447}" type="presOf" srcId="{030FA8F0-574F-474C-A446-9D8883AC19EA}" destId="{C65AA8AC-48A7-4A34-B96E-401F2AA4995D}" srcOrd="0" destOrd="0" presId="urn:microsoft.com/office/officeart/2005/8/layout/default"/>
     <dgm:cxn modelId="{77654991-4817-4770-ABC2-B49319552E0E}" srcId="{48DA57D3-0AA6-4BE5-B8D0-859C3D96F202}" destId="{5934FB2D-2F51-4C75-B94F-151474C8DBF0}" srcOrd="10" destOrd="0" parTransId="{CB1F950B-7D4E-4C76-85AA-3E7EA4DF9CC7}" sibTransId="{FC9C7ED7-A544-437B-8315-511228FB0588}"/>
     <dgm:cxn modelId="{D37022A9-3700-414D-BCFA-31B59BE64355}" type="presOf" srcId="{40F46643-F9EF-4C39-8944-A8BD9FE47925}" destId="{F093F579-99A3-460C-9444-0ED9B77F131A}" srcOrd="0" destOrd="0" presId="urn:microsoft.com/office/officeart/2005/8/layout/default"/>
     <dgm:cxn modelId="{5C7210B2-AC11-4834-8DD7-8A00C25EDCF8}" srcId="{48DA57D3-0AA6-4BE5-B8D0-859C3D96F202}" destId="{3596C1E1-78F0-4683-B9E9-36D12C2464F6}" srcOrd="4" destOrd="0" parTransId="{681FDDAF-0B55-4871-83B4-986A567F2CA8}" sibTransId="{0A299B1A-E529-4F76-AACF-BB2A8BFFD66C}"/>
@@ -3690,6 +3842,7 @@
     <dgm:cxn modelId="{B2CB58EB-C16A-407C-8A14-7B4C1212D2F0}" type="presOf" srcId="{46C6EEF4-B629-424B-9136-55615C0D6651}" destId="{849A1A6F-9C47-46F9-910C-8D4326B60FD1}" srcOrd="0" destOrd="0" presId="urn:microsoft.com/office/officeart/2005/8/layout/default"/>
     <dgm:cxn modelId="{FAE586EF-6C85-481C-B525-52978611B049}" type="presOf" srcId="{5934FB2D-2F51-4C75-B94F-151474C8DBF0}" destId="{57242B42-6767-4CE9-9C09-44F726E66B40}" srcOrd="0" destOrd="0" presId="urn:microsoft.com/office/officeart/2005/8/layout/default"/>
     <dgm:cxn modelId="{1DC82CF3-0E06-4F01-860F-F39F62FBE8C5}" type="presOf" srcId="{6019BDFE-CD59-457E-A91C-9CE839A42AAB}" destId="{27235FBE-D92C-4E55-9A82-86002F499E7F}" srcOrd="0" destOrd="0" presId="urn:microsoft.com/office/officeart/2005/8/layout/default"/>
+    <dgm:cxn modelId="{D2E06EF8-3D90-4891-B157-073C89D1C8DD}" type="presOf" srcId="{60A2BD6D-77E4-4E76-8041-A03C3CDF1FDD}" destId="{4BA07815-E9CA-4497-BE8B-28E86DBCE203}" srcOrd="0" destOrd="0" presId="urn:microsoft.com/office/officeart/2005/8/layout/default"/>
     <dgm:cxn modelId="{72BD07FF-A9D4-4C56-A21C-77E7FF03648F}" srcId="{48DA57D3-0AA6-4BE5-B8D0-859C3D96F202}" destId="{40F46643-F9EF-4C39-8944-A8BD9FE47925}" srcOrd="0" destOrd="0" parTransId="{A10DE363-9F04-42E0-8423-304588DD1E3F}" sibTransId="{9BA1070B-5FAF-46AC-AF5A-45E4862A5654}"/>
     <dgm:cxn modelId="{E18430FF-4972-4E7A-83B6-6B85907AED1C}" type="presOf" srcId="{32E53A2F-13A9-4EB2-9972-8B957F3EB1EC}" destId="{27B43460-A30C-4A8E-8D03-CE27F067DAE8}" srcOrd="0" destOrd="0" presId="urn:microsoft.com/office/officeart/2005/8/layout/default"/>
     <dgm:cxn modelId="{1731B122-4E0C-4D90-AE76-028AA79071E8}" type="presParOf" srcId="{27E8D39E-082F-449A-B15F-E2111F9B6294}" destId="{F093F579-99A3-460C-9444-0ED9B77F131A}" srcOrd="0" destOrd="0" presId="urn:microsoft.com/office/officeart/2005/8/layout/default"/>
@@ -3717,6 +3870,10 @@
     <dgm:cxn modelId="{FE7243E4-ABD4-4B76-B105-7374DE1CF82B}" type="presParOf" srcId="{27E8D39E-082F-449A-B15F-E2111F9B6294}" destId="{849A1A6F-9C47-46F9-910C-8D4326B60FD1}" srcOrd="22" destOrd="0" presId="urn:microsoft.com/office/officeart/2005/8/layout/default"/>
     <dgm:cxn modelId="{8F8BF1EE-02F7-412D-95EE-0402E2BBB787}" type="presParOf" srcId="{27E8D39E-082F-449A-B15F-E2111F9B6294}" destId="{544CA987-BE80-40C1-AF2D-11EA157CBB81}" srcOrd="23" destOrd="0" presId="urn:microsoft.com/office/officeart/2005/8/layout/default"/>
     <dgm:cxn modelId="{0DCBD30F-1A03-411D-BA9A-3796B31E6BC9}" type="presParOf" srcId="{27E8D39E-082F-449A-B15F-E2111F9B6294}" destId="{AD29784B-3A9F-48E5-8C78-E7390793144E}" srcOrd="24" destOrd="0" presId="urn:microsoft.com/office/officeart/2005/8/layout/default"/>
+    <dgm:cxn modelId="{2D189B0E-F56B-4010-AAF6-C8CCA3D517A3}" type="presParOf" srcId="{27E8D39E-082F-449A-B15F-E2111F9B6294}" destId="{7E54706D-B33E-4726-B950-22814C1AA54E}" srcOrd="25" destOrd="0" presId="urn:microsoft.com/office/officeart/2005/8/layout/default"/>
+    <dgm:cxn modelId="{AD08E9F9-84BE-459A-8D4B-8D3E56C02A1D}" type="presParOf" srcId="{27E8D39E-082F-449A-B15F-E2111F9B6294}" destId="{C65AA8AC-48A7-4A34-B96E-401F2AA4995D}" srcOrd="26" destOrd="0" presId="urn:microsoft.com/office/officeart/2005/8/layout/default"/>
+    <dgm:cxn modelId="{0BFDA87E-ECAD-4230-B8D1-0A09A0AC9A79}" type="presParOf" srcId="{27E8D39E-082F-449A-B15F-E2111F9B6294}" destId="{1D683658-43FC-43CA-A92E-570D5250A31B}" srcOrd="27" destOrd="0" presId="urn:microsoft.com/office/officeart/2005/8/layout/default"/>
+    <dgm:cxn modelId="{C463C7A6-8537-4483-8BE4-93F8F1034FE9}" type="presParOf" srcId="{27E8D39E-082F-449A-B15F-E2111F9B6294}" destId="{4BA07815-E9CA-4497-BE8B-28E86DBCE203}" srcOrd="28" destOrd="0" presId="urn:microsoft.com/office/officeart/2005/8/layout/default"/>
   </dgm:cxnLst>
   <dgm:bg/>
   <dgm:whole/>
@@ -3751,7 +3908,7 @@
         <a:p>
           <a:r>
             <a:rPr lang="en-AU" dirty="0"/>
-            <a:t>Created a did the student withdraw from the course column {</a:t>
+            <a:t>Created a did the student withdraw from or complete the course column {</a:t>
           </a:r>
           <a:r>
             <a:rPr lang="en-AU" dirty="0" err="1"/>
@@ -3967,6 +4124,321 @@
         </a:p>
       </dgm:t>
     </dgm:pt>
+    <dgm:pt modelId="{63A455E0-F0F7-4B9D-AA7C-2015CEB886D0}">
+      <dgm:prSet/>
+      <dgm:spPr/>
+      <dgm:t>
+        <a:bodyPr/>
+        <a:lstStyle/>
+        <a:p>
+          <a:r>
+            <a:rPr lang="en-AU" dirty="0"/>
+            <a:t>Created a difference between when student handed in the assignment and the assignment due date column {</a:t>
+          </a:r>
+          <a:r>
+            <a:rPr lang="en-AU" dirty="0" err="1"/>
+            <a:t>Oulad</a:t>
+          </a:r>
+          <a:r>
+            <a:rPr lang="en-AU" dirty="0"/>
+            <a:t>}</a:t>
+          </a:r>
+          <a:endParaRPr lang="en-US" dirty="0"/>
+        </a:p>
+      </dgm:t>
+    </dgm:pt>
+    <dgm:pt modelId="{4BA10B1B-7D57-42C5-BB8C-4F54504BAE83}" type="parTrans" cxnId="{CA285C2C-B384-4134-AD96-A45E656CEE02}">
+      <dgm:prSet/>
+      <dgm:spPr/>
+      <dgm:t>
+        <a:bodyPr/>
+        <a:lstStyle/>
+        <a:p>
+          <a:endParaRPr lang="en-AU"/>
+        </a:p>
+      </dgm:t>
+    </dgm:pt>
+    <dgm:pt modelId="{78D726DB-E455-4763-BD74-32998ED2E07A}" type="sibTrans" cxnId="{CA285C2C-B384-4134-AD96-A45E656CEE02}">
+      <dgm:prSet/>
+      <dgm:spPr/>
+      <dgm:t>
+        <a:bodyPr/>
+        <a:lstStyle/>
+        <a:p>
+          <a:endParaRPr lang="en-AU"/>
+        </a:p>
+      </dgm:t>
+    </dgm:pt>
+    <dgm:pt modelId="{B8056DA9-CC36-42AC-A9EF-7BC812DA09C9}">
+      <dgm:prSet/>
+      <dgm:spPr/>
+      <dgm:t>
+        <a:bodyPr/>
+        <a:lstStyle/>
+        <a:p>
+          <a:r>
+            <a:rPr lang="en-AU" dirty="0"/>
+            <a:t>Created a has student taken an exam column {</a:t>
+          </a:r>
+          <a:r>
+            <a:rPr lang="en-AU" dirty="0" err="1"/>
+            <a:t>Oulad</a:t>
+          </a:r>
+          <a:r>
+            <a:rPr lang="en-AU" dirty="0"/>
+            <a:t>}</a:t>
+          </a:r>
+          <a:endParaRPr lang="en-US" dirty="0"/>
+        </a:p>
+      </dgm:t>
+    </dgm:pt>
+    <dgm:pt modelId="{C949E76D-6E3E-4D37-8186-936266E05A3E}" type="parTrans" cxnId="{C8B1BE22-4CB5-45BA-8FFF-6C4E80F54F6F}">
+      <dgm:prSet/>
+      <dgm:spPr/>
+      <dgm:t>
+        <a:bodyPr/>
+        <a:lstStyle/>
+        <a:p>
+          <a:endParaRPr lang="en-AU"/>
+        </a:p>
+      </dgm:t>
+    </dgm:pt>
+    <dgm:pt modelId="{97AB8C7E-E9DA-47CE-9D94-38BF2C91B02B}" type="sibTrans" cxnId="{C8B1BE22-4CB5-45BA-8FFF-6C4E80F54F6F}">
+      <dgm:prSet/>
+      <dgm:spPr/>
+      <dgm:t>
+        <a:bodyPr/>
+        <a:lstStyle/>
+        <a:p>
+          <a:endParaRPr lang="en-AU"/>
+        </a:p>
+      </dgm:t>
+    </dgm:pt>
+    <dgm:pt modelId="{CDD09D67-2A3F-4884-B84E-D3DDA3ED5A2E}">
+      <dgm:prSet/>
+      <dgm:spPr/>
+      <dgm:t>
+        <a:bodyPr/>
+        <a:lstStyle/>
+        <a:p>
+          <a:r>
+            <a:rPr lang="en-AU" dirty="0"/>
+            <a:t>Created a sum of the weighted scores column {</a:t>
+          </a:r>
+          <a:r>
+            <a:rPr lang="en-AU" dirty="0" err="1"/>
+            <a:t>Oulad</a:t>
+          </a:r>
+          <a:r>
+            <a:rPr lang="en-AU" dirty="0"/>
+            <a:t>}</a:t>
+          </a:r>
+          <a:endParaRPr lang="en-US" dirty="0"/>
+        </a:p>
+      </dgm:t>
+    </dgm:pt>
+    <dgm:pt modelId="{90C58F6C-2A40-413D-B3D5-28BA511052E9}" type="parTrans" cxnId="{F9C68A4A-25ED-4B81-8121-248EE490F431}">
+      <dgm:prSet/>
+      <dgm:spPr/>
+      <dgm:t>
+        <a:bodyPr/>
+        <a:lstStyle/>
+        <a:p>
+          <a:endParaRPr lang="en-AU"/>
+        </a:p>
+      </dgm:t>
+    </dgm:pt>
+    <dgm:pt modelId="{F0ED9FBE-2BE5-4F57-9B9F-B99996A90874}" type="sibTrans" cxnId="{F9C68A4A-25ED-4B81-8121-248EE490F431}">
+      <dgm:prSet/>
+      <dgm:spPr/>
+      <dgm:t>
+        <a:bodyPr/>
+        <a:lstStyle/>
+        <a:p>
+          <a:endParaRPr lang="en-AU"/>
+        </a:p>
+      </dgm:t>
+    </dgm:pt>
+    <dgm:pt modelId="{0448F2D6-7FED-4789-A887-4D8B989D4C2D}">
+      <dgm:prSet/>
+      <dgm:spPr/>
+      <dgm:t>
+        <a:bodyPr/>
+        <a:lstStyle/>
+        <a:p>
+          <a:r>
+            <a:rPr lang="en-AU" dirty="0"/>
+            <a:t>Created a column where I grouped the module and presentation IDs {</a:t>
+          </a:r>
+          <a:r>
+            <a:rPr lang="en-AU" dirty="0" err="1"/>
+            <a:t>Oulad</a:t>
+          </a:r>
+          <a:r>
+            <a:rPr lang="en-AU" dirty="0"/>
+            <a:t>}</a:t>
+          </a:r>
+          <a:endParaRPr lang="en-US" dirty="0"/>
+        </a:p>
+      </dgm:t>
+    </dgm:pt>
+    <dgm:pt modelId="{1BAD48E2-14CF-4280-A68F-D4F6BF1D5480}" type="parTrans" cxnId="{8B8072BE-EB3B-41A6-A126-EE1AA31499DF}">
+      <dgm:prSet/>
+      <dgm:spPr/>
+      <dgm:t>
+        <a:bodyPr/>
+        <a:lstStyle/>
+        <a:p>
+          <a:endParaRPr lang="en-AU"/>
+        </a:p>
+      </dgm:t>
+    </dgm:pt>
+    <dgm:pt modelId="{1C867ED2-6B02-44C4-94EF-B7BFF4724E1F}" type="sibTrans" cxnId="{8B8072BE-EB3B-41A6-A126-EE1AA31499DF}">
+      <dgm:prSet/>
+      <dgm:spPr/>
+      <dgm:t>
+        <a:bodyPr/>
+        <a:lstStyle/>
+        <a:p>
+          <a:endParaRPr lang="en-AU"/>
+        </a:p>
+      </dgm:t>
+    </dgm:pt>
+    <dgm:pt modelId="{FDD350C5-66CE-47EA-9DC7-E90178AAC68C}">
+      <dgm:prSet/>
+      <dgm:spPr/>
+      <dgm:t>
+        <a:bodyPr/>
+        <a:lstStyle/>
+        <a:p>
+          <a:r>
+            <a:rPr lang="en-AU" dirty="0"/>
+            <a:t>Created a column that converts the grade a student received to its numerical equivalent {</a:t>
+          </a:r>
+          <a:r>
+            <a:rPr lang="en-AU" dirty="0" err="1"/>
+            <a:t>Oulad</a:t>
+          </a:r>
+          <a:r>
+            <a:rPr lang="en-AU" dirty="0"/>
+            <a:t>}</a:t>
+          </a:r>
+          <a:endParaRPr lang="en-US" dirty="0"/>
+        </a:p>
+      </dgm:t>
+    </dgm:pt>
+    <dgm:pt modelId="{1887DAEB-5C1B-4A8D-A09A-B0ADF1DF0872}" type="parTrans" cxnId="{202457B0-79AE-4C65-92BE-65451F245993}">
+      <dgm:prSet/>
+      <dgm:spPr/>
+      <dgm:t>
+        <a:bodyPr/>
+        <a:lstStyle/>
+        <a:p>
+          <a:endParaRPr lang="en-AU"/>
+        </a:p>
+      </dgm:t>
+    </dgm:pt>
+    <dgm:pt modelId="{4AF3C153-F041-46A7-92DC-3E8CFCF83185}" type="sibTrans" cxnId="{202457B0-79AE-4C65-92BE-65451F245993}">
+      <dgm:prSet/>
+      <dgm:spPr/>
+      <dgm:t>
+        <a:bodyPr/>
+        <a:lstStyle/>
+        <a:p>
+          <a:endParaRPr lang="en-AU"/>
+        </a:p>
+      </dgm:t>
+    </dgm:pt>
+    <dgm:pt modelId="{69452C02-DAAA-4C91-91C8-D6280D69EA77}">
+      <dgm:prSet/>
+      <dgm:spPr/>
+      <dgm:t>
+        <a:bodyPr/>
+        <a:lstStyle/>
+        <a:p>
+          <a:r>
+            <a:rPr lang="en-AU" dirty="0"/>
+            <a:t>Created a column works out the grade points {</a:t>
+          </a:r>
+          <a:r>
+            <a:rPr lang="en-AU" dirty="0" err="1"/>
+            <a:t>Oulad</a:t>
+          </a:r>
+          <a:r>
+            <a:rPr lang="en-AU" dirty="0"/>
+            <a:t>}</a:t>
+          </a:r>
+          <a:endParaRPr lang="en-US" dirty="0"/>
+        </a:p>
+      </dgm:t>
+    </dgm:pt>
+    <dgm:pt modelId="{4742BDAE-8C42-4BE9-9D10-9D85733A2CCE}" type="parTrans" cxnId="{B90B538C-7ECF-4326-966A-49FDBAA28619}">
+      <dgm:prSet/>
+      <dgm:spPr/>
+      <dgm:t>
+        <a:bodyPr/>
+        <a:lstStyle/>
+        <a:p>
+          <a:endParaRPr lang="en-AU"/>
+        </a:p>
+      </dgm:t>
+    </dgm:pt>
+    <dgm:pt modelId="{7FA213B7-DF4F-43D5-9631-ACEF9535451A}" type="sibTrans" cxnId="{B90B538C-7ECF-4326-966A-49FDBAA28619}">
+      <dgm:prSet/>
+      <dgm:spPr/>
+      <dgm:t>
+        <a:bodyPr/>
+        <a:lstStyle/>
+        <a:p>
+          <a:endParaRPr lang="en-AU"/>
+        </a:p>
+      </dgm:t>
+    </dgm:pt>
+    <dgm:pt modelId="{4FA1AC0E-2466-4AEB-9B94-B04DD7A128D0}">
+      <dgm:prSet/>
+      <dgm:spPr/>
+      <dgm:t>
+        <a:bodyPr/>
+        <a:lstStyle/>
+        <a:p>
+          <a:r>
+            <a:rPr lang="en-AU" dirty="0"/>
+            <a:t>Created a column that works out the total credits a course is worth {</a:t>
+          </a:r>
+          <a:r>
+            <a:rPr lang="en-AU" dirty="0" err="1"/>
+            <a:t>Oulad</a:t>
+          </a:r>
+          <a:r>
+            <a:rPr lang="en-AU" dirty="0"/>
+            <a:t>}</a:t>
+          </a:r>
+          <a:endParaRPr lang="en-US" dirty="0"/>
+        </a:p>
+      </dgm:t>
+    </dgm:pt>
+    <dgm:pt modelId="{34EB7B48-E4FC-4341-991E-9260C356E355}" type="parTrans" cxnId="{CAB99891-C595-40C9-ACB0-2888F0418169}">
+      <dgm:prSet/>
+      <dgm:spPr/>
+      <dgm:t>
+        <a:bodyPr/>
+        <a:lstStyle/>
+        <a:p>
+          <a:endParaRPr lang="en-AU"/>
+        </a:p>
+      </dgm:t>
+    </dgm:pt>
+    <dgm:pt modelId="{BE169879-F582-40CF-B5F9-F976BF1A6492}" type="sibTrans" cxnId="{CAB99891-C595-40C9-ACB0-2888F0418169}">
+      <dgm:prSet/>
+      <dgm:spPr/>
+      <dgm:t>
+        <a:bodyPr/>
+        <a:lstStyle/>
+        <a:p>
+          <a:endParaRPr lang="en-AU"/>
+        </a:p>
+      </dgm:t>
+    </dgm:pt>
     <dgm:pt modelId="{27E8D39E-082F-449A-B15F-E2111F9B6294}" type="pres">
       <dgm:prSet presAssocID="{48DA57D3-0AA6-4BE5-B8D0-859C3D96F202}" presName="diagram" presStyleCnt="0">
         <dgm:presLayoutVars>
@@ -3977,7 +4449,7 @@
       <dgm:spPr/>
     </dgm:pt>
     <dgm:pt modelId="{F093F579-99A3-460C-9444-0ED9B77F131A}" type="pres">
-      <dgm:prSet presAssocID="{40F46643-F9EF-4C39-8944-A8BD9FE47925}" presName="node" presStyleLbl="node1" presStyleIdx="0" presStyleCnt="5">
+      <dgm:prSet presAssocID="{40F46643-F9EF-4C39-8944-A8BD9FE47925}" presName="node" presStyleLbl="node1" presStyleIdx="0" presStyleCnt="12">
         <dgm:presLayoutVars>
           <dgm:bulletEnabled val="1"/>
         </dgm:presLayoutVars>
@@ -3989,7 +4461,7 @@
       <dgm:spPr/>
     </dgm:pt>
     <dgm:pt modelId="{27B43460-A30C-4A8E-8D03-CE27F067DAE8}" type="pres">
-      <dgm:prSet presAssocID="{32E53A2F-13A9-4EB2-9972-8B957F3EB1EC}" presName="node" presStyleLbl="node1" presStyleIdx="1" presStyleCnt="5">
+      <dgm:prSet presAssocID="{32E53A2F-13A9-4EB2-9972-8B957F3EB1EC}" presName="node" presStyleLbl="node1" presStyleIdx="1" presStyleCnt="12">
         <dgm:presLayoutVars>
           <dgm:bulletEnabled val="1"/>
         </dgm:presLayoutVars>
@@ -4001,7 +4473,7 @@
       <dgm:spPr/>
     </dgm:pt>
     <dgm:pt modelId="{231DD4F5-8B69-46AA-8BC3-DFFD449F11E1}" type="pres">
-      <dgm:prSet presAssocID="{1C985B4C-A33B-4828-9C48-06444DB47B03}" presName="node" presStyleLbl="node1" presStyleIdx="2" presStyleCnt="5">
+      <dgm:prSet presAssocID="{1C985B4C-A33B-4828-9C48-06444DB47B03}" presName="node" presStyleLbl="node1" presStyleIdx="2" presStyleCnt="12">
         <dgm:presLayoutVars>
           <dgm:bulletEnabled val="1"/>
         </dgm:presLayoutVars>
@@ -4013,7 +4485,7 @@
       <dgm:spPr/>
     </dgm:pt>
     <dgm:pt modelId="{A22E5273-DCFF-438B-9601-DCA2FEF80F10}" type="pres">
-      <dgm:prSet presAssocID="{5D7D66B3-2955-4BF4-AF21-A131370894D3}" presName="node" presStyleLbl="node1" presStyleIdx="3" presStyleCnt="5">
+      <dgm:prSet presAssocID="{5D7D66B3-2955-4BF4-AF21-A131370894D3}" presName="node" presStyleLbl="node1" presStyleIdx="3" presStyleCnt="12">
         <dgm:presLayoutVars>
           <dgm:bulletEnabled val="1"/>
         </dgm:presLayoutVars>
@@ -4025,7 +4497,91 @@
       <dgm:spPr/>
     </dgm:pt>
     <dgm:pt modelId="{2F17525F-F9CC-481A-A472-952E517E3CB2}" type="pres">
-      <dgm:prSet presAssocID="{3596C1E1-78F0-4683-B9E9-36D12C2464F6}" presName="node" presStyleLbl="node1" presStyleIdx="4" presStyleCnt="5">
+      <dgm:prSet presAssocID="{3596C1E1-78F0-4683-B9E9-36D12C2464F6}" presName="node" presStyleLbl="node1" presStyleIdx="4" presStyleCnt="12">
+        <dgm:presLayoutVars>
+          <dgm:bulletEnabled val="1"/>
+        </dgm:presLayoutVars>
+      </dgm:prSet>
+      <dgm:spPr/>
+    </dgm:pt>
+    <dgm:pt modelId="{57F71035-F85B-4F77-848A-BADD1931DC13}" type="pres">
+      <dgm:prSet presAssocID="{0A299B1A-E529-4F76-AACF-BB2A8BFFD66C}" presName="sibTrans" presStyleCnt="0"/>
+      <dgm:spPr/>
+    </dgm:pt>
+    <dgm:pt modelId="{47FCD1A4-36C5-4398-8646-1BAB47F1F92E}" type="pres">
+      <dgm:prSet presAssocID="{63A455E0-F0F7-4B9D-AA7C-2015CEB886D0}" presName="node" presStyleLbl="node1" presStyleIdx="5" presStyleCnt="12">
+        <dgm:presLayoutVars>
+          <dgm:bulletEnabled val="1"/>
+        </dgm:presLayoutVars>
+      </dgm:prSet>
+      <dgm:spPr/>
+    </dgm:pt>
+    <dgm:pt modelId="{F20B5069-C93C-4364-965E-6C30C8809C39}" type="pres">
+      <dgm:prSet presAssocID="{78D726DB-E455-4763-BD74-32998ED2E07A}" presName="sibTrans" presStyleCnt="0"/>
+      <dgm:spPr/>
+    </dgm:pt>
+    <dgm:pt modelId="{E1F1293F-CEF1-482D-A02F-8A163FD17FBB}" type="pres">
+      <dgm:prSet presAssocID="{B8056DA9-CC36-42AC-A9EF-7BC812DA09C9}" presName="node" presStyleLbl="node1" presStyleIdx="6" presStyleCnt="12">
+        <dgm:presLayoutVars>
+          <dgm:bulletEnabled val="1"/>
+        </dgm:presLayoutVars>
+      </dgm:prSet>
+      <dgm:spPr/>
+    </dgm:pt>
+    <dgm:pt modelId="{0C5CC8E6-BD73-4988-AF7A-1A579395387C}" type="pres">
+      <dgm:prSet presAssocID="{97AB8C7E-E9DA-47CE-9D94-38BF2C91B02B}" presName="sibTrans" presStyleCnt="0"/>
+      <dgm:spPr/>
+    </dgm:pt>
+    <dgm:pt modelId="{EBB38E14-9C8A-4AC6-BBDE-84F7DB177F06}" type="pres">
+      <dgm:prSet presAssocID="{CDD09D67-2A3F-4884-B84E-D3DDA3ED5A2E}" presName="node" presStyleLbl="node1" presStyleIdx="7" presStyleCnt="12">
+        <dgm:presLayoutVars>
+          <dgm:bulletEnabled val="1"/>
+        </dgm:presLayoutVars>
+      </dgm:prSet>
+      <dgm:spPr/>
+    </dgm:pt>
+    <dgm:pt modelId="{597B6594-C6EA-4F17-8AB9-C6AA6AD8E0CA}" type="pres">
+      <dgm:prSet presAssocID="{F0ED9FBE-2BE5-4F57-9B9F-B99996A90874}" presName="sibTrans" presStyleCnt="0"/>
+      <dgm:spPr/>
+    </dgm:pt>
+    <dgm:pt modelId="{B6AC7FFF-6E7F-4771-90EC-DB3537765E70}" type="pres">
+      <dgm:prSet presAssocID="{0448F2D6-7FED-4789-A887-4D8B989D4C2D}" presName="node" presStyleLbl="node1" presStyleIdx="8" presStyleCnt="12">
+        <dgm:presLayoutVars>
+          <dgm:bulletEnabled val="1"/>
+        </dgm:presLayoutVars>
+      </dgm:prSet>
+      <dgm:spPr/>
+    </dgm:pt>
+    <dgm:pt modelId="{BA151C27-276C-48B1-BE20-3CA9716A8571}" type="pres">
+      <dgm:prSet presAssocID="{1C867ED2-6B02-44C4-94EF-B7BFF4724E1F}" presName="sibTrans" presStyleCnt="0"/>
+      <dgm:spPr/>
+    </dgm:pt>
+    <dgm:pt modelId="{1A1D4E29-E867-40E6-8CDA-4F3D550D850C}" type="pres">
+      <dgm:prSet presAssocID="{FDD350C5-66CE-47EA-9DC7-E90178AAC68C}" presName="node" presStyleLbl="node1" presStyleIdx="9" presStyleCnt="12">
+        <dgm:presLayoutVars>
+          <dgm:bulletEnabled val="1"/>
+        </dgm:presLayoutVars>
+      </dgm:prSet>
+      <dgm:spPr/>
+    </dgm:pt>
+    <dgm:pt modelId="{15F299F9-FD9F-4546-8556-3907AC34A3C7}" type="pres">
+      <dgm:prSet presAssocID="{4AF3C153-F041-46A7-92DC-3E8CFCF83185}" presName="sibTrans" presStyleCnt="0"/>
+      <dgm:spPr/>
+    </dgm:pt>
+    <dgm:pt modelId="{D88F36EA-D347-4185-BC82-767F6DFA6951}" type="pres">
+      <dgm:prSet presAssocID="{69452C02-DAAA-4C91-91C8-D6280D69EA77}" presName="node" presStyleLbl="node1" presStyleIdx="10" presStyleCnt="12">
+        <dgm:presLayoutVars>
+          <dgm:bulletEnabled val="1"/>
+        </dgm:presLayoutVars>
+      </dgm:prSet>
+      <dgm:spPr/>
+    </dgm:pt>
+    <dgm:pt modelId="{E5906959-8E98-4314-BF2C-5524431A211B}" type="pres">
+      <dgm:prSet presAssocID="{7FA213B7-DF4F-43D5-9631-ACEF9535451A}" presName="sibTrans" presStyleCnt="0"/>
+      <dgm:spPr/>
+    </dgm:pt>
+    <dgm:pt modelId="{AB53E3E9-EC68-4834-B68B-F649A3DDB149}" type="pres">
+      <dgm:prSet presAssocID="{4FA1AC0E-2466-4AEB-9B94-B04DD7A128D0}" presName="node" presStyleLbl="node1" presStyleIdx="11" presStyleCnt="12">
         <dgm:presLayoutVars>
           <dgm:bulletEnabled val="1"/>
         </dgm:presLayoutVars>
@@ -4035,14 +4591,28 @@
   </dgm:ptLst>
   <dgm:cxnLst>
     <dgm:cxn modelId="{23D09D05-BB78-417A-B0AA-AFB57475BC7D}" type="presOf" srcId="{48DA57D3-0AA6-4BE5-B8D0-859C3D96F202}" destId="{27E8D39E-082F-449A-B15F-E2111F9B6294}" srcOrd="0" destOrd="0" presId="urn:microsoft.com/office/officeart/2005/8/layout/default"/>
+    <dgm:cxn modelId="{C8B1BE22-4CB5-45BA-8FFF-6C4E80F54F6F}" srcId="{48DA57D3-0AA6-4BE5-B8D0-859C3D96F202}" destId="{B8056DA9-CC36-42AC-A9EF-7BC812DA09C9}" srcOrd="6" destOrd="0" parTransId="{C949E76D-6E3E-4D37-8186-936266E05A3E}" sibTransId="{97AB8C7E-E9DA-47CE-9D94-38BF2C91B02B}"/>
+    <dgm:cxn modelId="{CA285C2C-B384-4134-AD96-A45E656CEE02}" srcId="{48DA57D3-0AA6-4BE5-B8D0-859C3D96F202}" destId="{63A455E0-F0F7-4B9D-AA7C-2015CEB886D0}" srcOrd="5" destOrd="0" parTransId="{4BA10B1B-7D57-42C5-BB8C-4F54504BAE83}" sibTransId="{78D726DB-E455-4763-BD74-32998ED2E07A}"/>
     <dgm:cxn modelId="{D483163C-629E-4653-B271-AF48D0D20CF1}" srcId="{48DA57D3-0AA6-4BE5-B8D0-859C3D96F202}" destId="{32E53A2F-13A9-4EB2-9972-8B957F3EB1EC}" srcOrd="1" destOrd="0" parTransId="{2C33F32A-1F6D-4FB2-AE8A-42F82B386087}" sibTransId="{B72AFFA5-AD31-4F43-9D9A-6139B07060F8}"/>
     <dgm:cxn modelId="{6E025368-D618-46FB-AB2C-C81D0346A151}" srcId="{48DA57D3-0AA6-4BE5-B8D0-859C3D96F202}" destId="{5D7D66B3-2955-4BF4-AF21-A131370894D3}" srcOrd="3" destOrd="0" parTransId="{DADB9D29-F56C-4B4C-BAD6-822F0BB2D592}" sibTransId="{62524B42-9FFA-4F66-96E0-AE74CC0EBD12}"/>
+    <dgm:cxn modelId="{F9C68A4A-25ED-4B81-8121-248EE490F431}" srcId="{48DA57D3-0AA6-4BE5-B8D0-859C3D96F202}" destId="{CDD09D67-2A3F-4884-B84E-D3DDA3ED5A2E}" srcOrd="7" destOrd="0" parTransId="{90C58F6C-2A40-413D-B3D5-28BA511052E9}" sibTransId="{F0ED9FBE-2BE5-4F57-9B9F-B99996A90874}"/>
     <dgm:cxn modelId="{D5516150-E174-44A9-BBBE-410DA44D9918}" type="presOf" srcId="{1C985B4C-A33B-4828-9C48-06444DB47B03}" destId="{231DD4F5-8B69-46AA-8BC3-DFFD449F11E1}" srcOrd="0" destOrd="0" presId="urn:microsoft.com/office/officeart/2005/8/layout/default"/>
+    <dgm:cxn modelId="{7B213651-57BC-4DF4-865E-01F05D7F6E38}" type="presOf" srcId="{B8056DA9-CC36-42AC-A9EF-7BC812DA09C9}" destId="{E1F1293F-CEF1-482D-A02F-8A163FD17FBB}" srcOrd="0" destOrd="0" presId="urn:microsoft.com/office/officeart/2005/8/layout/default"/>
     <dgm:cxn modelId="{D1BFAB51-45C6-4032-ABCC-032DE3B92FA1}" type="presOf" srcId="{3596C1E1-78F0-4683-B9E9-36D12C2464F6}" destId="{2F17525F-F9CC-481A-A472-952E517E3CB2}" srcOrd="0" destOrd="0" presId="urn:microsoft.com/office/officeart/2005/8/layout/default"/>
+    <dgm:cxn modelId="{B90B538C-7ECF-4326-966A-49FDBAA28619}" srcId="{48DA57D3-0AA6-4BE5-B8D0-859C3D96F202}" destId="{69452C02-DAAA-4C91-91C8-D6280D69EA77}" srcOrd="10" destOrd="0" parTransId="{4742BDAE-8C42-4BE9-9D10-9D85733A2CCE}" sibTransId="{7FA213B7-DF4F-43D5-9631-ACEF9535451A}"/>
+    <dgm:cxn modelId="{CAB99891-C595-40C9-ACB0-2888F0418169}" srcId="{48DA57D3-0AA6-4BE5-B8D0-859C3D96F202}" destId="{4FA1AC0E-2466-4AEB-9B94-B04DD7A128D0}" srcOrd="11" destOrd="0" parTransId="{34EB7B48-E4FC-4341-991E-9260C356E355}" sibTransId="{BE169879-F582-40CF-B5F9-F976BF1A6492}"/>
+    <dgm:cxn modelId="{316B229F-97B9-4E7E-AA23-53273C161060}" type="presOf" srcId="{4FA1AC0E-2466-4AEB-9B94-B04DD7A128D0}" destId="{AB53E3E9-EC68-4834-B68B-F649A3DDB149}" srcOrd="0" destOrd="0" presId="urn:microsoft.com/office/officeart/2005/8/layout/default"/>
     <dgm:cxn modelId="{D37022A9-3700-414D-BCFA-31B59BE64355}" type="presOf" srcId="{40F46643-F9EF-4C39-8944-A8BD9FE47925}" destId="{F093F579-99A3-460C-9444-0ED9B77F131A}" srcOrd="0" destOrd="0" presId="urn:microsoft.com/office/officeart/2005/8/layout/default"/>
+    <dgm:cxn modelId="{958E54AA-94F6-4622-98C7-3AB580FE2610}" type="presOf" srcId="{FDD350C5-66CE-47EA-9DC7-E90178AAC68C}" destId="{1A1D4E29-E867-40E6-8CDA-4F3D550D850C}" srcOrd="0" destOrd="0" presId="urn:microsoft.com/office/officeart/2005/8/layout/default"/>
+    <dgm:cxn modelId="{202457B0-79AE-4C65-92BE-65451F245993}" srcId="{48DA57D3-0AA6-4BE5-B8D0-859C3D96F202}" destId="{FDD350C5-66CE-47EA-9DC7-E90178AAC68C}" srcOrd="9" destOrd="0" parTransId="{1887DAEB-5C1B-4A8D-A09A-B0ADF1DF0872}" sibTransId="{4AF3C153-F041-46A7-92DC-3E8CFCF83185}"/>
     <dgm:cxn modelId="{5C7210B2-AC11-4834-8DD7-8A00C25EDCF8}" srcId="{48DA57D3-0AA6-4BE5-B8D0-859C3D96F202}" destId="{3596C1E1-78F0-4683-B9E9-36D12C2464F6}" srcOrd="4" destOrd="0" parTransId="{681FDDAF-0B55-4871-83B4-986A567F2CA8}" sibTransId="{0A299B1A-E529-4F76-AACF-BB2A8BFFD66C}"/>
+    <dgm:cxn modelId="{5EC3D4B4-6D60-4335-BABA-8D748C4D7CCB}" type="presOf" srcId="{69452C02-DAAA-4C91-91C8-D6280D69EA77}" destId="{D88F36EA-D347-4185-BC82-767F6DFA6951}" srcOrd="0" destOrd="0" presId="urn:microsoft.com/office/officeart/2005/8/layout/default"/>
+    <dgm:cxn modelId="{8CCCEFB9-6AD8-4ADC-B756-DF7720C42764}" type="presOf" srcId="{CDD09D67-2A3F-4884-B84E-D3DDA3ED5A2E}" destId="{EBB38E14-9C8A-4AC6-BBDE-84F7DB177F06}" srcOrd="0" destOrd="0" presId="urn:microsoft.com/office/officeart/2005/8/layout/default"/>
+    <dgm:cxn modelId="{8B8072BE-EB3B-41A6-A126-EE1AA31499DF}" srcId="{48DA57D3-0AA6-4BE5-B8D0-859C3D96F202}" destId="{0448F2D6-7FED-4789-A887-4D8B989D4C2D}" srcOrd="8" destOrd="0" parTransId="{1BAD48E2-14CF-4280-A68F-D4F6BF1D5480}" sibTransId="{1C867ED2-6B02-44C4-94EF-B7BFF4724E1F}"/>
     <dgm:cxn modelId="{CB1088C4-5C75-47D5-BC81-67100C22598F}" srcId="{48DA57D3-0AA6-4BE5-B8D0-859C3D96F202}" destId="{1C985B4C-A33B-4828-9C48-06444DB47B03}" srcOrd="2" destOrd="0" parTransId="{D25410A3-2162-4570-AA03-4B00EF0A90CB}" sibTransId="{5E69AF3B-26F7-4EBF-BBBA-4E15C4FEB3D1}"/>
+    <dgm:cxn modelId="{175D7CC7-CFF2-4E4A-BC50-EE699695E102}" type="presOf" srcId="{0448F2D6-7FED-4789-A887-4D8B989D4C2D}" destId="{B6AC7FFF-6E7F-4771-90EC-DB3537765E70}" srcOrd="0" destOrd="0" presId="urn:microsoft.com/office/officeart/2005/8/layout/default"/>
     <dgm:cxn modelId="{0279F4DA-CFB8-4B29-8719-5D01DF793994}" type="presOf" srcId="{5D7D66B3-2955-4BF4-AF21-A131370894D3}" destId="{A22E5273-DCFF-438B-9601-DCA2FEF80F10}" srcOrd="0" destOrd="0" presId="urn:microsoft.com/office/officeart/2005/8/layout/default"/>
+    <dgm:cxn modelId="{27ED73F8-5886-4D42-A5CF-D996E1CF7447}" type="presOf" srcId="{63A455E0-F0F7-4B9D-AA7C-2015CEB886D0}" destId="{47FCD1A4-36C5-4398-8646-1BAB47F1F92E}" srcOrd="0" destOrd="0" presId="urn:microsoft.com/office/officeart/2005/8/layout/default"/>
     <dgm:cxn modelId="{72BD07FF-A9D4-4C56-A21C-77E7FF03648F}" srcId="{48DA57D3-0AA6-4BE5-B8D0-859C3D96F202}" destId="{40F46643-F9EF-4C39-8944-A8BD9FE47925}" srcOrd="0" destOrd="0" parTransId="{A10DE363-9F04-42E0-8423-304588DD1E3F}" sibTransId="{9BA1070B-5FAF-46AC-AF5A-45E4862A5654}"/>
     <dgm:cxn modelId="{E18430FF-4972-4E7A-83B6-6B85907AED1C}" type="presOf" srcId="{32E53A2F-13A9-4EB2-9972-8B957F3EB1EC}" destId="{27B43460-A30C-4A8E-8D03-CE27F067DAE8}" srcOrd="0" destOrd="0" presId="urn:microsoft.com/office/officeart/2005/8/layout/default"/>
     <dgm:cxn modelId="{1731B122-4E0C-4D90-AE76-028AA79071E8}" type="presParOf" srcId="{27E8D39E-082F-449A-B15F-E2111F9B6294}" destId="{F093F579-99A3-460C-9444-0ED9B77F131A}" srcOrd="0" destOrd="0" presId="urn:microsoft.com/office/officeart/2005/8/layout/default"/>
@@ -4054,6 +4624,20 @@
     <dgm:cxn modelId="{94C52B32-73E3-4743-9F53-E7019444569C}" type="presParOf" srcId="{27E8D39E-082F-449A-B15F-E2111F9B6294}" destId="{A22E5273-DCFF-438B-9601-DCA2FEF80F10}" srcOrd="6" destOrd="0" presId="urn:microsoft.com/office/officeart/2005/8/layout/default"/>
     <dgm:cxn modelId="{28A68A8F-E89D-42EC-A038-FA456CE97280}" type="presParOf" srcId="{27E8D39E-082F-449A-B15F-E2111F9B6294}" destId="{B161229E-875F-408D-9DEB-53DD2D9BB1F9}" srcOrd="7" destOrd="0" presId="urn:microsoft.com/office/officeart/2005/8/layout/default"/>
     <dgm:cxn modelId="{AA44D036-A72E-4DF6-ADBF-4F4260D46F17}" type="presParOf" srcId="{27E8D39E-082F-449A-B15F-E2111F9B6294}" destId="{2F17525F-F9CC-481A-A472-952E517E3CB2}" srcOrd="8" destOrd="0" presId="urn:microsoft.com/office/officeart/2005/8/layout/default"/>
+    <dgm:cxn modelId="{1830406E-8654-4C97-AFF6-A341DD4BD026}" type="presParOf" srcId="{27E8D39E-082F-449A-B15F-E2111F9B6294}" destId="{57F71035-F85B-4F77-848A-BADD1931DC13}" srcOrd="9" destOrd="0" presId="urn:microsoft.com/office/officeart/2005/8/layout/default"/>
+    <dgm:cxn modelId="{DF5778BB-3EDA-4FA6-9DAF-9B640A3A41C5}" type="presParOf" srcId="{27E8D39E-082F-449A-B15F-E2111F9B6294}" destId="{47FCD1A4-36C5-4398-8646-1BAB47F1F92E}" srcOrd="10" destOrd="0" presId="urn:microsoft.com/office/officeart/2005/8/layout/default"/>
+    <dgm:cxn modelId="{6ED76242-B1B4-4591-B416-EBF28101E202}" type="presParOf" srcId="{27E8D39E-082F-449A-B15F-E2111F9B6294}" destId="{F20B5069-C93C-4364-965E-6C30C8809C39}" srcOrd="11" destOrd="0" presId="urn:microsoft.com/office/officeart/2005/8/layout/default"/>
+    <dgm:cxn modelId="{76DBE417-7E71-4176-99F2-624E60B85F89}" type="presParOf" srcId="{27E8D39E-082F-449A-B15F-E2111F9B6294}" destId="{E1F1293F-CEF1-482D-A02F-8A163FD17FBB}" srcOrd="12" destOrd="0" presId="urn:microsoft.com/office/officeart/2005/8/layout/default"/>
+    <dgm:cxn modelId="{58752175-A40C-4407-82AF-0ABF23633EA1}" type="presParOf" srcId="{27E8D39E-082F-449A-B15F-E2111F9B6294}" destId="{0C5CC8E6-BD73-4988-AF7A-1A579395387C}" srcOrd="13" destOrd="0" presId="urn:microsoft.com/office/officeart/2005/8/layout/default"/>
+    <dgm:cxn modelId="{3D2EF505-4D96-4F9A-AEDE-E1C0E95184FD}" type="presParOf" srcId="{27E8D39E-082F-449A-B15F-E2111F9B6294}" destId="{EBB38E14-9C8A-4AC6-BBDE-84F7DB177F06}" srcOrd="14" destOrd="0" presId="urn:microsoft.com/office/officeart/2005/8/layout/default"/>
+    <dgm:cxn modelId="{9568082D-B40D-4613-A3BB-61A285A38D81}" type="presParOf" srcId="{27E8D39E-082F-449A-B15F-E2111F9B6294}" destId="{597B6594-C6EA-4F17-8AB9-C6AA6AD8E0CA}" srcOrd="15" destOrd="0" presId="urn:microsoft.com/office/officeart/2005/8/layout/default"/>
+    <dgm:cxn modelId="{46B34562-39CF-40CB-BCDC-CFB7261C2A54}" type="presParOf" srcId="{27E8D39E-082F-449A-B15F-E2111F9B6294}" destId="{B6AC7FFF-6E7F-4771-90EC-DB3537765E70}" srcOrd="16" destOrd="0" presId="urn:microsoft.com/office/officeart/2005/8/layout/default"/>
+    <dgm:cxn modelId="{9D96DACC-3766-49E4-9DF8-7666E913B4FA}" type="presParOf" srcId="{27E8D39E-082F-449A-B15F-E2111F9B6294}" destId="{BA151C27-276C-48B1-BE20-3CA9716A8571}" srcOrd="17" destOrd="0" presId="urn:microsoft.com/office/officeart/2005/8/layout/default"/>
+    <dgm:cxn modelId="{DB7BE2E2-C48E-47B8-99C1-45B584673461}" type="presParOf" srcId="{27E8D39E-082F-449A-B15F-E2111F9B6294}" destId="{1A1D4E29-E867-40E6-8CDA-4F3D550D850C}" srcOrd="18" destOrd="0" presId="urn:microsoft.com/office/officeart/2005/8/layout/default"/>
+    <dgm:cxn modelId="{67125771-3DB4-45B5-B154-BA5A50EE1CA7}" type="presParOf" srcId="{27E8D39E-082F-449A-B15F-E2111F9B6294}" destId="{15F299F9-FD9F-4546-8556-3907AC34A3C7}" srcOrd="19" destOrd="0" presId="urn:microsoft.com/office/officeart/2005/8/layout/default"/>
+    <dgm:cxn modelId="{6D577C19-F101-4134-8C83-C8B9E4E8BF7B}" type="presParOf" srcId="{27E8D39E-082F-449A-B15F-E2111F9B6294}" destId="{D88F36EA-D347-4185-BC82-767F6DFA6951}" srcOrd="20" destOrd="0" presId="urn:microsoft.com/office/officeart/2005/8/layout/default"/>
+    <dgm:cxn modelId="{0D505296-DDA0-4AE4-8487-1C2F9CE637FF}" type="presParOf" srcId="{27E8D39E-082F-449A-B15F-E2111F9B6294}" destId="{E5906959-8E98-4314-BF2C-5524431A211B}" srcOrd="21" destOrd="0" presId="urn:microsoft.com/office/officeart/2005/8/layout/default"/>
+    <dgm:cxn modelId="{42078F8F-4299-492D-9849-A1C1759ACAD8}" type="presParOf" srcId="{27E8D39E-082F-449A-B15F-E2111F9B6294}" destId="{AB53E3E9-EC68-4834-B68B-F649A3DDB149}" srcOrd="22" destOrd="0" presId="urn:microsoft.com/office/officeart/2005/8/layout/default"/>
   </dgm:cxnLst>
   <dgm:bg/>
   <dgm:whole/>
@@ -4328,8 +4912,8 @@
       </dsp:nvSpPr>
       <dsp:spPr>
         <a:xfrm>
-          <a:off x="3901" y="472280"/>
-          <a:ext cx="2112399" cy="1267439"/>
+          <a:off x="3994" y="617270"/>
+          <a:ext cx="2162800" cy="1297680"/>
         </a:xfrm>
         <a:prstGeom prst="rect">
           <a:avLst/>
@@ -4404,8 +4988,8 @@
         </a:p>
       </dsp:txBody>
       <dsp:txXfrm>
-        <a:off x="3901" y="472280"/>
-        <a:ext cx="2112399" cy="1267439"/>
+        <a:off x="3994" y="617270"/>
+        <a:ext cx="2162800" cy="1297680"/>
       </dsp:txXfrm>
     </dsp:sp>
     <dsp:sp modelId="{27B43460-A30C-4A8E-8D03-CE27F067DAE8}">
@@ -4415,8 +4999,8 @@
       </dsp:nvSpPr>
       <dsp:spPr>
         <a:xfrm>
-          <a:off x="2327540" y="472280"/>
-          <a:ext cx="2112399" cy="1267439"/>
+          <a:off x="2383075" y="617270"/>
+          <a:ext cx="2162800" cy="1297680"/>
         </a:xfrm>
         <a:prstGeom prst="rect">
           <a:avLst/>
@@ -4476,15 +5060,23 @@
             <a:buNone/>
           </a:pPr>
           <a:r>
-            <a:rPr lang="en-AU" sz="1300" kern="1200"/>
-            <a:t>Clarified the names of the columns {Oulad}</a:t>
+            <a:rPr lang="en-AU" sz="1300" kern="1200" dirty="0"/>
+            <a:t>Clarified the names of the columns {</a:t>
           </a:r>
-          <a:endParaRPr lang="en-US" sz="1300" kern="1200"/>
+          <a:r>
+            <a:rPr lang="en-AU" sz="1300" kern="1200" dirty="0" err="1"/>
+            <a:t>Oulad</a:t>
+          </a:r>
+          <a:r>
+            <a:rPr lang="en-AU" sz="1300" kern="1200" dirty="0"/>
+            <a:t>}</a:t>
+          </a:r>
+          <a:endParaRPr lang="en-US" sz="1300" kern="1200" dirty="0"/>
         </a:p>
       </dsp:txBody>
       <dsp:txXfrm>
-        <a:off x="2327540" y="472280"/>
-        <a:ext cx="2112399" cy="1267439"/>
+        <a:off x="2383075" y="617270"/>
+        <a:ext cx="2162800" cy="1297680"/>
       </dsp:txXfrm>
     </dsp:sp>
     <dsp:sp modelId="{231DD4F5-8B69-46AA-8BC3-DFFD449F11E1}">
@@ -4494,8 +5086,8 @@
       </dsp:nvSpPr>
       <dsp:spPr>
         <a:xfrm>
-          <a:off x="4651180" y="472280"/>
-          <a:ext cx="2112399" cy="1267439"/>
+          <a:off x="4762156" y="617270"/>
+          <a:ext cx="2162800" cy="1297680"/>
         </a:xfrm>
         <a:prstGeom prst="rect">
           <a:avLst/>
@@ -4555,15 +5147,23 @@
             <a:buNone/>
           </a:pPr>
           <a:r>
-            <a:rPr lang="en-AU" sz="1300" kern="1200"/>
-            <a:t>Corrected misspelt values {Oulad}</a:t>
+            <a:rPr lang="en-AU" sz="1300" kern="1200" dirty="0"/>
+            <a:t>Corrected misspelt values {</a:t>
           </a:r>
-          <a:endParaRPr lang="en-US" sz="1300" kern="1200"/>
+          <a:r>
+            <a:rPr lang="en-AU" sz="1300" kern="1200" dirty="0" err="1"/>
+            <a:t>Oulad</a:t>
+          </a:r>
+          <a:r>
+            <a:rPr lang="en-AU" sz="1300" kern="1200" dirty="0"/>
+            <a:t>}</a:t>
+          </a:r>
+          <a:endParaRPr lang="en-US" sz="1300" kern="1200" dirty="0"/>
         </a:p>
       </dsp:txBody>
       <dsp:txXfrm>
-        <a:off x="4651180" y="472280"/>
-        <a:ext cx="2112399" cy="1267439"/>
+        <a:off x="4762156" y="617270"/>
+        <a:ext cx="2162800" cy="1297680"/>
       </dsp:txXfrm>
     </dsp:sp>
     <dsp:sp modelId="{A22E5273-DCFF-438B-9601-DCA2FEF80F10}">
@@ -4573,8 +5173,8 @@
       </dsp:nvSpPr>
       <dsp:spPr>
         <a:xfrm>
-          <a:off x="6974819" y="472280"/>
-          <a:ext cx="2112399" cy="1267439"/>
+          <a:off x="7141237" y="617270"/>
+          <a:ext cx="2162800" cy="1297680"/>
         </a:xfrm>
         <a:prstGeom prst="rect">
           <a:avLst/>
@@ -4641,8 +5241,8 @@
         </a:p>
       </dsp:txBody>
       <dsp:txXfrm>
-        <a:off x="6974819" y="472280"/>
-        <a:ext cx="2112399" cy="1267439"/>
+        <a:off x="7141237" y="617270"/>
+        <a:ext cx="2162800" cy="1297680"/>
       </dsp:txXfrm>
     </dsp:sp>
     <dsp:sp modelId="{2F17525F-F9CC-481A-A472-952E517E3CB2}">
@@ -4652,8 +5252,8 @@
       </dsp:nvSpPr>
       <dsp:spPr>
         <a:xfrm>
-          <a:off x="9298459" y="472280"/>
-          <a:ext cx="2112399" cy="1267439"/>
+          <a:off x="9520318" y="617270"/>
+          <a:ext cx="2162800" cy="1297680"/>
         </a:xfrm>
         <a:prstGeom prst="rect">
           <a:avLst/>
@@ -4713,15 +5313,23 @@
             <a:buNone/>
           </a:pPr>
           <a:r>
-            <a:rPr lang="en-AU" sz="1300" kern="1200"/>
-            <a:t>Filled in missing student scores with zero {Oulad}</a:t>
+            <a:rPr lang="en-AU" sz="1300" kern="1200" dirty="0"/>
+            <a:t>Filled in missing student scores with zero {</a:t>
           </a:r>
-          <a:endParaRPr lang="en-US" sz="1300" kern="1200"/>
+          <a:r>
+            <a:rPr lang="en-AU" sz="1300" kern="1200" dirty="0" err="1"/>
+            <a:t>Oulad</a:t>
+          </a:r>
+          <a:r>
+            <a:rPr lang="en-AU" sz="1300" kern="1200" dirty="0"/>
+            <a:t>}</a:t>
+          </a:r>
+          <a:endParaRPr lang="en-US" sz="1300" kern="1200" dirty="0"/>
         </a:p>
       </dsp:txBody>
       <dsp:txXfrm>
-        <a:off x="9298459" y="472280"/>
-        <a:ext cx="2112399" cy="1267439"/>
+        <a:off x="9520318" y="617270"/>
+        <a:ext cx="2162800" cy="1297680"/>
       </dsp:txXfrm>
     </dsp:sp>
     <dsp:sp modelId="{9348582E-E9A6-4A34-B914-4CA5B8B7362D}">
@@ -4731,8 +5339,8 @@
       </dsp:nvSpPr>
       <dsp:spPr>
         <a:xfrm>
-          <a:off x="3901" y="1950959"/>
-          <a:ext cx="2112399" cy="1267439"/>
+          <a:off x="3994" y="2131231"/>
+          <a:ext cx="2162800" cy="1297680"/>
         </a:xfrm>
         <a:prstGeom prst="rect">
           <a:avLst/>
@@ -4807,8 +5415,8 @@
         </a:p>
       </dsp:txBody>
       <dsp:txXfrm>
-        <a:off x="3901" y="1950959"/>
-        <a:ext cx="2112399" cy="1267439"/>
+        <a:off x="3994" y="2131231"/>
+        <a:ext cx="2162800" cy="1297680"/>
       </dsp:txXfrm>
     </dsp:sp>
     <dsp:sp modelId="{EBC06BA1-A5C9-4644-9A2E-04106A86C535}">
@@ -4818,8 +5426,8 @@
       </dsp:nvSpPr>
       <dsp:spPr>
         <a:xfrm>
-          <a:off x="2327540" y="1950959"/>
-          <a:ext cx="2112399" cy="1267439"/>
+          <a:off x="2383075" y="2131231"/>
+          <a:ext cx="2162800" cy="1297680"/>
         </a:xfrm>
         <a:prstGeom prst="rect">
           <a:avLst/>
@@ -4894,8 +5502,8 @@
         </a:p>
       </dsp:txBody>
       <dsp:txXfrm>
-        <a:off x="2327540" y="1950959"/>
-        <a:ext cx="2112399" cy="1267439"/>
+        <a:off x="2383075" y="2131231"/>
+        <a:ext cx="2162800" cy="1297680"/>
       </dsp:txXfrm>
     </dsp:sp>
     <dsp:sp modelId="{27235FBE-D92C-4E55-9A82-86002F499E7F}">
@@ -4905,8 +5513,8 @@
       </dsp:nvSpPr>
       <dsp:spPr>
         <a:xfrm>
-          <a:off x="4651180" y="1950959"/>
-          <a:ext cx="2112399" cy="1267439"/>
+          <a:off x="4762156" y="2131231"/>
+          <a:ext cx="2162800" cy="1297680"/>
         </a:xfrm>
         <a:prstGeom prst="rect">
           <a:avLst/>
@@ -4981,8 +5589,8 @@
         </a:p>
       </dsp:txBody>
       <dsp:txXfrm>
-        <a:off x="4651180" y="1950959"/>
-        <a:ext cx="2112399" cy="1267439"/>
+        <a:off x="4762156" y="2131231"/>
+        <a:ext cx="2162800" cy="1297680"/>
       </dsp:txXfrm>
     </dsp:sp>
     <dsp:sp modelId="{33D03820-D56B-4F07-9F52-8FF580ECA570}">
@@ -4992,8 +5600,8 @@
       </dsp:nvSpPr>
       <dsp:spPr>
         <a:xfrm>
-          <a:off x="6974819" y="1950959"/>
-          <a:ext cx="2112399" cy="1267439"/>
+          <a:off x="7141237" y="2131231"/>
+          <a:ext cx="2162800" cy="1297680"/>
         </a:xfrm>
         <a:prstGeom prst="rect">
           <a:avLst/>
@@ -5054,7 +5662,7 @@
           </a:pPr>
           <a:r>
             <a:rPr lang="en-AU" sz="1300" kern="1200" dirty="0"/>
-            <a:t>Merged tables that I was able to merge so that it was easier for me to work with the data {</a:t>
+            <a:t>Either split or merged tables if that made it easier for me to work with the data {</a:t>
           </a:r>
           <a:r>
             <a:rPr lang="en-AU" sz="1300" kern="1200" dirty="0" err="1"/>
@@ -5068,8 +5676,8 @@
         </a:p>
       </dsp:txBody>
       <dsp:txXfrm>
-        <a:off x="6974819" y="1950959"/>
-        <a:ext cx="2112399" cy="1267439"/>
+        <a:off x="7141237" y="2131231"/>
+        <a:ext cx="2162800" cy="1297680"/>
       </dsp:txXfrm>
     </dsp:sp>
     <dsp:sp modelId="{55269375-F954-437C-A385-9A9CC981639A}">
@@ -5079,8 +5687,8 @@
       </dsp:nvSpPr>
       <dsp:spPr>
         <a:xfrm>
-          <a:off x="9298459" y="1950959"/>
-          <a:ext cx="2112399" cy="1267439"/>
+          <a:off x="9520318" y="2131231"/>
+          <a:ext cx="2162800" cy="1297680"/>
         </a:xfrm>
         <a:prstGeom prst="rect">
           <a:avLst/>
@@ -5155,8 +5763,8 @@
         </a:p>
       </dsp:txBody>
       <dsp:txXfrm>
-        <a:off x="9298459" y="1950959"/>
-        <a:ext cx="2112399" cy="1267439"/>
+        <a:off x="9520318" y="2131231"/>
+        <a:ext cx="2162800" cy="1297680"/>
       </dsp:txXfrm>
     </dsp:sp>
     <dsp:sp modelId="{57242B42-6767-4CE9-9C09-44F726E66B40}">
@@ -5166,8 +5774,8 @@
       </dsp:nvSpPr>
       <dsp:spPr>
         <a:xfrm>
-          <a:off x="2327540" y="3429639"/>
-          <a:ext cx="2112399" cy="1267439"/>
+          <a:off x="3994" y="3645191"/>
+          <a:ext cx="2162800" cy="1297680"/>
         </a:xfrm>
         <a:prstGeom prst="rect">
           <a:avLst/>
@@ -5227,15 +5835,23 @@
             <a:buNone/>
           </a:pPr>
           <a:r>
-            <a:rPr lang="en-AU" sz="1300" kern="1200"/>
-            <a:t>Replaced abbreviated terms with their unabbreviated version {Oulad}</a:t>
+            <a:rPr lang="en-AU" sz="1300" kern="1200" dirty="0"/>
+            <a:t>Replaced abbreviated terms with their unabbreviated version {</a:t>
           </a:r>
-          <a:endParaRPr lang="en-US" sz="1300" kern="1200"/>
+          <a:r>
+            <a:rPr lang="en-AU" sz="1300" kern="1200" dirty="0" err="1"/>
+            <a:t>Oulad</a:t>
+          </a:r>
+          <a:r>
+            <a:rPr lang="en-AU" sz="1300" kern="1200" dirty="0"/>
+            <a:t>}</a:t>
+          </a:r>
+          <a:endParaRPr lang="en-US" sz="1300" kern="1200" dirty="0"/>
         </a:p>
       </dsp:txBody>
       <dsp:txXfrm>
-        <a:off x="2327540" y="3429639"/>
-        <a:ext cx="2112399" cy="1267439"/>
+        <a:off x="3994" y="3645191"/>
+        <a:ext cx="2162800" cy="1297680"/>
       </dsp:txXfrm>
     </dsp:sp>
     <dsp:sp modelId="{849A1A6F-9C47-46F9-910C-8D4326B60FD1}">
@@ -5245,8 +5861,8 @@
       </dsp:nvSpPr>
       <dsp:spPr>
         <a:xfrm>
-          <a:off x="4651180" y="3429639"/>
-          <a:ext cx="2112399" cy="1267439"/>
+          <a:off x="2383075" y="3645191"/>
+          <a:ext cx="2162800" cy="1297680"/>
         </a:xfrm>
         <a:prstGeom prst="rect">
           <a:avLst/>
@@ -5313,8 +5929,8 @@
         </a:p>
       </dsp:txBody>
       <dsp:txXfrm>
-        <a:off x="4651180" y="3429639"/>
-        <a:ext cx="2112399" cy="1267439"/>
+        <a:off x="2383075" y="3645191"/>
+        <a:ext cx="2162800" cy="1297680"/>
       </dsp:txXfrm>
     </dsp:sp>
     <dsp:sp modelId="{AD29784B-3A9F-48E5-8C78-E7390793144E}">
@@ -5324,8 +5940,8 @@
       </dsp:nvSpPr>
       <dsp:spPr>
         <a:xfrm>
-          <a:off x="6974819" y="3429639"/>
-          <a:ext cx="2112399" cy="1267439"/>
+          <a:off x="4762156" y="3645191"/>
+          <a:ext cx="2162800" cy="1297680"/>
         </a:xfrm>
         <a:prstGeom prst="rect">
           <a:avLst/>
@@ -5400,8 +6016,181 @@
         </a:p>
       </dsp:txBody>
       <dsp:txXfrm>
-        <a:off x="6974819" y="3429639"/>
-        <a:ext cx="2112399" cy="1267439"/>
+        <a:off x="4762156" y="3645191"/>
+        <a:ext cx="2162800" cy="1297680"/>
+      </dsp:txXfrm>
+    </dsp:sp>
+    <dsp:sp modelId="{C65AA8AC-48A7-4A34-B96E-401F2AA4995D}">
+      <dsp:nvSpPr>
+        <dsp:cNvPr id="0" name=""/>
+        <dsp:cNvSpPr/>
+      </dsp:nvSpPr>
+      <dsp:spPr>
+        <a:xfrm>
+          <a:off x="7141237" y="3645191"/>
+          <a:ext cx="2162800" cy="1297680"/>
+        </a:xfrm>
+        <a:prstGeom prst="rect">
+          <a:avLst/>
+        </a:prstGeom>
+        <a:solidFill>
+          <a:schemeClr val="accent5">
+            <a:hueOff val="0"/>
+            <a:satOff val="0"/>
+            <a:lumOff val="0"/>
+            <a:alphaOff val="0"/>
+          </a:schemeClr>
+        </a:solidFill>
+        <a:ln w="19050" cap="flat" cmpd="sng" algn="ctr">
+          <a:solidFill>
+            <a:schemeClr val="lt1">
+              <a:hueOff val="0"/>
+              <a:satOff val="0"/>
+              <a:lumOff val="0"/>
+              <a:alphaOff val="0"/>
+            </a:schemeClr>
+          </a:solidFill>
+          <a:prstDash val="solid"/>
+          <a:miter lim="800000"/>
+        </a:ln>
+        <a:effectLst/>
+      </dsp:spPr>
+      <dsp:style>
+        <a:lnRef idx="2">
+          <a:scrgbClr r="0" g="0" b="0"/>
+        </a:lnRef>
+        <a:fillRef idx="1">
+          <a:scrgbClr r="0" g="0" b="0"/>
+        </a:fillRef>
+        <a:effectRef idx="0">
+          <a:scrgbClr r="0" g="0" b="0"/>
+        </a:effectRef>
+        <a:fontRef idx="minor">
+          <a:schemeClr val="lt1"/>
+        </a:fontRef>
+      </dsp:style>
+      <dsp:txBody>
+        <a:bodyPr spcFirstLastPara="0" vert="horz" wrap="square" lIns="49530" tIns="49530" rIns="49530" bIns="49530" numCol="1" spcCol="1270" anchor="ctr" anchorCtr="0">
+          <a:noAutofit/>
+        </a:bodyPr>
+        <a:lstStyle/>
+        <a:p>
+          <a:pPr marL="0" lvl="0" indent="0" algn="ctr" defTabSz="577850">
+            <a:lnSpc>
+              <a:spcPct val="90000"/>
+            </a:lnSpc>
+            <a:spcBef>
+              <a:spcPct val="0"/>
+            </a:spcBef>
+            <a:spcAft>
+              <a:spcPct val="35000"/>
+            </a:spcAft>
+            <a:buNone/>
+          </a:pPr>
+          <a:r>
+            <a:rPr lang="en-AU" sz="1300" kern="1200" dirty="0"/>
+            <a:t>Filtered for the data I wanted, which helped me to analyze and visualize the data {</a:t>
+          </a:r>
+          <a:r>
+            <a:rPr lang="en-AU" sz="1300" kern="1200" dirty="0" err="1"/>
+            <a:t>Oulad</a:t>
+          </a:r>
+          <a:r>
+            <a:rPr lang="en-AU" sz="1300" kern="1200" dirty="0"/>
+            <a:t>}</a:t>
+          </a:r>
+          <a:endParaRPr lang="en-US" sz="1300" kern="1200" dirty="0"/>
+        </a:p>
+      </dsp:txBody>
+      <dsp:txXfrm>
+        <a:off x="7141237" y="3645191"/>
+        <a:ext cx="2162800" cy="1297680"/>
+      </dsp:txXfrm>
+    </dsp:sp>
+    <dsp:sp modelId="{4BA07815-E9CA-4497-BE8B-28E86DBCE203}">
+      <dsp:nvSpPr>
+        <dsp:cNvPr id="0" name=""/>
+        <dsp:cNvSpPr/>
+      </dsp:nvSpPr>
+      <dsp:spPr>
+        <a:xfrm>
+          <a:off x="9520318" y="3645191"/>
+          <a:ext cx="2162800" cy="1297680"/>
+        </a:xfrm>
+        <a:prstGeom prst="rect">
+          <a:avLst/>
+        </a:prstGeom>
+        <a:solidFill>
+          <a:schemeClr val="accent6">
+            <a:hueOff val="0"/>
+            <a:satOff val="0"/>
+            <a:lumOff val="0"/>
+            <a:alphaOff val="0"/>
+          </a:schemeClr>
+        </a:solidFill>
+        <a:ln w="19050" cap="flat" cmpd="sng" algn="ctr">
+          <a:solidFill>
+            <a:schemeClr val="lt1">
+              <a:hueOff val="0"/>
+              <a:satOff val="0"/>
+              <a:lumOff val="0"/>
+              <a:alphaOff val="0"/>
+            </a:schemeClr>
+          </a:solidFill>
+          <a:prstDash val="solid"/>
+          <a:miter lim="800000"/>
+        </a:ln>
+        <a:effectLst/>
+      </dsp:spPr>
+      <dsp:style>
+        <a:lnRef idx="2">
+          <a:scrgbClr r="0" g="0" b="0"/>
+        </a:lnRef>
+        <a:fillRef idx="1">
+          <a:scrgbClr r="0" g="0" b="0"/>
+        </a:fillRef>
+        <a:effectRef idx="0">
+          <a:scrgbClr r="0" g="0" b="0"/>
+        </a:effectRef>
+        <a:fontRef idx="minor">
+          <a:schemeClr val="lt1"/>
+        </a:fontRef>
+      </dsp:style>
+      <dsp:txBody>
+        <a:bodyPr spcFirstLastPara="0" vert="horz" wrap="square" lIns="49530" tIns="49530" rIns="49530" bIns="49530" numCol="1" spcCol="1270" anchor="ctr" anchorCtr="0">
+          <a:noAutofit/>
+        </a:bodyPr>
+        <a:lstStyle/>
+        <a:p>
+          <a:pPr marL="0" lvl="0" indent="0" algn="ctr" defTabSz="577850">
+            <a:lnSpc>
+              <a:spcPct val="90000"/>
+            </a:lnSpc>
+            <a:spcBef>
+              <a:spcPct val="0"/>
+            </a:spcBef>
+            <a:spcAft>
+              <a:spcPct val="35000"/>
+            </a:spcAft>
+            <a:buNone/>
+          </a:pPr>
+          <a:r>
+            <a:rPr lang="en-AU" sz="1300" kern="1200" dirty="0"/>
+            <a:t>Reordering data {</a:t>
+          </a:r>
+          <a:r>
+            <a:rPr lang="en-AU" sz="1300" kern="1200" dirty="0" err="1"/>
+            <a:t>Oulad</a:t>
+          </a:r>
+          <a:r>
+            <a:rPr lang="en-AU" sz="1300" kern="1200" dirty="0"/>
+            <a:t>}</a:t>
+          </a:r>
+        </a:p>
+      </dsp:txBody>
+      <dsp:txXfrm>
+        <a:off x="9520318" y="3645191"/>
+        <a:ext cx="2162800" cy="1297680"/>
       </dsp:txXfrm>
     </dsp:sp>
   </dsp:spTree>
@@ -5423,8 +6212,8 @@
       </dsp:nvSpPr>
       <dsp:spPr>
         <a:xfrm>
-          <a:off x="0" y="266056"/>
-          <a:ext cx="3567112" cy="2140267"/>
+          <a:off x="318558" y="1763"/>
+          <a:ext cx="2487051" cy="1492230"/>
         </a:xfrm>
         <a:prstGeom prst="rect">
           <a:avLst/>
@@ -5466,12 +6255,12 @@
         </a:fontRef>
       </dsp:style>
       <dsp:txBody>
-        <a:bodyPr spcFirstLastPara="0" vert="horz" wrap="square" lIns="60960" tIns="60960" rIns="60960" bIns="60960" numCol="1" spcCol="1270" anchor="ctr" anchorCtr="0">
+        <a:bodyPr spcFirstLastPara="0" vert="horz" wrap="square" lIns="41910" tIns="41910" rIns="41910" bIns="41910" numCol="1" spcCol="1270" anchor="ctr" anchorCtr="0">
           <a:noAutofit/>
         </a:bodyPr>
         <a:lstStyle/>
         <a:p>
-          <a:pPr marL="0" lvl="0" indent="0" algn="ctr" defTabSz="711200">
+          <a:pPr marL="0" lvl="0" indent="0" algn="ctr" defTabSz="488950">
             <a:lnSpc>
               <a:spcPct val="90000"/>
             </a:lnSpc>
@@ -5484,23 +6273,23 @@
             <a:buNone/>
           </a:pPr>
           <a:r>
-            <a:rPr lang="en-AU" sz="1600" kern="1200" dirty="0"/>
-            <a:t>Created a did the student withdraw from the course column {</a:t>
+            <a:rPr lang="en-AU" sz="1100" kern="1200" dirty="0"/>
+            <a:t>Created a did the student withdraw from or complete the course column {</a:t>
           </a:r>
           <a:r>
-            <a:rPr lang="en-AU" sz="1600" kern="1200" dirty="0" err="1"/>
+            <a:rPr lang="en-AU" sz="1100" kern="1200" dirty="0" err="1"/>
             <a:t>Oulad</a:t>
           </a:r>
           <a:r>
-            <a:rPr lang="en-AU" sz="1600" kern="1200" dirty="0"/>
+            <a:rPr lang="en-AU" sz="1100" kern="1200" dirty="0"/>
             <a:t>}</a:t>
           </a:r>
-          <a:endParaRPr lang="en-US" sz="1600" kern="1200" dirty="0"/>
+          <a:endParaRPr lang="en-US" sz="1100" kern="1200" dirty="0"/>
         </a:p>
       </dsp:txBody>
       <dsp:txXfrm>
-        <a:off x="0" y="266056"/>
-        <a:ext cx="3567112" cy="2140267"/>
+        <a:off x="318558" y="1763"/>
+        <a:ext cx="2487051" cy="1492230"/>
       </dsp:txXfrm>
     </dsp:sp>
     <dsp:sp modelId="{27B43460-A30C-4A8E-8D03-CE27F067DAE8}">
@@ -5510,8 +6299,8 @@
       </dsp:nvSpPr>
       <dsp:spPr>
         <a:xfrm>
-          <a:off x="3923823" y="266056"/>
-          <a:ext cx="3567112" cy="2140267"/>
+          <a:off x="3054314" y="1763"/>
+          <a:ext cx="2487051" cy="1492230"/>
         </a:xfrm>
         <a:prstGeom prst="rect">
           <a:avLst/>
@@ -5553,12 +6342,12 @@
         </a:fontRef>
       </dsp:style>
       <dsp:txBody>
-        <a:bodyPr spcFirstLastPara="0" vert="horz" wrap="square" lIns="60960" tIns="60960" rIns="60960" bIns="60960" numCol="1" spcCol="1270" anchor="ctr" anchorCtr="0">
+        <a:bodyPr spcFirstLastPara="0" vert="horz" wrap="square" lIns="41910" tIns="41910" rIns="41910" bIns="41910" numCol="1" spcCol="1270" anchor="ctr" anchorCtr="0">
           <a:noAutofit/>
         </a:bodyPr>
         <a:lstStyle/>
         <a:p>
-          <a:pPr marL="0" lvl="0" indent="0" algn="ctr" defTabSz="711200">
+          <a:pPr marL="0" lvl="0" indent="0" algn="ctr" defTabSz="488950">
             <a:lnSpc>
               <a:spcPct val="90000"/>
             </a:lnSpc>
@@ -5571,23 +6360,23 @@
             <a:buNone/>
           </a:pPr>
           <a:r>
-            <a:rPr lang="en-AU" sz="1600" kern="1200" dirty="0"/>
+            <a:rPr lang="en-AU" sz="1100" kern="1200" dirty="0"/>
             <a:t>Created a grades column {MongoDB &amp; </a:t>
           </a:r>
           <a:r>
-            <a:rPr lang="en-AU" sz="1600" kern="1200" dirty="0" err="1"/>
+            <a:rPr lang="en-AU" sz="1100" kern="1200" dirty="0" err="1"/>
             <a:t>Oulad</a:t>
           </a:r>
           <a:r>
-            <a:rPr lang="en-AU" sz="1600" kern="1200" dirty="0"/>
+            <a:rPr lang="en-AU" sz="1100" kern="1200" dirty="0"/>
             <a:t>}</a:t>
           </a:r>
-          <a:endParaRPr lang="en-US" sz="1600" kern="1200" dirty="0"/>
+          <a:endParaRPr lang="en-US" sz="1100" kern="1200" dirty="0"/>
         </a:p>
       </dsp:txBody>
       <dsp:txXfrm>
-        <a:off x="3923823" y="266056"/>
-        <a:ext cx="3567112" cy="2140267"/>
+        <a:off x="3054314" y="1763"/>
+        <a:ext cx="2487051" cy="1492230"/>
       </dsp:txXfrm>
     </dsp:sp>
     <dsp:sp modelId="{231DD4F5-8B69-46AA-8BC3-DFFD449F11E1}">
@@ -5597,8 +6386,8 @@
       </dsp:nvSpPr>
       <dsp:spPr>
         <a:xfrm>
-          <a:off x="7847647" y="266056"/>
-          <a:ext cx="3567112" cy="2140267"/>
+          <a:off x="5790071" y="1763"/>
+          <a:ext cx="2487051" cy="1492230"/>
         </a:xfrm>
         <a:prstGeom prst="rect">
           <a:avLst/>
@@ -5640,12 +6429,12 @@
         </a:fontRef>
       </dsp:style>
       <dsp:txBody>
-        <a:bodyPr spcFirstLastPara="0" vert="horz" wrap="square" lIns="60960" tIns="60960" rIns="60960" bIns="60960" numCol="1" spcCol="1270" anchor="ctr" anchorCtr="0">
+        <a:bodyPr spcFirstLastPara="0" vert="horz" wrap="square" lIns="41910" tIns="41910" rIns="41910" bIns="41910" numCol="1" spcCol="1270" anchor="ctr" anchorCtr="0">
           <a:noAutofit/>
         </a:bodyPr>
         <a:lstStyle/>
         <a:p>
-          <a:pPr marL="0" lvl="0" indent="0" algn="ctr" defTabSz="711200">
+          <a:pPr marL="0" lvl="0" indent="0" algn="ctr" defTabSz="488950">
             <a:lnSpc>
               <a:spcPct val="90000"/>
             </a:lnSpc>
@@ -5658,23 +6447,23 @@
             <a:buNone/>
           </a:pPr>
           <a:r>
-            <a:rPr lang="en-AU" sz="1600" kern="1200" dirty="0"/>
+            <a:rPr lang="en-AU" sz="1100" kern="1200" dirty="0"/>
             <a:t>Created an assessment weightings column that I used to calculate the weighted score in the case of a student taking an exam with other assessment items (the values of this column consist of a re-scaled version of the existing assessment weightings so that they add up to 100%) {</a:t>
           </a:r>
           <a:r>
-            <a:rPr lang="en-AU" sz="1600" kern="1200" dirty="0" err="1"/>
+            <a:rPr lang="en-AU" sz="1100" kern="1200" dirty="0" err="1"/>
             <a:t>Oulad</a:t>
           </a:r>
           <a:r>
-            <a:rPr lang="en-AU" sz="1600" kern="1200" dirty="0"/>
+            <a:rPr lang="en-AU" sz="1100" kern="1200" dirty="0"/>
             <a:t>}</a:t>
           </a:r>
-          <a:endParaRPr lang="en-US" sz="1600" kern="1200" dirty="0"/>
+          <a:endParaRPr lang="en-US" sz="1100" kern="1200" dirty="0"/>
         </a:p>
       </dsp:txBody>
       <dsp:txXfrm>
-        <a:off x="7847647" y="266056"/>
-        <a:ext cx="3567112" cy="2140267"/>
+        <a:off x="5790071" y="1763"/>
+        <a:ext cx="2487051" cy="1492230"/>
       </dsp:txXfrm>
     </dsp:sp>
     <dsp:sp modelId="{A22E5273-DCFF-438B-9601-DCA2FEF80F10}">
@@ -5684,8 +6473,8 @@
       </dsp:nvSpPr>
       <dsp:spPr>
         <a:xfrm>
-          <a:off x="1961911" y="2763035"/>
-          <a:ext cx="3567112" cy="2140267"/>
+          <a:off x="8525827" y="1763"/>
+          <a:ext cx="2487051" cy="1492230"/>
         </a:xfrm>
         <a:prstGeom prst="rect">
           <a:avLst/>
@@ -5727,12 +6516,12 @@
         </a:fontRef>
       </dsp:style>
       <dsp:txBody>
-        <a:bodyPr spcFirstLastPara="0" vert="horz" wrap="square" lIns="60960" tIns="60960" rIns="60960" bIns="60960" numCol="1" spcCol="1270" anchor="ctr" anchorCtr="0">
+        <a:bodyPr spcFirstLastPara="0" vert="horz" wrap="square" lIns="41910" tIns="41910" rIns="41910" bIns="41910" numCol="1" spcCol="1270" anchor="ctr" anchorCtr="0">
           <a:noAutofit/>
         </a:bodyPr>
         <a:lstStyle/>
         <a:p>
-          <a:pPr marL="0" lvl="0" indent="0" algn="ctr" defTabSz="711200">
+          <a:pPr marL="0" lvl="0" indent="0" algn="ctr" defTabSz="488950">
             <a:lnSpc>
               <a:spcPct val="90000"/>
             </a:lnSpc>
@@ -5745,23 +6534,23 @@
             <a:buNone/>
           </a:pPr>
           <a:r>
-            <a:rPr lang="en-AU" sz="1600" kern="1200" dirty="0"/>
+            <a:rPr lang="en-AU" sz="1100" kern="1200" dirty="0"/>
             <a:t>Created a weighted score column {</a:t>
           </a:r>
           <a:r>
-            <a:rPr lang="en-AU" sz="1600" kern="1200" dirty="0" err="1"/>
+            <a:rPr lang="en-AU" sz="1100" kern="1200" dirty="0" err="1"/>
             <a:t>Oulad</a:t>
           </a:r>
           <a:r>
-            <a:rPr lang="en-AU" sz="1600" kern="1200" dirty="0"/>
+            <a:rPr lang="en-AU" sz="1100" kern="1200" dirty="0"/>
             <a:t>}</a:t>
           </a:r>
-          <a:endParaRPr lang="en-US" sz="1600" kern="1200" dirty="0"/>
+          <a:endParaRPr lang="en-US" sz="1100" kern="1200" dirty="0"/>
         </a:p>
       </dsp:txBody>
       <dsp:txXfrm>
-        <a:off x="1961911" y="2763035"/>
-        <a:ext cx="3567112" cy="2140267"/>
+        <a:off x="8525827" y="1763"/>
+        <a:ext cx="2487051" cy="1492230"/>
       </dsp:txXfrm>
     </dsp:sp>
     <dsp:sp modelId="{2F17525F-F9CC-481A-A472-952E517E3CB2}">
@@ -5771,8 +6560,8 @@
       </dsp:nvSpPr>
       <dsp:spPr>
         <a:xfrm>
-          <a:off x="5885735" y="2763035"/>
-          <a:ext cx="3567112" cy="2140267"/>
+          <a:off x="318558" y="1742699"/>
+          <a:ext cx="2487051" cy="1492230"/>
         </a:xfrm>
         <a:prstGeom prst="rect">
           <a:avLst/>
@@ -5814,12 +6603,12 @@
         </a:fontRef>
       </dsp:style>
       <dsp:txBody>
-        <a:bodyPr spcFirstLastPara="0" vert="horz" wrap="square" lIns="60960" tIns="60960" rIns="60960" bIns="60960" numCol="1" spcCol="1270" anchor="ctr" anchorCtr="0">
+        <a:bodyPr spcFirstLastPara="0" vert="horz" wrap="square" lIns="41910" tIns="41910" rIns="41910" bIns="41910" numCol="1" spcCol="1270" anchor="ctr" anchorCtr="0">
           <a:noAutofit/>
         </a:bodyPr>
         <a:lstStyle/>
         <a:p>
-          <a:pPr marL="0" lvl="0" indent="0" algn="ctr" defTabSz="711200">
+          <a:pPr marL="0" lvl="0" indent="0" algn="ctr" defTabSz="488950">
             <a:lnSpc>
               <a:spcPct val="90000"/>
             </a:lnSpc>
@@ -5832,23 +6621,632 @@
             <a:buNone/>
           </a:pPr>
           <a:r>
-            <a:rPr lang="en-AU" sz="1600" kern="1200" dirty="0"/>
+            <a:rPr lang="en-AU" sz="1100" kern="1200" dirty="0"/>
             <a:t>Created a cumulative grade column {</a:t>
           </a:r>
           <a:r>
-            <a:rPr lang="en-AU" sz="1600" kern="1200" dirty="0" err="1"/>
+            <a:rPr lang="en-AU" sz="1100" kern="1200" dirty="0" err="1"/>
             <a:t>Oulad</a:t>
           </a:r>
           <a:r>
-            <a:rPr lang="en-AU" sz="1600" kern="1200" dirty="0"/>
+            <a:rPr lang="en-AU" sz="1100" kern="1200" dirty="0"/>
             <a:t>}</a:t>
           </a:r>
-          <a:endParaRPr lang="en-US" sz="1600" kern="1200" dirty="0"/>
+          <a:endParaRPr lang="en-US" sz="1100" kern="1200" dirty="0"/>
         </a:p>
       </dsp:txBody>
       <dsp:txXfrm>
-        <a:off x="5885735" y="2763035"/>
-        <a:ext cx="3567112" cy="2140267"/>
+        <a:off x="318558" y="1742699"/>
+        <a:ext cx="2487051" cy="1492230"/>
+      </dsp:txXfrm>
+    </dsp:sp>
+    <dsp:sp modelId="{47FCD1A4-36C5-4398-8646-1BAB47F1F92E}">
+      <dsp:nvSpPr>
+        <dsp:cNvPr id="0" name=""/>
+        <dsp:cNvSpPr/>
+      </dsp:nvSpPr>
+      <dsp:spPr>
+        <a:xfrm>
+          <a:off x="3054314" y="1742699"/>
+          <a:ext cx="2487051" cy="1492230"/>
+        </a:xfrm>
+        <a:prstGeom prst="rect">
+          <a:avLst/>
+        </a:prstGeom>
+        <a:solidFill>
+          <a:schemeClr val="accent2">
+            <a:hueOff val="0"/>
+            <a:satOff val="0"/>
+            <a:lumOff val="0"/>
+            <a:alphaOff val="0"/>
+          </a:schemeClr>
+        </a:solidFill>
+        <a:ln w="19050" cap="flat" cmpd="sng" algn="ctr">
+          <a:solidFill>
+            <a:schemeClr val="lt1">
+              <a:hueOff val="0"/>
+              <a:satOff val="0"/>
+              <a:lumOff val="0"/>
+              <a:alphaOff val="0"/>
+            </a:schemeClr>
+          </a:solidFill>
+          <a:prstDash val="solid"/>
+          <a:miter lim="800000"/>
+        </a:ln>
+        <a:effectLst/>
+      </dsp:spPr>
+      <dsp:style>
+        <a:lnRef idx="2">
+          <a:scrgbClr r="0" g="0" b="0"/>
+        </a:lnRef>
+        <a:fillRef idx="1">
+          <a:scrgbClr r="0" g="0" b="0"/>
+        </a:fillRef>
+        <a:effectRef idx="0">
+          <a:scrgbClr r="0" g="0" b="0"/>
+        </a:effectRef>
+        <a:fontRef idx="minor">
+          <a:schemeClr val="lt1"/>
+        </a:fontRef>
+      </dsp:style>
+      <dsp:txBody>
+        <a:bodyPr spcFirstLastPara="0" vert="horz" wrap="square" lIns="41910" tIns="41910" rIns="41910" bIns="41910" numCol="1" spcCol="1270" anchor="ctr" anchorCtr="0">
+          <a:noAutofit/>
+        </a:bodyPr>
+        <a:lstStyle/>
+        <a:p>
+          <a:pPr marL="0" lvl="0" indent="0" algn="ctr" defTabSz="488950">
+            <a:lnSpc>
+              <a:spcPct val="90000"/>
+            </a:lnSpc>
+            <a:spcBef>
+              <a:spcPct val="0"/>
+            </a:spcBef>
+            <a:spcAft>
+              <a:spcPct val="35000"/>
+            </a:spcAft>
+            <a:buNone/>
+          </a:pPr>
+          <a:r>
+            <a:rPr lang="en-AU" sz="1100" kern="1200" dirty="0"/>
+            <a:t>Created a difference between when student handed in the assignment and the assignment due date column {</a:t>
+          </a:r>
+          <a:r>
+            <a:rPr lang="en-AU" sz="1100" kern="1200" dirty="0" err="1"/>
+            <a:t>Oulad</a:t>
+          </a:r>
+          <a:r>
+            <a:rPr lang="en-AU" sz="1100" kern="1200" dirty="0"/>
+            <a:t>}</a:t>
+          </a:r>
+          <a:endParaRPr lang="en-US" sz="1100" kern="1200" dirty="0"/>
+        </a:p>
+      </dsp:txBody>
+      <dsp:txXfrm>
+        <a:off x="3054314" y="1742699"/>
+        <a:ext cx="2487051" cy="1492230"/>
+      </dsp:txXfrm>
+    </dsp:sp>
+    <dsp:sp modelId="{E1F1293F-CEF1-482D-A02F-8A163FD17FBB}">
+      <dsp:nvSpPr>
+        <dsp:cNvPr id="0" name=""/>
+        <dsp:cNvSpPr/>
+      </dsp:nvSpPr>
+      <dsp:spPr>
+        <a:xfrm>
+          <a:off x="5790071" y="1742699"/>
+          <a:ext cx="2487051" cy="1492230"/>
+        </a:xfrm>
+        <a:prstGeom prst="rect">
+          <a:avLst/>
+        </a:prstGeom>
+        <a:solidFill>
+          <a:schemeClr val="accent3">
+            <a:hueOff val="0"/>
+            <a:satOff val="0"/>
+            <a:lumOff val="0"/>
+            <a:alphaOff val="0"/>
+          </a:schemeClr>
+        </a:solidFill>
+        <a:ln w="19050" cap="flat" cmpd="sng" algn="ctr">
+          <a:solidFill>
+            <a:schemeClr val="lt1">
+              <a:hueOff val="0"/>
+              <a:satOff val="0"/>
+              <a:lumOff val="0"/>
+              <a:alphaOff val="0"/>
+            </a:schemeClr>
+          </a:solidFill>
+          <a:prstDash val="solid"/>
+          <a:miter lim="800000"/>
+        </a:ln>
+        <a:effectLst/>
+      </dsp:spPr>
+      <dsp:style>
+        <a:lnRef idx="2">
+          <a:scrgbClr r="0" g="0" b="0"/>
+        </a:lnRef>
+        <a:fillRef idx="1">
+          <a:scrgbClr r="0" g="0" b="0"/>
+        </a:fillRef>
+        <a:effectRef idx="0">
+          <a:scrgbClr r="0" g="0" b="0"/>
+        </a:effectRef>
+        <a:fontRef idx="minor">
+          <a:schemeClr val="lt1"/>
+        </a:fontRef>
+      </dsp:style>
+      <dsp:txBody>
+        <a:bodyPr spcFirstLastPara="0" vert="horz" wrap="square" lIns="41910" tIns="41910" rIns="41910" bIns="41910" numCol="1" spcCol="1270" anchor="ctr" anchorCtr="0">
+          <a:noAutofit/>
+        </a:bodyPr>
+        <a:lstStyle/>
+        <a:p>
+          <a:pPr marL="0" lvl="0" indent="0" algn="ctr" defTabSz="488950">
+            <a:lnSpc>
+              <a:spcPct val="90000"/>
+            </a:lnSpc>
+            <a:spcBef>
+              <a:spcPct val="0"/>
+            </a:spcBef>
+            <a:spcAft>
+              <a:spcPct val="35000"/>
+            </a:spcAft>
+            <a:buNone/>
+          </a:pPr>
+          <a:r>
+            <a:rPr lang="en-AU" sz="1100" kern="1200" dirty="0"/>
+            <a:t>Created a has student taken an exam column {</a:t>
+          </a:r>
+          <a:r>
+            <a:rPr lang="en-AU" sz="1100" kern="1200" dirty="0" err="1"/>
+            <a:t>Oulad</a:t>
+          </a:r>
+          <a:r>
+            <a:rPr lang="en-AU" sz="1100" kern="1200" dirty="0"/>
+            <a:t>}</a:t>
+          </a:r>
+          <a:endParaRPr lang="en-US" sz="1100" kern="1200" dirty="0"/>
+        </a:p>
+      </dsp:txBody>
+      <dsp:txXfrm>
+        <a:off x="5790071" y="1742699"/>
+        <a:ext cx="2487051" cy="1492230"/>
+      </dsp:txXfrm>
+    </dsp:sp>
+    <dsp:sp modelId="{EBB38E14-9C8A-4AC6-BBDE-84F7DB177F06}">
+      <dsp:nvSpPr>
+        <dsp:cNvPr id="0" name=""/>
+        <dsp:cNvSpPr/>
+      </dsp:nvSpPr>
+      <dsp:spPr>
+        <a:xfrm>
+          <a:off x="8525827" y="1742699"/>
+          <a:ext cx="2487051" cy="1492230"/>
+        </a:xfrm>
+        <a:prstGeom prst="rect">
+          <a:avLst/>
+        </a:prstGeom>
+        <a:solidFill>
+          <a:schemeClr val="accent4">
+            <a:hueOff val="0"/>
+            <a:satOff val="0"/>
+            <a:lumOff val="0"/>
+            <a:alphaOff val="0"/>
+          </a:schemeClr>
+        </a:solidFill>
+        <a:ln w="19050" cap="flat" cmpd="sng" algn="ctr">
+          <a:solidFill>
+            <a:schemeClr val="lt1">
+              <a:hueOff val="0"/>
+              <a:satOff val="0"/>
+              <a:lumOff val="0"/>
+              <a:alphaOff val="0"/>
+            </a:schemeClr>
+          </a:solidFill>
+          <a:prstDash val="solid"/>
+          <a:miter lim="800000"/>
+        </a:ln>
+        <a:effectLst/>
+      </dsp:spPr>
+      <dsp:style>
+        <a:lnRef idx="2">
+          <a:scrgbClr r="0" g="0" b="0"/>
+        </a:lnRef>
+        <a:fillRef idx="1">
+          <a:scrgbClr r="0" g="0" b="0"/>
+        </a:fillRef>
+        <a:effectRef idx="0">
+          <a:scrgbClr r="0" g="0" b="0"/>
+        </a:effectRef>
+        <a:fontRef idx="minor">
+          <a:schemeClr val="lt1"/>
+        </a:fontRef>
+      </dsp:style>
+      <dsp:txBody>
+        <a:bodyPr spcFirstLastPara="0" vert="horz" wrap="square" lIns="41910" tIns="41910" rIns="41910" bIns="41910" numCol="1" spcCol="1270" anchor="ctr" anchorCtr="0">
+          <a:noAutofit/>
+        </a:bodyPr>
+        <a:lstStyle/>
+        <a:p>
+          <a:pPr marL="0" lvl="0" indent="0" algn="ctr" defTabSz="488950">
+            <a:lnSpc>
+              <a:spcPct val="90000"/>
+            </a:lnSpc>
+            <a:spcBef>
+              <a:spcPct val="0"/>
+            </a:spcBef>
+            <a:spcAft>
+              <a:spcPct val="35000"/>
+            </a:spcAft>
+            <a:buNone/>
+          </a:pPr>
+          <a:r>
+            <a:rPr lang="en-AU" sz="1100" kern="1200" dirty="0"/>
+            <a:t>Created a sum of the weighted scores column {</a:t>
+          </a:r>
+          <a:r>
+            <a:rPr lang="en-AU" sz="1100" kern="1200" dirty="0" err="1"/>
+            <a:t>Oulad</a:t>
+          </a:r>
+          <a:r>
+            <a:rPr lang="en-AU" sz="1100" kern="1200" dirty="0"/>
+            <a:t>}</a:t>
+          </a:r>
+          <a:endParaRPr lang="en-US" sz="1100" kern="1200" dirty="0"/>
+        </a:p>
+      </dsp:txBody>
+      <dsp:txXfrm>
+        <a:off x="8525827" y="1742699"/>
+        <a:ext cx="2487051" cy="1492230"/>
+      </dsp:txXfrm>
+    </dsp:sp>
+    <dsp:sp modelId="{B6AC7FFF-6E7F-4771-90EC-DB3537765E70}">
+      <dsp:nvSpPr>
+        <dsp:cNvPr id="0" name=""/>
+        <dsp:cNvSpPr/>
+      </dsp:nvSpPr>
+      <dsp:spPr>
+        <a:xfrm>
+          <a:off x="318558" y="3483635"/>
+          <a:ext cx="2487051" cy="1492230"/>
+        </a:xfrm>
+        <a:prstGeom prst="rect">
+          <a:avLst/>
+        </a:prstGeom>
+        <a:solidFill>
+          <a:schemeClr val="accent5">
+            <a:hueOff val="0"/>
+            <a:satOff val="0"/>
+            <a:lumOff val="0"/>
+            <a:alphaOff val="0"/>
+          </a:schemeClr>
+        </a:solidFill>
+        <a:ln w="19050" cap="flat" cmpd="sng" algn="ctr">
+          <a:solidFill>
+            <a:schemeClr val="lt1">
+              <a:hueOff val="0"/>
+              <a:satOff val="0"/>
+              <a:lumOff val="0"/>
+              <a:alphaOff val="0"/>
+            </a:schemeClr>
+          </a:solidFill>
+          <a:prstDash val="solid"/>
+          <a:miter lim="800000"/>
+        </a:ln>
+        <a:effectLst/>
+      </dsp:spPr>
+      <dsp:style>
+        <a:lnRef idx="2">
+          <a:scrgbClr r="0" g="0" b="0"/>
+        </a:lnRef>
+        <a:fillRef idx="1">
+          <a:scrgbClr r="0" g="0" b="0"/>
+        </a:fillRef>
+        <a:effectRef idx="0">
+          <a:scrgbClr r="0" g="0" b="0"/>
+        </a:effectRef>
+        <a:fontRef idx="minor">
+          <a:schemeClr val="lt1"/>
+        </a:fontRef>
+      </dsp:style>
+      <dsp:txBody>
+        <a:bodyPr spcFirstLastPara="0" vert="horz" wrap="square" lIns="41910" tIns="41910" rIns="41910" bIns="41910" numCol="1" spcCol="1270" anchor="ctr" anchorCtr="0">
+          <a:noAutofit/>
+        </a:bodyPr>
+        <a:lstStyle/>
+        <a:p>
+          <a:pPr marL="0" lvl="0" indent="0" algn="ctr" defTabSz="488950">
+            <a:lnSpc>
+              <a:spcPct val="90000"/>
+            </a:lnSpc>
+            <a:spcBef>
+              <a:spcPct val="0"/>
+            </a:spcBef>
+            <a:spcAft>
+              <a:spcPct val="35000"/>
+            </a:spcAft>
+            <a:buNone/>
+          </a:pPr>
+          <a:r>
+            <a:rPr lang="en-AU" sz="1100" kern="1200" dirty="0"/>
+            <a:t>Created a column where I grouped the module and presentation IDs {</a:t>
+          </a:r>
+          <a:r>
+            <a:rPr lang="en-AU" sz="1100" kern="1200" dirty="0" err="1"/>
+            <a:t>Oulad</a:t>
+          </a:r>
+          <a:r>
+            <a:rPr lang="en-AU" sz="1100" kern="1200" dirty="0"/>
+            <a:t>}</a:t>
+          </a:r>
+          <a:endParaRPr lang="en-US" sz="1100" kern="1200" dirty="0"/>
+        </a:p>
+      </dsp:txBody>
+      <dsp:txXfrm>
+        <a:off x="318558" y="3483635"/>
+        <a:ext cx="2487051" cy="1492230"/>
+      </dsp:txXfrm>
+    </dsp:sp>
+    <dsp:sp modelId="{1A1D4E29-E867-40E6-8CDA-4F3D550D850C}">
+      <dsp:nvSpPr>
+        <dsp:cNvPr id="0" name=""/>
+        <dsp:cNvSpPr/>
+      </dsp:nvSpPr>
+      <dsp:spPr>
+        <a:xfrm>
+          <a:off x="3054314" y="3483635"/>
+          <a:ext cx="2487051" cy="1492230"/>
+        </a:xfrm>
+        <a:prstGeom prst="rect">
+          <a:avLst/>
+        </a:prstGeom>
+        <a:solidFill>
+          <a:schemeClr val="accent6">
+            <a:hueOff val="0"/>
+            <a:satOff val="0"/>
+            <a:lumOff val="0"/>
+            <a:alphaOff val="0"/>
+          </a:schemeClr>
+        </a:solidFill>
+        <a:ln w="19050" cap="flat" cmpd="sng" algn="ctr">
+          <a:solidFill>
+            <a:schemeClr val="lt1">
+              <a:hueOff val="0"/>
+              <a:satOff val="0"/>
+              <a:lumOff val="0"/>
+              <a:alphaOff val="0"/>
+            </a:schemeClr>
+          </a:solidFill>
+          <a:prstDash val="solid"/>
+          <a:miter lim="800000"/>
+        </a:ln>
+        <a:effectLst/>
+      </dsp:spPr>
+      <dsp:style>
+        <a:lnRef idx="2">
+          <a:scrgbClr r="0" g="0" b="0"/>
+        </a:lnRef>
+        <a:fillRef idx="1">
+          <a:scrgbClr r="0" g="0" b="0"/>
+        </a:fillRef>
+        <a:effectRef idx="0">
+          <a:scrgbClr r="0" g="0" b="0"/>
+        </a:effectRef>
+        <a:fontRef idx="minor">
+          <a:schemeClr val="lt1"/>
+        </a:fontRef>
+      </dsp:style>
+      <dsp:txBody>
+        <a:bodyPr spcFirstLastPara="0" vert="horz" wrap="square" lIns="41910" tIns="41910" rIns="41910" bIns="41910" numCol="1" spcCol="1270" anchor="ctr" anchorCtr="0">
+          <a:noAutofit/>
+        </a:bodyPr>
+        <a:lstStyle/>
+        <a:p>
+          <a:pPr marL="0" lvl="0" indent="0" algn="ctr" defTabSz="488950">
+            <a:lnSpc>
+              <a:spcPct val="90000"/>
+            </a:lnSpc>
+            <a:spcBef>
+              <a:spcPct val="0"/>
+            </a:spcBef>
+            <a:spcAft>
+              <a:spcPct val="35000"/>
+            </a:spcAft>
+            <a:buNone/>
+          </a:pPr>
+          <a:r>
+            <a:rPr lang="en-AU" sz="1100" kern="1200" dirty="0"/>
+            <a:t>Created a column that converts the grade a student received to its numerical equivalent {</a:t>
+          </a:r>
+          <a:r>
+            <a:rPr lang="en-AU" sz="1100" kern="1200" dirty="0" err="1"/>
+            <a:t>Oulad</a:t>
+          </a:r>
+          <a:r>
+            <a:rPr lang="en-AU" sz="1100" kern="1200" dirty="0"/>
+            <a:t>}</a:t>
+          </a:r>
+          <a:endParaRPr lang="en-US" sz="1100" kern="1200" dirty="0"/>
+        </a:p>
+      </dsp:txBody>
+      <dsp:txXfrm>
+        <a:off x="3054314" y="3483635"/>
+        <a:ext cx="2487051" cy="1492230"/>
+      </dsp:txXfrm>
+    </dsp:sp>
+    <dsp:sp modelId="{D88F36EA-D347-4185-BC82-767F6DFA6951}">
+      <dsp:nvSpPr>
+        <dsp:cNvPr id="0" name=""/>
+        <dsp:cNvSpPr/>
+      </dsp:nvSpPr>
+      <dsp:spPr>
+        <a:xfrm>
+          <a:off x="5790071" y="3483635"/>
+          <a:ext cx="2487051" cy="1492230"/>
+        </a:xfrm>
+        <a:prstGeom prst="rect">
+          <a:avLst/>
+        </a:prstGeom>
+        <a:solidFill>
+          <a:schemeClr val="accent2">
+            <a:hueOff val="0"/>
+            <a:satOff val="0"/>
+            <a:lumOff val="0"/>
+            <a:alphaOff val="0"/>
+          </a:schemeClr>
+        </a:solidFill>
+        <a:ln w="19050" cap="flat" cmpd="sng" algn="ctr">
+          <a:solidFill>
+            <a:schemeClr val="lt1">
+              <a:hueOff val="0"/>
+              <a:satOff val="0"/>
+              <a:lumOff val="0"/>
+              <a:alphaOff val="0"/>
+            </a:schemeClr>
+          </a:solidFill>
+          <a:prstDash val="solid"/>
+          <a:miter lim="800000"/>
+        </a:ln>
+        <a:effectLst/>
+      </dsp:spPr>
+      <dsp:style>
+        <a:lnRef idx="2">
+          <a:scrgbClr r="0" g="0" b="0"/>
+        </a:lnRef>
+        <a:fillRef idx="1">
+          <a:scrgbClr r="0" g="0" b="0"/>
+        </a:fillRef>
+        <a:effectRef idx="0">
+          <a:scrgbClr r="0" g="0" b="0"/>
+        </a:effectRef>
+        <a:fontRef idx="minor">
+          <a:schemeClr val="lt1"/>
+        </a:fontRef>
+      </dsp:style>
+      <dsp:txBody>
+        <a:bodyPr spcFirstLastPara="0" vert="horz" wrap="square" lIns="41910" tIns="41910" rIns="41910" bIns="41910" numCol="1" spcCol="1270" anchor="ctr" anchorCtr="0">
+          <a:noAutofit/>
+        </a:bodyPr>
+        <a:lstStyle/>
+        <a:p>
+          <a:pPr marL="0" lvl="0" indent="0" algn="ctr" defTabSz="488950">
+            <a:lnSpc>
+              <a:spcPct val="90000"/>
+            </a:lnSpc>
+            <a:spcBef>
+              <a:spcPct val="0"/>
+            </a:spcBef>
+            <a:spcAft>
+              <a:spcPct val="35000"/>
+            </a:spcAft>
+            <a:buNone/>
+          </a:pPr>
+          <a:r>
+            <a:rPr lang="en-AU" sz="1100" kern="1200" dirty="0"/>
+            <a:t>Created a column works out the grade points {</a:t>
+          </a:r>
+          <a:r>
+            <a:rPr lang="en-AU" sz="1100" kern="1200" dirty="0" err="1"/>
+            <a:t>Oulad</a:t>
+          </a:r>
+          <a:r>
+            <a:rPr lang="en-AU" sz="1100" kern="1200" dirty="0"/>
+            <a:t>}</a:t>
+          </a:r>
+          <a:endParaRPr lang="en-US" sz="1100" kern="1200" dirty="0"/>
+        </a:p>
+      </dsp:txBody>
+      <dsp:txXfrm>
+        <a:off x="5790071" y="3483635"/>
+        <a:ext cx="2487051" cy="1492230"/>
+      </dsp:txXfrm>
+    </dsp:sp>
+    <dsp:sp modelId="{AB53E3E9-EC68-4834-B68B-F649A3DDB149}">
+      <dsp:nvSpPr>
+        <dsp:cNvPr id="0" name=""/>
+        <dsp:cNvSpPr/>
+      </dsp:nvSpPr>
+      <dsp:spPr>
+        <a:xfrm>
+          <a:off x="8525827" y="3483635"/>
+          <a:ext cx="2487051" cy="1492230"/>
+        </a:xfrm>
+        <a:prstGeom prst="rect">
+          <a:avLst/>
+        </a:prstGeom>
+        <a:solidFill>
+          <a:schemeClr val="accent3">
+            <a:hueOff val="0"/>
+            <a:satOff val="0"/>
+            <a:lumOff val="0"/>
+            <a:alphaOff val="0"/>
+          </a:schemeClr>
+        </a:solidFill>
+        <a:ln w="19050" cap="flat" cmpd="sng" algn="ctr">
+          <a:solidFill>
+            <a:schemeClr val="lt1">
+              <a:hueOff val="0"/>
+              <a:satOff val="0"/>
+              <a:lumOff val="0"/>
+              <a:alphaOff val="0"/>
+            </a:schemeClr>
+          </a:solidFill>
+          <a:prstDash val="solid"/>
+          <a:miter lim="800000"/>
+        </a:ln>
+        <a:effectLst/>
+      </dsp:spPr>
+      <dsp:style>
+        <a:lnRef idx="2">
+          <a:scrgbClr r="0" g="0" b="0"/>
+        </a:lnRef>
+        <a:fillRef idx="1">
+          <a:scrgbClr r="0" g="0" b="0"/>
+        </a:fillRef>
+        <a:effectRef idx="0">
+          <a:scrgbClr r="0" g="0" b="0"/>
+        </a:effectRef>
+        <a:fontRef idx="minor">
+          <a:schemeClr val="lt1"/>
+        </a:fontRef>
+      </dsp:style>
+      <dsp:txBody>
+        <a:bodyPr spcFirstLastPara="0" vert="horz" wrap="square" lIns="41910" tIns="41910" rIns="41910" bIns="41910" numCol="1" spcCol="1270" anchor="ctr" anchorCtr="0">
+          <a:noAutofit/>
+        </a:bodyPr>
+        <a:lstStyle/>
+        <a:p>
+          <a:pPr marL="0" lvl="0" indent="0" algn="ctr" defTabSz="488950">
+            <a:lnSpc>
+              <a:spcPct val="90000"/>
+            </a:lnSpc>
+            <a:spcBef>
+              <a:spcPct val="0"/>
+            </a:spcBef>
+            <a:spcAft>
+              <a:spcPct val="35000"/>
+            </a:spcAft>
+            <a:buNone/>
+          </a:pPr>
+          <a:r>
+            <a:rPr lang="en-AU" sz="1100" kern="1200" dirty="0"/>
+            <a:t>Created a column that works out the total credits a course is worth {</a:t>
+          </a:r>
+          <a:r>
+            <a:rPr lang="en-AU" sz="1100" kern="1200" dirty="0" err="1"/>
+            <a:t>Oulad</a:t>
+          </a:r>
+          <a:r>
+            <a:rPr lang="en-AU" sz="1100" kern="1200" dirty="0"/>
+            <a:t>}</a:t>
+          </a:r>
+          <a:endParaRPr lang="en-US" sz="1100" kern="1200" dirty="0"/>
+        </a:p>
+      </dsp:txBody>
+      <dsp:txXfrm>
+        <a:off x="8525827" y="3483635"/>
+        <a:ext cx="2487051" cy="1492230"/>
       </dsp:txXfrm>
     </dsp:sp>
   </dsp:spTree>
@@ -9441,6 +10839,440 @@
 </dgm:styleDef>
 </file>
 
+<file path=ppt/notesMasters/notesMaster1.xml><?xml version="1.0" encoding="utf-8"?>
+<p:notesMaster xmlns:a="http://schemas.openxmlformats.org/drawingml/2006/main" xmlns:r="http://schemas.openxmlformats.org/officeDocument/2006/relationships" xmlns:p="http://schemas.openxmlformats.org/presentationml/2006/main">
+  <p:cSld>
+    <p:bg>
+      <p:bgRef idx="1001">
+        <a:schemeClr val="bg1"/>
+      </p:bgRef>
+    </p:bg>
+    <p:spTree>
+      <p:nvGrpSpPr>
+        <p:cNvPr id="1" name=""/>
+        <p:cNvGrpSpPr/>
+        <p:nvPr/>
+      </p:nvGrpSpPr>
+      <p:grpSpPr>
+        <a:xfrm>
+          <a:off x="0" y="0"/>
+          <a:ext cx="0" cy="0"/>
+          <a:chOff x="0" y="0"/>
+          <a:chExt cx="0" cy="0"/>
+        </a:xfrm>
+      </p:grpSpPr>
+      <p:sp>
+        <p:nvSpPr>
+          <p:cNvPr id="2" name="Header Placeholder 1"/>
+          <p:cNvSpPr>
+            <a:spLocks noGrp="1"/>
+          </p:cNvSpPr>
+          <p:nvPr>
+            <p:ph type="hdr" sz="quarter"/>
+          </p:nvPr>
+        </p:nvSpPr>
+        <p:spPr>
+          <a:xfrm>
+            <a:off x="0" y="0"/>
+            <a:ext cx="2971800" cy="458788"/>
+          </a:xfrm>
+          <a:prstGeom prst="rect">
+            <a:avLst/>
+          </a:prstGeom>
+        </p:spPr>
+        <p:txBody>
+          <a:bodyPr vert="horz" lIns="91440" tIns="45720" rIns="91440" bIns="45720" rtlCol="0"/>
+          <a:lstStyle>
+            <a:lvl1pPr algn="l">
+              <a:defRPr sz="1200"/>
+            </a:lvl1pPr>
+          </a:lstStyle>
+          <a:p>
+            <a:endParaRPr lang="en-AU"/>
+          </a:p>
+        </p:txBody>
+      </p:sp>
+      <p:sp>
+        <p:nvSpPr>
+          <p:cNvPr id="3" name="Date Placeholder 2"/>
+          <p:cNvSpPr>
+            <a:spLocks noGrp="1"/>
+          </p:cNvSpPr>
+          <p:nvPr>
+            <p:ph type="dt" idx="1"/>
+          </p:nvPr>
+        </p:nvSpPr>
+        <p:spPr>
+          <a:xfrm>
+            <a:off x="3884613" y="0"/>
+            <a:ext cx="2971800" cy="458788"/>
+          </a:xfrm>
+          <a:prstGeom prst="rect">
+            <a:avLst/>
+          </a:prstGeom>
+        </p:spPr>
+        <p:txBody>
+          <a:bodyPr vert="horz" lIns="91440" tIns="45720" rIns="91440" bIns="45720" rtlCol="0"/>
+          <a:lstStyle>
+            <a:lvl1pPr algn="r">
+              <a:defRPr sz="1200"/>
+            </a:lvl1pPr>
+          </a:lstStyle>
+          <a:p>
+            <a:fld id="{212E714A-C421-4AE2-A0E8-C905BA96B1A5}" type="datetimeFigureOut">
+              <a:rPr lang="en-AU" smtClean="0"/>
+              <a:t>10/05/2024</a:t>
+            </a:fld>
+            <a:endParaRPr lang="en-AU"/>
+          </a:p>
+        </p:txBody>
+      </p:sp>
+      <p:sp>
+        <p:nvSpPr>
+          <p:cNvPr id="4" name="Slide Image Placeholder 3"/>
+          <p:cNvSpPr>
+            <a:spLocks noGrp="1" noRot="1" noChangeAspect="1"/>
+          </p:cNvSpPr>
+          <p:nvPr>
+            <p:ph type="sldImg" idx="2"/>
+          </p:nvPr>
+        </p:nvSpPr>
+        <p:spPr>
+          <a:xfrm>
+            <a:off x="685800" y="1143000"/>
+            <a:ext cx="5486400" cy="3086100"/>
+          </a:xfrm>
+          <a:prstGeom prst="rect">
+            <a:avLst/>
+          </a:prstGeom>
+          <a:noFill/>
+          <a:ln w="12700">
+            <a:solidFill>
+              <a:prstClr val="black"/>
+            </a:solidFill>
+          </a:ln>
+        </p:spPr>
+        <p:txBody>
+          <a:bodyPr vert="horz" lIns="91440" tIns="45720" rIns="91440" bIns="45720" rtlCol="0" anchor="ctr"/>
+          <a:lstStyle/>
+          <a:p>
+            <a:endParaRPr lang="en-AU"/>
+          </a:p>
+        </p:txBody>
+      </p:sp>
+      <p:sp>
+        <p:nvSpPr>
+          <p:cNvPr id="5" name="Notes Placeholder 4"/>
+          <p:cNvSpPr>
+            <a:spLocks noGrp="1"/>
+          </p:cNvSpPr>
+          <p:nvPr>
+            <p:ph type="body" sz="quarter" idx="3"/>
+          </p:nvPr>
+        </p:nvSpPr>
+        <p:spPr>
+          <a:xfrm>
+            <a:off x="685800" y="4400550"/>
+            <a:ext cx="5486400" cy="3600450"/>
+          </a:xfrm>
+          <a:prstGeom prst="rect">
+            <a:avLst/>
+          </a:prstGeom>
+        </p:spPr>
+        <p:txBody>
+          <a:bodyPr vert="horz" lIns="91440" tIns="45720" rIns="91440" bIns="45720" rtlCol="0"/>
+          <a:lstStyle/>
+          <a:p>
+            <a:pPr lvl="0"/>
+            <a:r>
+              <a:rPr lang="en-US"/>
+              <a:t>Click to edit Master text styles</a:t>
+            </a:r>
+          </a:p>
+          <a:p>
+            <a:pPr lvl="1"/>
+            <a:r>
+              <a:rPr lang="en-US"/>
+              <a:t>Second level</a:t>
+            </a:r>
+          </a:p>
+          <a:p>
+            <a:pPr lvl="2"/>
+            <a:r>
+              <a:rPr lang="en-US"/>
+              <a:t>Third level</a:t>
+            </a:r>
+          </a:p>
+          <a:p>
+            <a:pPr lvl="3"/>
+            <a:r>
+              <a:rPr lang="en-US"/>
+              <a:t>Fourth level</a:t>
+            </a:r>
+          </a:p>
+          <a:p>
+            <a:pPr lvl="4"/>
+            <a:r>
+              <a:rPr lang="en-US"/>
+              <a:t>Fifth level</a:t>
+            </a:r>
+            <a:endParaRPr lang="en-AU"/>
+          </a:p>
+        </p:txBody>
+      </p:sp>
+      <p:sp>
+        <p:nvSpPr>
+          <p:cNvPr id="6" name="Footer Placeholder 5"/>
+          <p:cNvSpPr>
+            <a:spLocks noGrp="1"/>
+          </p:cNvSpPr>
+          <p:nvPr>
+            <p:ph type="ftr" sz="quarter" idx="4"/>
+          </p:nvPr>
+        </p:nvSpPr>
+        <p:spPr>
+          <a:xfrm>
+            <a:off x="0" y="8685213"/>
+            <a:ext cx="2971800" cy="458787"/>
+          </a:xfrm>
+          <a:prstGeom prst="rect">
+            <a:avLst/>
+          </a:prstGeom>
+        </p:spPr>
+        <p:txBody>
+          <a:bodyPr vert="horz" lIns="91440" tIns="45720" rIns="91440" bIns="45720" rtlCol="0" anchor="b"/>
+          <a:lstStyle>
+            <a:lvl1pPr algn="l">
+              <a:defRPr sz="1200"/>
+            </a:lvl1pPr>
+          </a:lstStyle>
+          <a:p>
+            <a:endParaRPr lang="en-AU"/>
+          </a:p>
+        </p:txBody>
+      </p:sp>
+      <p:sp>
+        <p:nvSpPr>
+          <p:cNvPr id="7" name="Slide Number Placeholder 6"/>
+          <p:cNvSpPr>
+            <a:spLocks noGrp="1"/>
+          </p:cNvSpPr>
+          <p:nvPr>
+            <p:ph type="sldNum" sz="quarter" idx="5"/>
+          </p:nvPr>
+        </p:nvSpPr>
+        <p:spPr>
+          <a:xfrm>
+            <a:off x="3884613" y="8685213"/>
+            <a:ext cx="2971800" cy="458787"/>
+          </a:xfrm>
+          <a:prstGeom prst="rect">
+            <a:avLst/>
+          </a:prstGeom>
+        </p:spPr>
+        <p:txBody>
+          <a:bodyPr vert="horz" lIns="91440" tIns="45720" rIns="91440" bIns="45720" rtlCol="0" anchor="b"/>
+          <a:lstStyle>
+            <a:lvl1pPr algn="r">
+              <a:defRPr sz="1200"/>
+            </a:lvl1pPr>
+          </a:lstStyle>
+          <a:p>
+            <a:fld id="{9E0AC5C7-5CC0-4119-9E3A-1051866657AE}" type="slidenum">
+              <a:rPr lang="en-AU" smtClean="0"/>
+              <a:t>‹#›</a:t>
+            </a:fld>
+            <a:endParaRPr lang="en-AU"/>
+          </a:p>
+        </p:txBody>
+      </p:sp>
+    </p:spTree>
+    <p:extLst>
+      <p:ext uri="{BB962C8B-B14F-4D97-AF65-F5344CB8AC3E}">
+        <p14:creationId xmlns:p14="http://schemas.microsoft.com/office/powerpoint/2010/main" val="903885588"/>
+      </p:ext>
+    </p:extLst>
+  </p:cSld>
+  <p:clrMap bg1="lt1" tx1="dk1" bg2="lt2" tx2="dk2" accent1="accent1" accent2="accent2" accent3="accent3" accent4="accent4" accent5="accent5" accent6="accent6" hlink="hlink" folHlink="folHlink"/>
+  <p:notesStyle>
+    <a:lvl1pPr marL="0" algn="l" defTabSz="914400" rtl="0" eaLnBrk="1" latinLnBrk="0" hangingPunct="1">
+      <a:defRPr sz="1200" kern="1200">
+        <a:solidFill>
+          <a:schemeClr val="tx1"/>
+        </a:solidFill>
+        <a:latin typeface="+mn-lt"/>
+        <a:ea typeface="+mn-ea"/>
+        <a:cs typeface="+mn-cs"/>
+      </a:defRPr>
+    </a:lvl1pPr>
+    <a:lvl2pPr marL="457200" algn="l" defTabSz="914400" rtl="0" eaLnBrk="1" latinLnBrk="0" hangingPunct="1">
+      <a:defRPr sz="1200" kern="1200">
+        <a:solidFill>
+          <a:schemeClr val="tx1"/>
+        </a:solidFill>
+        <a:latin typeface="+mn-lt"/>
+        <a:ea typeface="+mn-ea"/>
+        <a:cs typeface="+mn-cs"/>
+      </a:defRPr>
+    </a:lvl2pPr>
+    <a:lvl3pPr marL="914400" algn="l" defTabSz="914400" rtl="0" eaLnBrk="1" latinLnBrk="0" hangingPunct="1">
+      <a:defRPr sz="1200" kern="1200">
+        <a:solidFill>
+          <a:schemeClr val="tx1"/>
+        </a:solidFill>
+        <a:latin typeface="+mn-lt"/>
+        <a:ea typeface="+mn-ea"/>
+        <a:cs typeface="+mn-cs"/>
+      </a:defRPr>
+    </a:lvl3pPr>
+    <a:lvl4pPr marL="1371600" algn="l" defTabSz="914400" rtl="0" eaLnBrk="1" latinLnBrk="0" hangingPunct="1">
+      <a:defRPr sz="1200" kern="1200">
+        <a:solidFill>
+          <a:schemeClr val="tx1"/>
+        </a:solidFill>
+        <a:latin typeface="+mn-lt"/>
+        <a:ea typeface="+mn-ea"/>
+        <a:cs typeface="+mn-cs"/>
+      </a:defRPr>
+    </a:lvl4pPr>
+    <a:lvl5pPr marL="1828800" algn="l" defTabSz="914400" rtl="0" eaLnBrk="1" latinLnBrk="0" hangingPunct="1">
+      <a:defRPr sz="1200" kern="1200">
+        <a:solidFill>
+          <a:schemeClr val="tx1"/>
+        </a:solidFill>
+        <a:latin typeface="+mn-lt"/>
+        <a:ea typeface="+mn-ea"/>
+        <a:cs typeface="+mn-cs"/>
+      </a:defRPr>
+    </a:lvl5pPr>
+    <a:lvl6pPr marL="2286000" algn="l" defTabSz="914400" rtl="0" eaLnBrk="1" latinLnBrk="0" hangingPunct="1">
+      <a:defRPr sz="1200" kern="1200">
+        <a:solidFill>
+          <a:schemeClr val="tx1"/>
+        </a:solidFill>
+        <a:latin typeface="+mn-lt"/>
+        <a:ea typeface="+mn-ea"/>
+        <a:cs typeface="+mn-cs"/>
+      </a:defRPr>
+    </a:lvl6pPr>
+    <a:lvl7pPr marL="2743200" algn="l" defTabSz="914400" rtl="0" eaLnBrk="1" latinLnBrk="0" hangingPunct="1">
+      <a:defRPr sz="1200" kern="1200">
+        <a:solidFill>
+          <a:schemeClr val="tx1"/>
+        </a:solidFill>
+        <a:latin typeface="+mn-lt"/>
+        <a:ea typeface="+mn-ea"/>
+        <a:cs typeface="+mn-cs"/>
+      </a:defRPr>
+    </a:lvl7pPr>
+    <a:lvl8pPr marL="3200400" algn="l" defTabSz="914400" rtl="0" eaLnBrk="1" latinLnBrk="0" hangingPunct="1">
+      <a:defRPr sz="1200" kern="1200">
+        <a:solidFill>
+          <a:schemeClr val="tx1"/>
+        </a:solidFill>
+        <a:latin typeface="+mn-lt"/>
+        <a:ea typeface="+mn-ea"/>
+        <a:cs typeface="+mn-cs"/>
+      </a:defRPr>
+    </a:lvl8pPr>
+    <a:lvl9pPr marL="3657600" algn="l" defTabSz="914400" rtl="0" eaLnBrk="1" latinLnBrk="0" hangingPunct="1">
+      <a:defRPr sz="1200" kern="1200">
+        <a:solidFill>
+          <a:schemeClr val="tx1"/>
+        </a:solidFill>
+        <a:latin typeface="+mn-lt"/>
+        <a:ea typeface="+mn-ea"/>
+        <a:cs typeface="+mn-cs"/>
+      </a:defRPr>
+    </a:lvl9pPr>
+  </p:notesStyle>
+</p:notesMaster>
+</file>
+
+<file path=ppt/notesSlides/notesSlide1.xml><?xml version="1.0" encoding="utf-8"?>
+<p:notes xmlns:a="http://schemas.openxmlformats.org/drawingml/2006/main" xmlns:r="http://schemas.openxmlformats.org/officeDocument/2006/relationships" xmlns:p="http://schemas.openxmlformats.org/presentationml/2006/main">
+  <p:cSld>
+    <p:spTree>
+      <p:nvGrpSpPr>
+        <p:cNvPr id="1" name=""/>
+        <p:cNvGrpSpPr/>
+        <p:nvPr/>
+      </p:nvGrpSpPr>
+      <p:grpSpPr>
+        <a:xfrm>
+          <a:off x="0" y="0"/>
+          <a:ext cx="0" cy="0"/>
+          <a:chOff x="0" y="0"/>
+          <a:chExt cx="0" cy="0"/>
+        </a:xfrm>
+      </p:grpSpPr>
+      <p:sp>
+        <p:nvSpPr>
+          <p:cNvPr id="2" name="Slide Image Placeholder 1"/>
+          <p:cNvSpPr>
+            <a:spLocks noGrp="1" noRot="1" noChangeAspect="1"/>
+          </p:cNvSpPr>
+          <p:nvPr>
+            <p:ph type="sldImg"/>
+          </p:nvPr>
+        </p:nvSpPr>
+        <p:spPr/>
+      </p:sp>
+      <p:sp>
+        <p:nvSpPr>
+          <p:cNvPr id="3" name="Notes Placeholder 2"/>
+          <p:cNvSpPr>
+            <a:spLocks noGrp="1"/>
+          </p:cNvSpPr>
+          <p:nvPr>
+            <p:ph type="body" idx="1"/>
+          </p:nvPr>
+        </p:nvSpPr>
+        <p:spPr/>
+        <p:txBody>
+          <a:bodyPr/>
+          <a:lstStyle/>
+          <a:p>
+            <a:endParaRPr lang="en-AU" dirty="0"/>
+          </a:p>
+        </p:txBody>
+      </p:sp>
+      <p:sp>
+        <p:nvSpPr>
+          <p:cNvPr id="4" name="Slide Number Placeholder 3"/>
+          <p:cNvSpPr>
+            <a:spLocks noGrp="1"/>
+          </p:cNvSpPr>
+          <p:nvPr>
+            <p:ph type="sldNum" sz="quarter" idx="5"/>
+          </p:nvPr>
+        </p:nvSpPr>
+        <p:spPr/>
+        <p:txBody>
+          <a:bodyPr/>
+          <a:lstStyle/>
+          <a:p>
+            <a:fld id="{9E0AC5C7-5CC0-4119-9E3A-1051866657AE}" type="slidenum">
+              <a:rPr lang="en-AU" smtClean="0"/>
+              <a:t>34</a:t>
+            </a:fld>
+            <a:endParaRPr lang="en-AU"/>
+          </a:p>
+        </p:txBody>
+      </p:sp>
+    </p:spTree>
+    <p:extLst>
+      <p:ext uri="{BB962C8B-B14F-4D97-AF65-F5344CB8AC3E}">
+        <p14:creationId xmlns:p14="http://schemas.microsoft.com/office/powerpoint/2010/main" val="3200346655"/>
+      </p:ext>
+    </p:extLst>
+  </p:cSld>
+  <p:clrMapOvr>
+    <a:masterClrMapping/>
+  </p:clrMapOvr>
+</p:notes>
+</file>
+
 <file path=ppt/slideLayouts/slideLayout1.xml><?xml version="1.0" encoding="utf-8"?>
 <p:sldLayout xmlns:a="http://schemas.openxmlformats.org/drawingml/2006/main" xmlns:r="http://schemas.openxmlformats.org/officeDocument/2006/relationships" xmlns:p="http://schemas.openxmlformats.org/presentationml/2006/main" type="title" preserve="1">
   <p:cSld name="Title Slide">
@@ -9590,7 +11422,7 @@
           <a:p>
             <a:fld id="{C1167E98-6E44-4B6D-ADB4-364E7862CAF3}" type="datetimeFigureOut">
               <a:rPr lang="en-AU" smtClean="0"/>
-              <a:t>9/05/2024</a:t>
+              <a:t>10/05/2024</a:t>
             </a:fld>
             <a:endParaRPr lang="en-AU"/>
           </a:p>
@@ -9790,7 +11622,7 @@
           <a:p>
             <a:fld id="{C1167E98-6E44-4B6D-ADB4-364E7862CAF3}" type="datetimeFigureOut">
               <a:rPr lang="en-AU" smtClean="0"/>
-              <a:t>9/05/2024</a:t>
+              <a:t>10/05/2024</a:t>
             </a:fld>
             <a:endParaRPr lang="en-AU"/>
           </a:p>
@@ -10000,7 +11832,7 @@
           <a:p>
             <a:fld id="{C1167E98-6E44-4B6D-ADB4-364E7862CAF3}" type="datetimeFigureOut">
               <a:rPr lang="en-AU" smtClean="0"/>
-              <a:t>9/05/2024</a:t>
+              <a:t>10/05/2024</a:t>
             </a:fld>
             <a:endParaRPr lang="en-AU"/>
           </a:p>
@@ -10200,7 +12032,7 @@
           <a:p>
             <a:fld id="{C1167E98-6E44-4B6D-ADB4-364E7862CAF3}" type="datetimeFigureOut">
               <a:rPr lang="en-AU" smtClean="0"/>
-              <a:t>9/05/2024</a:t>
+              <a:t>10/05/2024</a:t>
             </a:fld>
             <a:endParaRPr lang="en-AU"/>
           </a:p>
@@ -10476,7 +12308,7 @@
           <a:p>
             <a:fld id="{C1167E98-6E44-4B6D-ADB4-364E7862CAF3}" type="datetimeFigureOut">
               <a:rPr lang="en-AU" smtClean="0"/>
-              <a:t>9/05/2024</a:t>
+              <a:t>10/05/2024</a:t>
             </a:fld>
             <a:endParaRPr lang="en-AU"/>
           </a:p>
@@ -10744,7 +12576,7 @@
           <a:p>
             <a:fld id="{C1167E98-6E44-4B6D-ADB4-364E7862CAF3}" type="datetimeFigureOut">
               <a:rPr lang="en-AU" smtClean="0"/>
-              <a:t>9/05/2024</a:t>
+              <a:t>10/05/2024</a:t>
             </a:fld>
             <a:endParaRPr lang="en-AU"/>
           </a:p>
@@ -11159,7 +12991,7 @@
           <a:p>
             <a:fld id="{C1167E98-6E44-4B6D-ADB4-364E7862CAF3}" type="datetimeFigureOut">
               <a:rPr lang="en-AU" smtClean="0"/>
-              <a:t>9/05/2024</a:t>
+              <a:t>10/05/2024</a:t>
             </a:fld>
             <a:endParaRPr lang="en-AU"/>
           </a:p>
@@ -11301,7 +13133,7 @@
           <a:p>
             <a:fld id="{C1167E98-6E44-4B6D-ADB4-364E7862CAF3}" type="datetimeFigureOut">
               <a:rPr lang="en-AU" smtClean="0"/>
-              <a:t>9/05/2024</a:t>
+              <a:t>10/05/2024</a:t>
             </a:fld>
             <a:endParaRPr lang="en-AU"/>
           </a:p>
@@ -11414,7 +13246,7 @@
           <a:p>
             <a:fld id="{C1167E98-6E44-4B6D-ADB4-364E7862CAF3}" type="datetimeFigureOut">
               <a:rPr lang="en-AU" smtClean="0"/>
-              <a:t>9/05/2024</a:t>
+              <a:t>10/05/2024</a:t>
             </a:fld>
             <a:endParaRPr lang="en-AU"/>
           </a:p>
@@ -11727,7 +13559,7 @@
           <a:p>
             <a:fld id="{C1167E98-6E44-4B6D-ADB4-364E7862CAF3}" type="datetimeFigureOut">
               <a:rPr lang="en-AU" smtClean="0"/>
-              <a:t>9/05/2024</a:t>
+              <a:t>10/05/2024</a:t>
             </a:fld>
             <a:endParaRPr lang="en-AU"/>
           </a:p>
@@ -12016,7 +13848,7 @@
           <a:p>
             <a:fld id="{C1167E98-6E44-4B6D-ADB4-364E7862CAF3}" type="datetimeFigureOut">
               <a:rPr lang="en-AU" smtClean="0"/>
-              <a:t>9/05/2024</a:t>
+              <a:t>10/05/2024</a:t>
             </a:fld>
             <a:endParaRPr lang="en-AU"/>
           </a:p>
@@ -12259,7 +14091,7 @@
           <a:p>
             <a:fld id="{C1167E98-6E44-4B6D-ADB4-364E7862CAF3}" type="datetimeFigureOut">
               <a:rPr lang="en-AU" smtClean="0"/>
-              <a:t>9/05/2024</a:t>
+              <a:t>10/05/2024</a:t>
             </a:fld>
             <a:endParaRPr lang="en-AU"/>
           </a:p>
@@ -13819,6 +15651,382 @@
       </p:grpSpPr>
       <p:sp useBgFill="1">
         <p:nvSpPr>
+          <p:cNvPr id="93" name="Rectangle 92">
+            <a:extLst>
+              <a:ext uri="{FF2B5EF4-FFF2-40B4-BE49-F238E27FC236}">
+                <a16:creationId xmlns:a16="http://schemas.microsoft.com/office/drawing/2014/main" id="{BA79A7CF-01AF-4178-9369-94E0C90EB046}"/>
+              </a:ext>
+              <a:ext uri="{C183D7F6-B498-43B3-948B-1728B52AA6E4}">
+                <adec:decorative xmlns:adec="http://schemas.microsoft.com/office/drawing/2017/decorative" val="1"/>
+              </a:ext>
+            </a:extLst>
+          </p:cNvPr>
+          <p:cNvSpPr>
+            <a:spLocks noGrp="1" noRot="1" noChangeAspect="1" noMove="1" noResize="1" noEditPoints="1" noAdjustHandles="1" noChangeArrowheads="1" noChangeShapeType="1" noTextEdit="1"/>
+          </p:cNvSpPr>
+          <p:nvPr>
+            <p:extLst>
+              <p:ext uri="{386F3935-93C4-4BCD-93E2-E3B085C9AB24}">
+                <p16:designElem xmlns:p16="http://schemas.microsoft.com/office/powerpoint/2015/main" val="1"/>
+              </p:ext>
+            </p:extLst>
+          </p:nvPr>
+        </p:nvSpPr>
+        <p:spPr>
+          <a:xfrm>
+            <a:off x="0" y="0"/>
+            <a:ext cx="12191999" cy="6857365"/>
+          </a:xfrm>
+          <a:prstGeom prst="rect">
+            <a:avLst/>
+          </a:prstGeom>
+          <a:ln>
+            <a:noFill/>
+          </a:ln>
+        </p:spPr>
+        <p:style>
+          <a:lnRef idx="2">
+            <a:schemeClr val="accent1">
+              <a:shade val="50000"/>
+            </a:schemeClr>
+          </a:lnRef>
+          <a:fillRef idx="1">
+            <a:schemeClr val="accent1"/>
+          </a:fillRef>
+          <a:effectRef idx="0">
+            <a:schemeClr val="accent1"/>
+          </a:effectRef>
+          <a:fontRef idx="minor">
+            <a:schemeClr val="lt1"/>
+          </a:fontRef>
+        </p:style>
+        <p:txBody>
+          <a:bodyPr rtlCol="0" anchor="ctr"/>
+          <a:lstStyle/>
+          <a:p>
+            <a:pPr algn="ctr"/>
+            <a:endParaRPr lang="en-US"/>
+          </a:p>
+        </p:txBody>
+      </p:sp>
+      <p:sp>
+        <p:nvSpPr>
+          <p:cNvPr id="2" name="Title 1">
+            <a:extLst>
+              <a:ext uri="{FF2B5EF4-FFF2-40B4-BE49-F238E27FC236}">
+                <a16:creationId xmlns:a16="http://schemas.microsoft.com/office/drawing/2014/main" id="{92EA2C79-7F6D-ECC9-95C5-D7E278D89B2F}"/>
+              </a:ext>
+            </a:extLst>
+          </p:cNvPr>
+          <p:cNvSpPr>
+            <a:spLocks noGrp="1"/>
+          </p:cNvSpPr>
+          <p:nvPr>
+            <p:ph type="title"/>
+          </p:nvPr>
+        </p:nvSpPr>
+        <p:spPr>
+          <a:xfrm>
+            <a:off x="9267909" y="2023110"/>
+            <a:ext cx="2469624" cy="2846070"/>
+          </a:xfrm>
+        </p:spPr>
+        <p:txBody>
+          <a:bodyPr vert="horz" lIns="91440" tIns="45720" rIns="91440" bIns="45720" rtlCol="0" anchor="ctr">
+            <a:normAutofit/>
+          </a:bodyPr>
+          <a:lstStyle/>
+          <a:p>
+            <a:r>
+              <a:rPr lang="en-US" sz="1800" b="1" kern="1200" dirty="0">
+                <a:solidFill>
+                  <a:schemeClr val="tx1"/>
+                </a:solidFill>
+                <a:latin typeface="+mj-lt"/>
+                <a:ea typeface="+mj-ea"/>
+                <a:cs typeface="+mj-cs"/>
+              </a:rPr>
+              <a:t>Uncovered findings:  </a:t>
+            </a:r>
+            <a:r>
+              <a:rPr lang="en-US" sz="1800" kern="1200" dirty="0">
+                <a:solidFill>
+                  <a:schemeClr val="tx1"/>
+                </a:solidFill>
+                <a:latin typeface="+mj-lt"/>
+                <a:ea typeface="+mj-ea"/>
+                <a:cs typeface="+mj-cs"/>
+              </a:rPr>
+              <a:t>Revealed that I could visualize how a student performs and compare their performance to how all other students that share the same class performed {MongoDB}</a:t>
+            </a:r>
+          </a:p>
+        </p:txBody>
+      </p:sp>
+      <p:sp>
+        <p:nvSpPr>
+          <p:cNvPr id="95" name="Rectangle 94">
+            <a:extLst>
+              <a:ext uri="{FF2B5EF4-FFF2-40B4-BE49-F238E27FC236}">
+                <a16:creationId xmlns:a16="http://schemas.microsoft.com/office/drawing/2014/main" id="{99413ED5-9ED4-4772-BCE4-2BCAE6B12E35}"/>
+              </a:ext>
+              <a:ext uri="{C183D7F6-B498-43B3-948B-1728B52AA6E4}">
+                <adec:decorative xmlns:adec="http://schemas.microsoft.com/office/drawing/2017/decorative" val="1"/>
+              </a:ext>
+            </a:extLst>
+          </p:cNvPr>
+          <p:cNvSpPr>
+            <a:spLocks noGrp="1" noRot="1" noChangeAspect="1" noMove="1" noResize="1" noEditPoints="1" noAdjustHandles="1" noChangeArrowheads="1" noChangeShapeType="1" noTextEdit="1"/>
+          </p:cNvSpPr>
+          <p:nvPr>
+            <p:extLst>
+              <p:ext uri="{386F3935-93C4-4BCD-93E2-E3B085C9AB24}">
+                <p16:designElem xmlns:p16="http://schemas.microsoft.com/office/powerpoint/2015/main" val="1"/>
+              </p:ext>
+            </p:extLst>
+          </p:nvPr>
+        </p:nvSpPr>
+        <p:spPr>
+          <a:xfrm rot="16200000">
+            <a:off x="3433973" y="-827233"/>
+            <a:ext cx="1715478" cy="8583421"/>
+          </a:xfrm>
+          <a:prstGeom prst="rect">
+            <a:avLst/>
+          </a:prstGeom>
+          <a:solidFill>
+            <a:schemeClr val="accent4"/>
+          </a:solidFill>
+          <a:ln>
+            <a:noFill/>
+          </a:ln>
+        </p:spPr>
+        <p:style>
+          <a:lnRef idx="2">
+            <a:schemeClr val="accent1">
+              <a:shade val="50000"/>
+            </a:schemeClr>
+          </a:lnRef>
+          <a:fillRef idx="1">
+            <a:schemeClr val="accent1"/>
+          </a:fillRef>
+          <a:effectRef idx="0">
+            <a:schemeClr val="accent1"/>
+          </a:effectRef>
+          <a:fontRef idx="minor">
+            <a:schemeClr val="lt1"/>
+          </a:fontRef>
+        </p:style>
+        <p:txBody>
+          <a:bodyPr rtlCol="0" anchor="ctr"/>
+          <a:lstStyle/>
+          <a:p>
+            <a:pPr algn="ctr"/>
+            <a:endParaRPr lang="en-US" dirty="0"/>
+          </a:p>
+        </p:txBody>
+      </p:sp>
+      <p:sp>
+        <p:nvSpPr>
+          <p:cNvPr id="97" name="Rectangle 96">
+            <a:extLst>
+              <a:ext uri="{FF2B5EF4-FFF2-40B4-BE49-F238E27FC236}">
+                <a16:creationId xmlns:a16="http://schemas.microsoft.com/office/drawing/2014/main" id="{04357C93-F0CB-4A1C-8F77-4E9063789819}"/>
+              </a:ext>
+              <a:ext uri="{C183D7F6-B498-43B3-948B-1728B52AA6E4}">
+                <adec:decorative xmlns:adec="http://schemas.microsoft.com/office/drawing/2017/decorative" val="1"/>
+              </a:ext>
+            </a:extLst>
+          </p:cNvPr>
+          <p:cNvSpPr>
+            <a:spLocks noGrp="1" noRot="1" noChangeAspect="1" noMove="1" noResize="1" noEditPoints="1" noAdjustHandles="1" noChangeArrowheads="1" noChangeShapeType="1" noTextEdit="1"/>
+          </p:cNvSpPr>
+          <p:nvPr>
+            <p:extLst>
+              <p:ext uri="{386F3935-93C4-4BCD-93E2-E3B085C9AB24}">
+                <p16:designElem xmlns:p16="http://schemas.microsoft.com/office/powerpoint/2015/main" val="1"/>
+              </p:ext>
+            </p:extLst>
+          </p:nvPr>
+        </p:nvSpPr>
+        <p:spPr>
+          <a:xfrm>
+            <a:off x="302085" y="664308"/>
+            <a:ext cx="8082632" cy="5600340"/>
+          </a:xfrm>
+          <a:prstGeom prst="rect">
+            <a:avLst/>
+          </a:prstGeom>
+          <a:solidFill>
+            <a:schemeClr val="bg1"/>
+          </a:solidFill>
+          <a:ln>
+            <a:noFill/>
+          </a:ln>
+          <a:effectLst>
+            <a:outerShdw blurRad="139700" dist="127000" dir="5400000" algn="t" rotWithShape="0">
+              <a:prstClr val="black">
+                <a:alpha val="15000"/>
+              </a:prstClr>
+            </a:outerShdw>
+          </a:effectLst>
+        </p:spPr>
+        <p:style>
+          <a:lnRef idx="2">
+            <a:schemeClr val="accent1">
+              <a:shade val="50000"/>
+            </a:schemeClr>
+          </a:lnRef>
+          <a:fillRef idx="1">
+            <a:schemeClr val="accent1"/>
+          </a:fillRef>
+          <a:effectRef idx="0">
+            <a:schemeClr val="accent1"/>
+          </a:effectRef>
+          <a:fontRef idx="minor">
+            <a:schemeClr val="lt1"/>
+          </a:fontRef>
+        </p:style>
+        <p:txBody>
+          <a:bodyPr rtlCol="0" anchor="ctr"/>
+          <a:lstStyle/>
+          <a:p>
+            <a:pPr algn="ctr"/>
+            <a:endParaRPr lang="en-US"/>
+          </a:p>
+        </p:txBody>
+      </p:sp>
+      <p:pic>
+        <p:nvPicPr>
+          <p:cNvPr id="5" name="Picture">
+            <a:extLst>
+              <a:ext uri="{FF2B5EF4-FFF2-40B4-BE49-F238E27FC236}">
+                <a16:creationId xmlns:a16="http://schemas.microsoft.com/office/drawing/2014/main" id="{DFE926A4-A92A-4ABC-3819-F1AE069A4A67}"/>
+              </a:ext>
+            </a:extLst>
+          </p:cNvPr>
+          <p:cNvPicPr/>
+          <p:nvPr/>
+        </p:nvPicPr>
+        <p:blipFill>
+          <a:blip r:embed="rId2"/>
+          <a:stretch>
+            <a:fillRect/>
+          </a:stretch>
+        </p:blipFill>
+        <p:spPr bwMode="auto">
+          <a:xfrm>
+            <a:off x="545238" y="1942817"/>
+            <a:ext cx="7608304" cy="3043322"/>
+          </a:xfrm>
+          <a:prstGeom prst="rect">
+            <a:avLst/>
+          </a:prstGeom>
+          <a:noFill/>
+        </p:spPr>
+      </p:pic>
+      <p:sp>
+        <p:nvSpPr>
+          <p:cNvPr id="99" name="Rectangle 98">
+            <a:extLst>
+              <a:ext uri="{FF2B5EF4-FFF2-40B4-BE49-F238E27FC236}">
+                <a16:creationId xmlns:a16="http://schemas.microsoft.com/office/drawing/2014/main" id="{90F533E9-6690-41A8-A372-4C6C622D028D}"/>
+              </a:ext>
+              <a:ext uri="{C183D7F6-B498-43B3-948B-1728B52AA6E4}">
+                <adec:decorative xmlns:adec="http://schemas.microsoft.com/office/drawing/2017/decorative" val="1"/>
+              </a:ext>
+            </a:extLst>
+          </p:cNvPr>
+          <p:cNvSpPr>
+            <a:spLocks noGrp="1" noRot="1" noChangeAspect="1" noMove="1" noResize="1" noEditPoints="1" noAdjustHandles="1" noChangeArrowheads="1" noChangeShapeType="1" noTextEdit="1"/>
+          </p:cNvSpPr>
+          <p:nvPr>
+            <p:extLst>
+              <p:ext uri="{386F3935-93C4-4BCD-93E2-E3B085C9AB24}">
+                <p16:designElem xmlns:p16="http://schemas.microsoft.com/office/powerpoint/2015/main" val="1"/>
+              </p:ext>
+            </p:extLst>
+          </p:nvPr>
+        </p:nvSpPr>
+        <p:spPr>
+          <a:xfrm rot="5400000">
+            <a:off x="7950447" y="3392097"/>
+            <a:ext cx="1719072" cy="152382"/>
+          </a:xfrm>
+          <a:prstGeom prst="rect">
+            <a:avLst/>
+          </a:prstGeom>
+          <a:solidFill>
+            <a:schemeClr val="accent4"/>
+          </a:solidFill>
+          <a:ln>
+            <a:noFill/>
+          </a:ln>
+        </p:spPr>
+        <p:style>
+          <a:lnRef idx="2">
+            <a:schemeClr val="accent1">
+              <a:shade val="50000"/>
+            </a:schemeClr>
+          </a:lnRef>
+          <a:fillRef idx="1">
+            <a:schemeClr val="accent1"/>
+          </a:fillRef>
+          <a:effectRef idx="0">
+            <a:schemeClr val="accent1"/>
+          </a:effectRef>
+          <a:fontRef idx="minor">
+            <a:schemeClr val="lt1"/>
+          </a:fontRef>
+        </p:style>
+        <p:txBody>
+          <a:bodyPr rtlCol="0" anchor="ctr"/>
+          <a:lstStyle/>
+          <a:p>
+            <a:pPr algn="ctr"/>
+            <a:endParaRPr lang="en-US"/>
+          </a:p>
+        </p:txBody>
+      </p:sp>
+    </p:spTree>
+    <p:extLst>
+      <p:ext uri="{BB962C8B-B14F-4D97-AF65-F5344CB8AC3E}">
+        <p14:creationId xmlns:p14="http://schemas.microsoft.com/office/powerpoint/2010/main" val="177498948"/>
+      </p:ext>
+    </p:extLst>
+  </p:cSld>
+  <p:clrMapOvr>
+    <a:masterClrMapping/>
+  </p:clrMapOvr>
+</p:sld>
+</file>
+
+<file path=ppt/slides/slide13.xml><?xml version="1.0" encoding="utf-8"?>
+<p:sld xmlns:a="http://schemas.openxmlformats.org/drawingml/2006/main" xmlns:r="http://schemas.openxmlformats.org/officeDocument/2006/relationships" xmlns:p="http://schemas.openxmlformats.org/presentationml/2006/main">
+  <p:cSld>
+    <p:bg>
+      <p:bgPr>
+        <a:solidFill>
+          <a:schemeClr val="bg1"/>
+        </a:solidFill>
+        <a:effectLst/>
+      </p:bgPr>
+    </p:bg>
+    <p:spTree>
+      <p:nvGrpSpPr>
+        <p:cNvPr id="1" name=""/>
+        <p:cNvGrpSpPr/>
+        <p:nvPr/>
+      </p:nvGrpSpPr>
+      <p:grpSpPr>
+        <a:xfrm>
+          <a:off x="0" y="0"/>
+          <a:ext cx="0" cy="0"/>
+          <a:chOff x="0" y="0"/>
+          <a:chExt cx="0" cy="0"/>
+        </a:xfrm>
+      </p:grpSpPr>
+      <p:sp useBgFill="1">
+        <p:nvSpPr>
           <p:cNvPr id="71" name="Rectangle 70">
             <a:extLst>
               <a:ext uri="{FF2B5EF4-FFF2-40B4-BE49-F238E27FC236}">
@@ -14172,7 +16380,7 @@
 </p:sld>
 </file>
 
-<file path=ppt/slides/slide13.xml><?xml version="1.0" encoding="utf-8"?>
+<file path=ppt/slides/slide14.xml><?xml version="1.0" encoding="utf-8"?>
 <p:sld xmlns:a="http://schemas.openxmlformats.org/drawingml/2006/main" xmlns:r="http://schemas.openxmlformats.org/officeDocument/2006/relationships" xmlns:p="http://schemas.openxmlformats.org/presentationml/2006/main">
   <p:cSld>
     <p:bg>
@@ -14548,7 +16756,7 @@
 </p:sld>
 </file>
 
-<file path=ppt/slides/slide14.xml><?xml version="1.0" encoding="utf-8"?>
+<file path=ppt/slides/slide15.xml><?xml version="1.0" encoding="utf-8"?>
 <p:sld xmlns:a="http://schemas.openxmlformats.org/drawingml/2006/main" xmlns:r="http://schemas.openxmlformats.org/officeDocument/2006/relationships" xmlns:p="http://schemas.openxmlformats.org/presentationml/2006/main">
   <p:cSld>
     <p:bg>
@@ -14946,7 +17154,7 @@
 </p:sld>
 </file>
 
-<file path=ppt/slides/slide15.xml><?xml version="1.0" encoding="utf-8"?>
+<file path=ppt/slides/slide16.xml><?xml version="1.0" encoding="utf-8"?>
 <p:sld xmlns:a="http://schemas.openxmlformats.org/drawingml/2006/main" xmlns:r="http://schemas.openxmlformats.org/officeDocument/2006/relationships" xmlns:p="http://schemas.openxmlformats.org/presentationml/2006/main">
   <p:cSld>
     <p:bg>
@@ -15344,7 +17552,7 @@
 </p:sld>
 </file>
 
-<file path=ppt/slides/slide16.xml><?xml version="1.0" encoding="utf-8"?>
+<file path=ppt/slides/slide17.xml><?xml version="1.0" encoding="utf-8"?>
 <p:sld xmlns:a="http://schemas.openxmlformats.org/drawingml/2006/main" xmlns:r="http://schemas.openxmlformats.org/officeDocument/2006/relationships" xmlns:p="http://schemas.openxmlformats.org/presentationml/2006/main">
   <p:cSld>
     <p:bg>
@@ -15742,7 +17950,7 @@
 </p:sld>
 </file>
 
-<file path=ppt/slides/slide17.xml><?xml version="1.0" encoding="utf-8"?>
+<file path=ppt/slides/slide18.xml><?xml version="1.0" encoding="utf-8"?>
 <p:sld xmlns:a="http://schemas.openxmlformats.org/drawingml/2006/main" xmlns:r="http://schemas.openxmlformats.org/officeDocument/2006/relationships" xmlns:p="http://schemas.openxmlformats.org/presentationml/2006/main">
   <p:cSld>
     <p:bg>
@@ -16140,7 +18348,7 @@
 </p:sld>
 </file>
 
-<file path=ppt/slides/slide18.xml><?xml version="1.0" encoding="utf-8"?>
+<file path=ppt/slides/slide19.xml><?xml version="1.0" encoding="utf-8"?>
 <p:sld xmlns:a="http://schemas.openxmlformats.org/drawingml/2006/main" xmlns:r="http://schemas.openxmlformats.org/officeDocument/2006/relationships" xmlns:p="http://schemas.openxmlformats.org/presentationml/2006/main">
   <p:cSld>
     <p:bg>
@@ -16507,412 +18715,6 @@
     <p:extLst>
       <p:ext uri="{BB962C8B-B14F-4D97-AF65-F5344CB8AC3E}">
         <p14:creationId xmlns:p14="http://schemas.microsoft.com/office/powerpoint/2010/main" val="2851844493"/>
-      </p:ext>
-    </p:extLst>
-  </p:cSld>
-  <p:clrMapOvr>
-    <a:masterClrMapping/>
-  </p:clrMapOvr>
-</p:sld>
-</file>
-
-<file path=ppt/slides/slide19.xml><?xml version="1.0" encoding="utf-8"?>
-<p:sld xmlns:a="http://schemas.openxmlformats.org/drawingml/2006/main" xmlns:r="http://schemas.openxmlformats.org/officeDocument/2006/relationships" xmlns:p="http://schemas.openxmlformats.org/presentationml/2006/main">
-  <p:cSld>
-    <p:bg>
-      <p:bgPr>
-        <a:solidFill>
-          <a:schemeClr val="bg1"/>
-        </a:solidFill>
-        <a:effectLst/>
-      </p:bgPr>
-    </p:bg>
-    <p:spTree>
-      <p:nvGrpSpPr>
-        <p:cNvPr id="1" name=""/>
-        <p:cNvGrpSpPr/>
-        <p:nvPr/>
-      </p:nvGrpSpPr>
-      <p:grpSpPr>
-        <a:xfrm>
-          <a:off x="0" y="0"/>
-          <a:ext cx="0" cy="0"/>
-          <a:chOff x="0" y="0"/>
-          <a:chExt cx="0" cy="0"/>
-        </a:xfrm>
-      </p:grpSpPr>
-      <p:sp useBgFill="1">
-        <p:nvSpPr>
-          <p:cNvPr id="59" name="Rectangle 58">
-            <a:extLst>
-              <a:ext uri="{FF2B5EF4-FFF2-40B4-BE49-F238E27FC236}">
-                <a16:creationId xmlns:a16="http://schemas.microsoft.com/office/drawing/2014/main" id="{BA79A7CF-01AF-4178-9369-94E0C90EB046}"/>
-              </a:ext>
-              <a:ext uri="{C183D7F6-B498-43B3-948B-1728B52AA6E4}">
-                <adec:decorative xmlns:adec="http://schemas.microsoft.com/office/drawing/2017/decorative" val="1"/>
-              </a:ext>
-            </a:extLst>
-          </p:cNvPr>
-          <p:cNvSpPr>
-            <a:spLocks noGrp="1" noRot="1" noChangeAspect="1" noMove="1" noResize="1" noEditPoints="1" noAdjustHandles="1" noChangeArrowheads="1" noChangeShapeType="1" noTextEdit="1"/>
-          </p:cNvSpPr>
-          <p:nvPr>
-            <p:extLst>
-              <p:ext uri="{386F3935-93C4-4BCD-93E2-E3B085C9AB24}">
-                <p16:designElem xmlns:p16="http://schemas.microsoft.com/office/powerpoint/2015/main" val="1"/>
-              </p:ext>
-            </p:extLst>
-          </p:nvPr>
-        </p:nvSpPr>
-        <p:spPr>
-          <a:xfrm>
-            <a:off x="0" y="0"/>
-            <a:ext cx="12191999" cy="6857365"/>
-          </a:xfrm>
-          <a:prstGeom prst="rect">
-            <a:avLst/>
-          </a:prstGeom>
-          <a:ln>
-            <a:noFill/>
-          </a:ln>
-        </p:spPr>
-        <p:style>
-          <a:lnRef idx="2">
-            <a:schemeClr val="accent1">
-              <a:shade val="50000"/>
-            </a:schemeClr>
-          </a:lnRef>
-          <a:fillRef idx="1">
-            <a:schemeClr val="accent1"/>
-          </a:fillRef>
-          <a:effectRef idx="0">
-            <a:schemeClr val="accent1"/>
-          </a:effectRef>
-          <a:fontRef idx="minor">
-            <a:schemeClr val="lt1"/>
-          </a:fontRef>
-        </p:style>
-        <p:txBody>
-          <a:bodyPr rtlCol="0" anchor="ctr"/>
-          <a:lstStyle/>
-          <a:p>
-            <a:pPr algn="ctr"/>
-            <a:endParaRPr lang="en-US"/>
-          </a:p>
-        </p:txBody>
-      </p:sp>
-      <p:sp>
-        <p:nvSpPr>
-          <p:cNvPr id="2" name="Title 1">
-            <a:extLst>
-              <a:ext uri="{FF2B5EF4-FFF2-40B4-BE49-F238E27FC236}">
-                <a16:creationId xmlns:a16="http://schemas.microsoft.com/office/drawing/2014/main" id="{92EA2C79-7F6D-ECC9-95C5-D7E278D89B2F}"/>
-              </a:ext>
-            </a:extLst>
-          </p:cNvPr>
-          <p:cNvSpPr>
-            <a:spLocks noGrp="1"/>
-          </p:cNvSpPr>
-          <p:nvPr>
-            <p:ph type="title"/>
-          </p:nvPr>
-        </p:nvSpPr>
-        <p:spPr>
-          <a:xfrm>
-            <a:off x="9267909" y="2023110"/>
-            <a:ext cx="2469624" cy="2846070"/>
-          </a:xfrm>
-        </p:spPr>
-        <p:txBody>
-          <a:bodyPr vert="horz" lIns="91440" tIns="45720" rIns="91440" bIns="45720" rtlCol="0" anchor="ctr">
-            <a:normAutofit/>
-          </a:bodyPr>
-          <a:lstStyle/>
-          <a:p>
-            <a:r>
-              <a:rPr lang="en-US" sz="2900" b="1" kern="1200">
-                <a:solidFill>
-                  <a:schemeClr val="tx1"/>
-                </a:solidFill>
-                <a:latin typeface="+mj-lt"/>
-                <a:ea typeface="+mj-ea"/>
-                <a:cs typeface="+mj-cs"/>
-              </a:rPr>
-              <a:t>Uncovered findings:  </a:t>
-            </a:r>
-            <a:r>
-              <a:rPr lang="en-US" sz="2900" kern="1200">
-                <a:solidFill>
-                  <a:schemeClr val="tx1"/>
-                </a:solidFill>
-                <a:latin typeface="+mj-lt"/>
-                <a:ea typeface="+mj-ea"/>
-                <a:cs typeface="+mj-cs"/>
-              </a:rPr>
-              <a:t>Both genders score about as good as each other {Oulad}</a:t>
-            </a:r>
-          </a:p>
-        </p:txBody>
-      </p:sp>
-      <p:sp>
-        <p:nvSpPr>
-          <p:cNvPr id="61" name="Rectangle 60">
-            <a:extLst>
-              <a:ext uri="{FF2B5EF4-FFF2-40B4-BE49-F238E27FC236}">
-                <a16:creationId xmlns:a16="http://schemas.microsoft.com/office/drawing/2014/main" id="{99413ED5-9ED4-4772-BCE4-2BCAE6B12E35}"/>
-              </a:ext>
-              <a:ext uri="{C183D7F6-B498-43B3-948B-1728B52AA6E4}">
-                <adec:decorative xmlns:adec="http://schemas.microsoft.com/office/drawing/2017/decorative" val="1"/>
-              </a:ext>
-            </a:extLst>
-          </p:cNvPr>
-          <p:cNvSpPr>
-            <a:spLocks noGrp="1" noRot="1" noChangeAspect="1" noMove="1" noResize="1" noEditPoints="1" noAdjustHandles="1" noChangeArrowheads="1" noChangeShapeType="1" noTextEdit="1"/>
-          </p:cNvSpPr>
-          <p:nvPr>
-            <p:extLst>
-              <p:ext uri="{386F3935-93C4-4BCD-93E2-E3B085C9AB24}">
-                <p16:designElem xmlns:p16="http://schemas.microsoft.com/office/powerpoint/2015/main" val="1"/>
-              </p:ext>
-            </p:extLst>
-          </p:nvPr>
-        </p:nvSpPr>
-        <p:spPr>
-          <a:xfrm rot="16200000">
-            <a:off x="3433973" y="-827233"/>
-            <a:ext cx="1715478" cy="8583421"/>
-          </a:xfrm>
-          <a:prstGeom prst="rect">
-            <a:avLst/>
-          </a:prstGeom>
-          <a:solidFill>
-            <a:schemeClr val="accent4"/>
-          </a:solidFill>
-          <a:ln>
-            <a:noFill/>
-          </a:ln>
-        </p:spPr>
-        <p:style>
-          <a:lnRef idx="2">
-            <a:schemeClr val="accent1">
-              <a:shade val="50000"/>
-            </a:schemeClr>
-          </a:lnRef>
-          <a:fillRef idx="1">
-            <a:schemeClr val="accent1"/>
-          </a:fillRef>
-          <a:effectRef idx="0">
-            <a:schemeClr val="accent1"/>
-          </a:effectRef>
-          <a:fontRef idx="minor">
-            <a:schemeClr val="lt1"/>
-          </a:fontRef>
-        </p:style>
-        <p:txBody>
-          <a:bodyPr rtlCol="0" anchor="ctr"/>
-          <a:lstStyle/>
-          <a:p>
-            <a:pPr algn="ctr"/>
-            <a:endParaRPr lang="en-US" dirty="0"/>
-          </a:p>
-        </p:txBody>
-      </p:sp>
-      <p:sp>
-        <p:nvSpPr>
-          <p:cNvPr id="63" name="Rectangle 62">
-            <a:extLst>
-              <a:ext uri="{FF2B5EF4-FFF2-40B4-BE49-F238E27FC236}">
-                <a16:creationId xmlns:a16="http://schemas.microsoft.com/office/drawing/2014/main" id="{04357C93-F0CB-4A1C-8F77-4E9063789819}"/>
-              </a:ext>
-              <a:ext uri="{C183D7F6-B498-43B3-948B-1728B52AA6E4}">
-                <adec:decorative xmlns:adec="http://schemas.microsoft.com/office/drawing/2017/decorative" val="1"/>
-              </a:ext>
-            </a:extLst>
-          </p:cNvPr>
-          <p:cNvSpPr>
-            <a:spLocks noGrp="1" noRot="1" noChangeAspect="1" noMove="1" noResize="1" noEditPoints="1" noAdjustHandles="1" noChangeArrowheads="1" noChangeShapeType="1" noTextEdit="1"/>
-          </p:cNvSpPr>
-          <p:nvPr>
-            <p:extLst>
-              <p:ext uri="{386F3935-93C4-4BCD-93E2-E3B085C9AB24}">
-                <p16:designElem xmlns:p16="http://schemas.microsoft.com/office/powerpoint/2015/main" val="1"/>
-              </p:ext>
-            </p:extLst>
-          </p:nvPr>
-        </p:nvSpPr>
-        <p:spPr>
-          <a:xfrm>
-            <a:off x="302085" y="664308"/>
-            <a:ext cx="8082632" cy="5600340"/>
-          </a:xfrm>
-          <a:prstGeom prst="rect">
-            <a:avLst/>
-          </a:prstGeom>
-          <a:solidFill>
-            <a:schemeClr val="bg1"/>
-          </a:solidFill>
-          <a:ln>
-            <a:noFill/>
-          </a:ln>
-          <a:effectLst>
-            <a:outerShdw blurRad="139700" dist="127000" dir="5400000" algn="t" rotWithShape="0">
-              <a:prstClr val="black">
-                <a:alpha val="15000"/>
-              </a:prstClr>
-            </a:outerShdw>
-          </a:effectLst>
-        </p:spPr>
-        <p:style>
-          <a:lnRef idx="2">
-            <a:schemeClr val="accent1">
-              <a:shade val="50000"/>
-            </a:schemeClr>
-          </a:lnRef>
-          <a:fillRef idx="1">
-            <a:schemeClr val="accent1"/>
-          </a:fillRef>
-          <a:effectRef idx="0">
-            <a:schemeClr val="accent1"/>
-          </a:effectRef>
-          <a:fontRef idx="minor">
-            <a:schemeClr val="lt1"/>
-          </a:fontRef>
-        </p:style>
-        <p:txBody>
-          <a:bodyPr rtlCol="0" anchor="ctr"/>
-          <a:lstStyle/>
-          <a:p>
-            <a:pPr algn="ctr"/>
-            <a:endParaRPr lang="en-US"/>
-          </a:p>
-        </p:txBody>
-      </p:sp>
-      <p:pic>
-        <p:nvPicPr>
-          <p:cNvPr id="3" name="Picture" descr="A graph of a person with blue lines&#10;&#10;Description automatically generated">
-            <a:extLst>
-              <a:ext uri="{FF2B5EF4-FFF2-40B4-BE49-F238E27FC236}">
-                <a16:creationId xmlns:a16="http://schemas.microsoft.com/office/drawing/2014/main" id="{2AFABE83-1AB3-B3C6-1316-4B9806396DAA}"/>
-              </a:ext>
-            </a:extLst>
-          </p:cNvPr>
-          <p:cNvPicPr/>
-          <p:nvPr/>
-        </p:nvPicPr>
-        <p:blipFill>
-          <a:blip r:embed="rId2"/>
-          <a:stretch>
-            <a:fillRect/>
-          </a:stretch>
-        </p:blipFill>
-        <p:spPr bwMode="auto">
-          <a:xfrm>
-            <a:off x="1091949" y="858525"/>
-            <a:ext cx="6514881" cy="5211906"/>
-          </a:xfrm>
-          <a:prstGeom prst="rect">
-            <a:avLst/>
-          </a:prstGeom>
-          <a:noFill/>
-        </p:spPr>
-      </p:pic>
-      <p:sp>
-        <p:nvSpPr>
-          <p:cNvPr id="65" name="Rectangle 64">
-            <a:extLst>
-              <a:ext uri="{FF2B5EF4-FFF2-40B4-BE49-F238E27FC236}">
-                <a16:creationId xmlns:a16="http://schemas.microsoft.com/office/drawing/2014/main" id="{90F533E9-6690-41A8-A372-4C6C622D028D}"/>
-              </a:ext>
-              <a:ext uri="{C183D7F6-B498-43B3-948B-1728B52AA6E4}">
-                <adec:decorative xmlns:adec="http://schemas.microsoft.com/office/drawing/2017/decorative" val="1"/>
-              </a:ext>
-            </a:extLst>
-          </p:cNvPr>
-          <p:cNvSpPr>
-            <a:spLocks noGrp="1" noRot="1" noChangeAspect="1" noMove="1" noResize="1" noEditPoints="1" noAdjustHandles="1" noChangeArrowheads="1" noChangeShapeType="1" noTextEdit="1"/>
-          </p:cNvSpPr>
-          <p:nvPr>
-            <p:extLst>
-              <p:ext uri="{386F3935-93C4-4BCD-93E2-E3B085C9AB24}">
-                <p16:designElem xmlns:p16="http://schemas.microsoft.com/office/powerpoint/2015/main" val="1"/>
-              </p:ext>
-            </p:extLst>
-          </p:nvPr>
-        </p:nvSpPr>
-        <p:spPr>
-          <a:xfrm rot="5400000">
-            <a:off x="7950447" y="3392097"/>
-            <a:ext cx="1719072" cy="152382"/>
-          </a:xfrm>
-          <a:prstGeom prst="rect">
-            <a:avLst/>
-          </a:prstGeom>
-          <a:solidFill>
-            <a:schemeClr val="accent4"/>
-          </a:solidFill>
-          <a:ln>
-            <a:noFill/>
-          </a:ln>
-        </p:spPr>
-        <p:style>
-          <a:lnRef idx="2">
-            <a:schemeClr val="accent1">
-              <a:shade val="50000"/>
-            </a:schemeClr>
-          </a:lnRef>
-          <a:fillRef idx="1">
-            <a:schemeClr val="accent1"/>
-          </a:fillRef>
-          <a:effectRef idx="0">
-            <a:schemeClr val="accent1"/>
-          </a:effectRef>
-          <a:fontRef idx="minor">
-            <a:schemeClr val="lt1"/>
-          </a:fontRef>
-        </p:style>
-        <p:txBody>
-          <a:bodyPr rtlCol="0" anchor="ctr"/>
-          <a:lstStyle/>
-          <a:p>
-            <a:pPr algn="ctr"/>
-            <a:endParaRPr lang="en-US"/>
-          </a:p>
-        </p:txBody>
-      </p:sp>
-      <p:pic>
-        <p:nvPicPr>
-          <p:cNvPr id="5" name="Picture 4" descr="A screenshot of a computer&#10;&#10;Description automatically generated">
-            <a:extLst>
-              <a:ext uri="{FF2B5EF4-FFF2-40B4-BE49-F238E27FC236}">
-                <a16:creationId xmlns:a16="http://schemas.microsoft.com/office/drawing/2014/main" id="{46B06B17-CA27-8264-5540-72FAFA650F48}"/>
-              </a:ext>
-            </a:extLst>
-          </p:cNvPr>
-          <p:cNvPicPr>
-            <a:picLocks noChangeAspect="1"/>
-          </p:cNvPicPr>
-          <p:nvPr/>
-        </p:nvPicPr>
-        <p:blipFill>
-          <a:blip r:embed="rId3"/>
-          <a:stretch>
-            <a:fillRect/>
-          </a:stretch>
-        </p:blipFill>
-        <p:spPr>
-          <a:xfrm>
-            <a:off x="7393813" y="5006634"/>
-            <a:ext cx="4496102" cy="1258013"/>
-          </a:xfrm>
-          <a:prstGeom prst="rect">
-            <a:avLst/>
-          </a:prstGeom>
-        </p:spPr>
-      </p:pic>
-    </p:spTree>
-    <p:extLst>
-      <p:ext uri="{BB962C8B-B14F-4D97-AF65-F5344CB8AC3E}">
-        <p14:creationId xmlns:p14="http://schemas.microsoft.com/office/powerpoint/2010/main" val="2185400621"/>
       </p:ext>
     </p:extLst>
   </p:cSld>
@@ -17301,6 +19103,412 @@
           <a:lstStyle/>
           <a:p>
             <a:r>
+              <a:rPr lang="en-US" sz="2900" b="1" kern="1200">
+                <a:solidFill>
+                  <a:schemeClr val="tx1"/>
+                </a:solidFill>
+                <a:latin typeface="+mj-lt"/>
+                <a:ea typeface="+mj-ea"/>
+                <a:cs typeface="+mj-cs"/>
+              </a:rPr>
+              <a:t>Uncovered findings:  </a:t>
+            </a:r>
+            <a:r>
+              <a:rPr lang="en-US" sz="2900" kern="1200">
+                <a:solidFill>
+                  <a:schemeClr val="tx1"/>
+                </a:solidFill>
+                <a:latin typeface="+mj-lt"/>
+                <a:ea typeface="+mj-ea"/>
+                <a:cs typeface="+mj-cs"/>
+              </a:rPr>
+              <a:t>Both genders score about as good as each other {Oulad}</a:t>
+            </a:r>
+          </a:p>
+        </p:txBody>
+      </p:sp>
+      <p:sp>
+        <p:nvSpPr>
+          <p:cNvPr id="61" name="Rectangle 60">
+            <a:extLst>
+              <a:ext uri="{FF2B5EF4-FFF2-40B4-BE49-F238E27FC236}">
+                <a16:creationId xmlns:a16="http://schemas.microsoft.com/office/drawing/2014/main" id="{99413ED5-9ED4-4772-BCE4-2BCAE6B12E35}"/>
+              </a:ext>
+              <a:ext uri="{C183D7F6-B498-43B3-948B-1728B52AA6E4}">
+                <adec:decorative xmlns:adec="http://schemas.microsoft.com/office/drawing/2017/decorative" val="1"/>
+              </a:ext>
+            </a:extLst>
+          </p:cNvPr>
+          <p:cNvSpPr>
+            <a:spLocks noGrp="1" noRot="1" noChangeAspect="1" noMove="1" noResize="1" noEditPoints="1" noAdjustHandles="1" noChangeArrowheads="1" noChangeShapeType="1" noTextEdit="1"/>
+          </p:cNvSpPr>
+          <p:nvPr>
+            <p:extLst>
+              <p:ext uri="{386F3935-93C4-4BCD-93E2-E3B085C9AB24}">
+                <p16:designElem xmlns:p16="http://schemas.microsoft.com/office/powerpoint/2015/main" val="1"/>
+              </p:ext>
+            </p:extLst>
+          </p:nvPr>
+        </p:nvSpPr>
+        <p:spPr>
+          <a:xfrm rot="16200000">
+            <a:off x="3433973" y="-827233"/>
+            <a:ext cx="1715478" cy="8583421"/>
+          </a:xfrm>
+          <a:prstGeom prst="rect">
+            <a:avLst/>
+          </a:prstGeom>
+          <a:solidFill>
+            <a:schemeClr val="accent4"/>
+          </a:solidFill>
+          <a:ln>
+            <a:noFill/>
+          </a:ln>
+        </p:spPr>
+        <p:style>
+          <a:lnRef idx="2">
+            <a:schemeClr val="accent1">
+              <a:shade val="50000"/>
+            </a:schemeClr>
+          </a:lnRef>
+          <a:fillRef idx="1">
+            <a:schemeClr val="accent1"/>
+          </a:fillRef>
+          <a:effectRef idx="0">
+            <a:schemeClr val="accent1"/>
+          </a:effectRef>
+          <a:fontRef idx="minor">
+            <a:schemeClr val="lt1"/>
+          </a:fontRef>
+        </p:style>
+        <p:txBody>
+          <a:bodyPr rtlCol="0" anchor="ctr"/>
+          <a:lstStyle/>
+          <a:p>
+            <a:pPr algn="ctr"/>
+            <a:endParaRPr lang="en-US" dirty="0"/>
+          </a:p>
+        </p:txBody>
+      </p:sp>
+      <p:sp>
+        <p:nvSpPr>
+          <p:cNvPr id="63" name="Rectangle 62">
+            <a:extLst>
+              <a:ext uri="{FF2B5EF4-FFF2-40B4-BE49-F238E27FC236}">
+                <a16:creationId xmlns:a16="http://schemas.microsoft.com/office/drawing/2014/main" id="{04357C93-F0CB-4A1C-8F77-4E9063789819}"/>
+              </a:ext>
+              <a:ext uri="{C183D7F6-B498-43B3-948B-1728B52AA6E4}">
+                <adec:decorative xmlns:adec="http://schemas.microsoft.com/office/drawing/2017/decorative" val="1"/>
+              </a:ext>
+            </a:extLst>
+          </p:cNvPr>
+          <p:cNvSpPr>
+            <a:spLocks noGrp="1" noRot="1" noChangeAspect="1" noMove="1" noResize="1" noEditPoints="1" noAdjustHandles="1" noChangeArrowheads="1" noChangeShapeType="1" noTextEdit="1"/>
+          </p:cNvSpPr>
+          <p:nvPr>
+            <p:extLst>
+              <p:ext uri="{386F3935-93C4-4BCD-93E2-E3B085C9AB24}">
+                <p16:designElem xmlns:p16="http://schemas.microsoft.com/office/powerpoint/2015/main" val="1"/>
+              </p:ext>
+            </p:extLst>
+          </p:nvPr>
+        </p:nvSpPr>
+        <p:spPr>
+          <a:xfrm>
+            <a:off x="302085" y="664308"/>
+            <a:ext cx="8082632" cy="5600340"/>
+          </a:xfrm>
+          <a:prstGeom prst="rect">
+            <a:avLst/>
+          </a:prstGeom>
+          <a:solidFill>
+            <a:schemeClr val="bg1"/>
+          </a:solidFill>
+          <a:ln>
+            <a:noFill/>
+          </a:ln>
+          <a:effectLst>
+            <a:outerShdw blurRad="139700" dist="127000" dir="5400000" algn="t" rotWithShape="0">
+              <a:prstClr val="black">
+                <a:alpha val="15000"/>
+              </a:prstClr>
+            </a:outerShdw>
+          </a:effectLst>
+        </p:spPr>
+        <p:style>
+          <a:lnRef idx="2">
+            <a:schemeClr val="accent1">
+              <a:shade val="50000"/>
+            </a:schemeClr>
+          </a:lnRef>
+          <a:fillRef idx="1">
+            <a:schemeClr val="accent1"/>
+          </a:fillRef>
+          <a:effectRef idx="0">
+            <a:schemeClr val="accent1"/>
+          </a:effectRef>
+          <a:fontRef idx="minor">
+            <a:schemeClr val="lt1"/>
+          </a:fontRef>
+        </p:style>
+        <p:txBody>
+          <a:bodyPr rtlCol="0" anchor="ctr"/>
+          <a:lstStyle/>
+          <a:p>
+            <a:pPr algn="ctr"/>
+            <a:endParaRPr lang="en-US"/>
+          </a:p>
+        </p:txBody>
+      </p:sp>
+      <p:pic>
+        <p:nvPicPr>
+          <p:cNvPr id="3" name="Picture" descr="A graph of a person with blue lines&#10;&#10;Description automatically generated">
+            <a:extLst>
+              <a:ext uri="{FF2B5EF4-FFF2-40B4-BE49-F238E27FC236}">
+                <a16:creationId xmlns:a16="http://schemas.microsoft.com/office/drawing/2014/main" id="{2AFABE83-1AB3-B3C6-1316-4B9806396DAA}"/>
+              </a:ext>
+            </a:extLst>
+          </p:cNvPr>
+          <p:cNvPicPr/>
+          <p:nvPr/>
+        </p:nvPicPr>
+        <p:blipFill>
+          <a:blip r:embed="rId2"/>
+          <a:stretch>
+            <a:fillRect/>
+          </a:stretch>
+        </p:blipFill>
+        <p:spPr bwMode="auto">
+          <a:xfrm>
+            <a:off x="1091949" y="858525"/>
+            <a:ext cx="6514881" cy="5211906"/>
+          </a:xfrm>
+          <a:prstGeom prst="rect">
+            <a:avLst/>
+          </a:prstGeom>
+          <a:noFill/>
+        </p:spPr>
+      </p:pic>
+      <p:sp>
+        <p:nvSpPr>
+          <p:cNvPr id="65" name="Rectangle 64">
+            <a:extLst>
+              <a:ext uri="{FF2B5EF4-FFF2-40B4-BE49-F238E27FC236}">
+                <a16:creationId xmlns:a16="http://schemas.microsoft.com/office/drawing/2014/main" id="{90F533E9-6690-41A8-A372-4C6C622D028D}"/>
+              </a:ext>
+              <a:ext uri="{C183D7F6-B498-43B3-948B-1728B52AA6E4}">
+                <adec:decorative xmlns:adec="http://schemas.microsoft.com/office/drawing/2017/decorative" val="1"/>
+              </a:ext>
+            </a:extLst>
+          </p:cNvPr>
+          <p:cNvSpPr>
+            <a:spLocks noGrp="1" noRot="1" noChangeAspect="1" noMove="1" noResize="1" noEditPoints="1" noAdjustHandles="1" noChangeArrowheads="1" noChangeShapeType="1" noTextEdit="1"/>
+          </p:cNvSpPr>
+          <p:nvPr>
+            <p:extLst>
+              <p:ext uri="{386F3935-93C4-4BCD-93E2-E3B085C9AB24}">
+                <p16:designElem xmlns:p16="http://schemas.microsoft.com/office/powerpoint/2015/main" val="1"/>
+              </p:ext>
+            </p:extLst>
+          </p:nvPr>
+        </p:nvSpPr>
+        <p:spPr>
+          <a:xfrm rot="5400000">
+            <a:off x="7950447" y="3392097"/>
+            <a:ext cx="1719072" cy="152382"/>
+          </a:xfrm>
+          <a:prstGeom prst="rect">
+            <a:avLst/>
+          </a:prstGeom>
+          <a:solidFill>
+            <a:schemeClr val="accent4"/>
+          </a:solidFill>
+          <a:ln>
+            <a:noFill/>
+          </a:ln>
+        </p:spPr>
+        <p:style>
+          <a:lnRef idx="2">
+            <a:schemeClr val="accent1">
+              <a:shade val="50000"/>
+            </a:schemeClr>
+          </a:lnRef>
+          <a:fillRef idx="1">
+            <a:schemeClr val="accent1"/>
+          </a:fillRef>
+          <a:effectRef idx="0">
+            <a:schemeClr val="accent1"/>
+          </a:effectRef>
+          <a:fontRef idx="minor">
+            <a:schemeClr val="lt1"/>
+          </a:fontRef>
+        </p:style>
+        <p:txBody>
+          <a:bodyPr rtlCol="0" anchor="ctr"/>
+          <a:lstStyle/>
+          <a:p>
+            <a:pPr algn="ctr"/>
+            <a:endParaRPr lang="en-US"/>
+          </a:p>
+        </p:txBody>
+      </p:sp>
+      <p:pic>
+        <p:nvPicPr>
+          <p:cNvPr id="5" name="Picture 4" descr="A screenshot of a computer&#10;&#10;Description automatically generated">
+            <a:extLst>
+              <a:ext uri="{FF2B5EF4-FFF2-40B4-BE49-F238E27FC236}">
+                <a16:creationId xmlns:a16="http://schemas.microsoft.com/office/drawing/2014/main" id="{46B06B17-CA27-8264-5540-72FAFA650F48}"/>
+              </a:ext>
+            </a:extLst>
+          </p:cNvPr>
+          <p:cNvPicPr>
+            <a:picLocks noChangeAspect="1"/>
+          </p:cNvPicPr>
+          <p:nvPr/>
+        </p:nvPicPr>
+        <p:blipFill>
+          <a:blip r:embed="rId3"/>
+          <a:stretch>
+            <a:fillRect/>
+          </a:stretch>
+        </p:blipFill>
+        <p:spPr>
+          <a:xfrm>
+            <a:off x="7393813" y="5006634"/>
+            <a:ext cx="4496102" cy="1258013"/>
+          </a:xfrm>
+          <a:prstGeom prst="rect">
+            <a:avLst/>
+          </a:prstGeom>
+        </p:spPr>
+      </p:pic>
+    </p:spTree>
+    <p:extLst>
+      <p:ext uri="{BB962C8B-B14F-4D97-AF65-F5344CB8AC3E}">
+        <p14:creationId xmlns:p14="http://schemas.microsoft.com/office/powerpoint/2010/main" val="2185400621"/>
+      </p:ext>
+    </p:extLst>
+  </p:cSld>
+  <p:clrMapOvr>
+    <a:masterClrMapping/>
+  </p:clrMapOvr>
+</p:sld>
+</file>
+
+<file path=ppt/slides/slide21.xml><?xml version="1.0" encoding="utf-8"?>
+<p:sld xmlns:a="http://schemas.openxmlformats.org/drawingml/2006/main" xmlns:r="http://schemas.openxmlformats.org/officeDocument/2006/relationships" xmlns:p="http://schemas.openxmlformats.org/presentationml/2006/main">
+  <p:cSld>
+    <p:bg>
+      <p:bgPr>
+        <a:solidFill>
+          <a:schemeClr val="bg1"/>
+        </a:solidFill>
+        <a:effectLst/>
+      </p:bgPr>
+    </p:bg>
+    <p:spTree>
+      <p:nvGrpSpPr>
+        <p:cNvPr id="1" name=""/>
+        <p:cNvGrpSpPr/>
+        <p:nvPr/>
+      </p:nvGrpSpPr>
+      <p:grpSpPr>
+        <a:xfrm>
+          <a:off x="0" y="0"/>
+          <a:ext cx="0" cy="0"/>
+          <a:chOff x="0" y="0"/>
+          <a:chExt cx="0" cy="0"/>
+        </a:xfrm>
+      </p:grpSpPr>
+      <p:sp useBgFill="1">
+        <p:nvSpPr>
+          <p:cNvPr id="59" name="Rectangle 58">
+            <a:extLst>
+              <a:ext uri="{FF2B5EF4-FFF2-40B4-BE49-F238E27FC236}">
+                <a16:creationId xmlns:a16="http://schemas.microsoft.com/office/drawing/2014/main" id="{BA79A7CF-01AF-4178-9369-94E0C90EB046}"/>
+              </a:ext>
+              <a:ext uri="{C183D7F6-B498-43B3-948B-1728B52AA6E4}">
+                <adec:decorative xmlns:adec="http://schemas.microsoft.com/office/drawing/2017/decorative" val="1"/>
+              </a:ext>
+            </a:extLst>
+          </p:cNvPr>
+          <p:cNvSpPr>
+            <a:spLocks noGrp="1" noRot="1" noChangeAspect="1" noMove="1" noResize="1" noEditPoints="1" noAdjustHandles="1" noChangeArrowheads="1" noChangeShapeType="1" noTextEdit="1"/>
+          </p:cNvSpPr>
+          <p:nvPr>
+            <p:extLst>
+              <p:ext uri="{386F3935-93C4-4BCD-93E2-E3B085C9AB24}">
+                <p16:designElem xmlns:p16="http://schemas.microsoft.com/office/powerpoint/2015/main" val="1"/>
+              </p:ext>
+            </p:extLst>
+          </p:nvPr>
+        </p:nvSpPr>
+        <p:spPr>
+          <a:xfrm>
+            <a:off x="0" y="0"/>
+            <a:ext cx="12191999" cy="6857365"/>
+          </a:xfrm>
+          <a:prstGeom prst="rect">
+            <a:avLst/>
+          </a:prstGeom>
+          <a:ln>
+            <a:noFill/>
+          </a:ln>
+        </p:spPr>
+        <p:style>
+          <a:lnRef idx="2">
+            <a:schemeClr val="accent1">
+              <a:shade val="50000"/>
+            </a:schemeClr>
+          </a:lnRef>
+          <a:fillRef idx="1">
+            <a:schemeClr val="accent1"/>
+          </a:fillRef>
+          <a:effectRef idx="0">
+            <a:schemeClr val="accent1"/>
+          </a:effectRef>
+          <a:fontRef idx="minor">
+            <a:schemeClr val="lt1"/>
+          </a:fontRef>
+        </p:style>
+        <p:txBody>
+          <a:bodyPr rtlCol="0" anchor="ctr"/>
+          <a:lstStyle/>
+          <a:p>
+            <a:pPr algn="ctr"/>
+            <a:endParaRPr lang="en-US"/>
+          </a:p>
+        </p:txBody>
+      </p:sp>
+      <p:sp>
+        <p:nvSpPr>
+          <p:cNvPr id="2" name="Title 1">
+            <a:extLst>
+              <a:ext uri="{FF2B5EF4-FFF2-40B4-BE49-F238E27FC236}">
+                <a16:creationId xmlns:a16="http://schemas.microsoft.com/office/drawing/2014/main" id="{92EA2C79-7F6D-ECC9-95C5-D7E278D89B2F}"/>
+              </a:ext>
+            </a:extLst>
+          </p:cNvPr>
+          <p:cNvSpPr>
+            <a:spLocks noGrp="1"/>
+          </p:cNvSpPr>
+          <p:nvPr>
+            <p:ph type="title"/>
+          </p:nvPr>
+        </p:nvSpPr>
+        <p:spPr>
+          <a:xfrm>
+            <a:off x="9267909" y="2023110"/>
+            <a:ext cx="2469624" cy="2846070"/>
+          </a:xfrm>
+        </p:spPr>
+        <p:txBody>
+          <a:bodyPr vert="horz" lIns="91440" tIns="45720" rIns="91440" bIns="45720" rtlCol="0" anchor="ctr">
+            <a:normAutofit/>
+          </a:bodyPr>
+          <a:lstStyle/>
+          <a:p>
+            <a:r>
               <a:rPr lang="en-US" sz="2600" b="1" kern="1200">
                 <a:solidFill>
                   <a:schemeClr val="tx1"/>
@@ -17592,7 +19800,7 @@
 </p:sld>
 </file>
 
-<file path=ppt/slides/slide21.xml><?xml version="1.0" encoding="utf-8"?>
+<file path=ppt/slides/slide22.xml><?xml version="1.0" encoding="utf-8"?>
 <p:sld xmlns:a="http://schemas.openxmlformats.org/drawingml/2006/main" xmlns:r="http://schemas.openxmlformats.org/officeDocument/2006/relationships" xmlns:p="http://schemas.openxmlformats.org/presentationml/2006/main">
   <p:cSld>
     <p:bg>
@@ -17997,7 +20205,7 @@
 </p:sld>
 </file>
 
-<file path=ppt/slides/slide22.xml><?xml version="1.0" encoding="utf-8"?>
+<file path=ppt/slides/slide23.xml><?xml version="1.0" encoding="utf-8"?>
 <p:sld xmlns:a="http://schemas.openxmlformats.org/drawingml/2006/main" xmlns:r="http://schemas.openxmlformats.org/officeDocument/2006/relationships" xmlns:p="http://schemas.openxmlformats.org/presentationml/2006/main">
   <p:cSld>
     <p:bg>
@@ -18440,7 +20648,7 @@
 </p:sld>
 </file>
 
-<file path=ppt/slides/slide23.xml><?xml version="1.0" encoding="utf-8"?>
+<file path=ppt/slides/slide24.xml><?xml version="1.0" encoding="utf-8"?>
 <p:sld xmlns:a="http://schemas.openxmlformats.org/drawingml/2006/main" xmlns:r="http://schemas.openxmlformats.org/officeDocument/2006/relationships" xmlns:p="http://schemas.openxmlformats.org/presentationml/2006/main">
   <p:cSld>
     <p:bg>
@@ -18846,7 +21054,7 @@
 </p:sld>
 </file>
 
-<file path=ppt/slides/slide24.xml><?xml version="1.0" encoding="utf-8"?>
+<file path=ppt/slides/slide25.xml><?xml version="1.0" encoding="utf-8"?>
 <p:sld xmlns:a="http://schemas.openxmlformats.org/drawingml/2006/main" xmlns:r="http://schemas.openxmlformats.org/officeDocument/2006/relationships" xmlns:p="http://schemas.openxmlformats.org/presentationml/2006/main">
   <p:cSld>
     <p:bg>
@@ -19282,7 +21490,7 @@
 </p:sld>
 </file>
 
-<file path=ppt/slides/slide25.xml><?xml version="1.0" encoding="utf-8"?>
+<file path=ppt/slides/slide26.xml><?xml version="1.0" encoding="utf-8"?>
 <p:sld xmlns:a="http://schemas.openxmlformats.org/drawingml/2006/main" xmlns:r="http://schemas.openxmlformats.org/officeDocument/2006/relationships" xmlns:p="http://schemas.openxmlformats.org/presentationml/2006/main">
   <p:cSld>
     <p:bg>
@@ -19658,7 +21866,7 @@
 </p:sld>
 </file>
 
-<file path=ppt/slides/slide26.xml><?xml version="1.0" encoding="utf-8"?>
+<file path=ppt/slides/slide27.xml><?xml version="1.0" encoding="utf-8"?>
 <p:sld xmlns:a="http://schemas.openxmlformats.org/drawingml/2006/main" xmlns:r="http://schemas.openxmlformats.org/officeDocument/2006/relationships" xmlns:p="http://schemas.openxmlformats.org/presentationml/2006/main">
   <p:cSld>
     <p:bg>
@@ -19923,7 +22131,7 @@
 </p:sld>
 </file>
 
-<file path=ppt/slides/slide27.xml><?xml version="1.0" encoding="utf-8"?>
+<file path=ppt/slides/slide28.xml><?xml version="1.0" encoding="utf-8"?>
 <p:sld xmlns:a="http://schemas.openxmlformats.org/drawingml/2006/main" xmlns:r="http://schemas.openxmlformats.org/officeDocument/2006/relationships" xmlns:p="http://schemas.openxmlformats.org/presentationml/2006/main">
   <p:cSld>
     <p:bg>
@@ -20032,12 +22240,12 @@
         </p:spPr>
         <p:txBody>
           <a:bodyPr vert="horz" lIns="91440" tIns="45720" rIns="91440" bIns="45720" rtlCol="0" anchor="ctr">
-            <a:normAutofit/>
+            <a:normAutofit fontScale="90000"/>
           </a:bodyPr>
           <a:lstStyle/>
           <a:p>
             <a:r>
-              <a:rPr lang="en-US" sz="2000" b="1" kern="1200">
+              <a:rPr lang="en-US" sz="2000" b="1" kern="1200" dirty="0">
                 <a:solidFill>
                   <a:schemeClr val="tx1"/>
                 </a:solidFill>
@@ -20048,7 +22256,7 @@
               <a:t>Simple linear model: </a:t>
             </a:r>
             <a:r>
-              <a:rPr lang="en-US" sz="2000" kern="1200">
+              <a:rPr lang="en-US" sz="2000" kern="1200" dirty="0">
                 <a:solidFill>
                   <a:schemeClr val="tx1"/>
                 </a:solidFill>
@@ -20058,6 +22266,56 @@
               </a:rPr>
               <a:t>{Continuous predictor} Linear model 01 – Relationship between cumulative GPA of a student (y) and the average score of a student (x)</a:t>
             </a:r>
+            <a:br>
+              <a:rPr lang="en-US" sz="2000" kern="1200" dirty="0">
+                <a:solidFill>
+                  <a:schemeClr val="tx1"/>
+                </a:solidFill>
+                <a:latin typeface="+mj-lt"/>
+                <a:ea typeface="+mj-ea"/>
+                <a:cs typeface="+mj-cs"/>
+              </a:rPr>
+            </a:br>
+            <a:br>
+              <a:rPr lang="en-US" sz="2000" kern="1200" dirty="0">
+                <a:solidFill>
+                  <a:schemeClr val="tx1"/>
+                </a:solidFill>
+                <a:latin typeface="+mj-lt"/>
+                <a:ea typeface="+mj-ea"/>
+                <a:cs typeface="+mj-cs"/>
+              </a:rPr>
+            </a:br>
+            <a:r>
+              <a:rPr lang="en-US" sz="2000" kern="1200" dirty="0">
+                <a:solidFill>
+                  <a:schemeClr val="tx1"/>
+                </a:solidFill>
+                <a:latin typeface="+mj-lt"/>
+                <a:ea typeface="+mj-ea"/>
+                <a:cs typeface="+mj-cs"/>
+              </a:rPr>
+              <a:t>Model is the best fit I was able </a:t>
+            </a:r>
+            <a:r>
+              <a:rPr lang="en-US" sz="2000" kern="1200">
+                <a:solidFill>
+                  <a:schemeClr val="tx1"/>
+                </a:solidFill>
+                <a:latin typeface="+mj-lt"/>
+                <a:ea typeface="+mj-ea"/>
+                <a:cs typeface="+mj-cs"/>
+              </a:rPr>
+              <a:t>to obtain</a:t>
+            </a:r>
+            <a:endParaRPr lang="en-US" sz="2000" kern="1200" dirty="0">
+              <a:solidFill>
+                <a:schemeClr val="tx1"/>
+              </a:solidFill>
+              <a:latin typeface="+mj-lt"/>
+              <a:ea typeface="+mj-ea"/>
+              <a:cs typeface="+mj-cs"/>
+            </a:endParaRPr>
           </a:p>
         </p:txBody>
       </p:sp>
@@ -20286,6 +22544,36 @@
           </a:p>
         </p:txBody>
       </p:sp>
+      <p:pic>
+        <p:nvPicPr>
+          <p:cNvPr id="5" name="Picture 4">
+            <a:extLst>
+              <a:ext uri="{FF2B5EF4-FFF2-40B4-BE49-F238E27FC236}">
+                <a16:creationId xmlns:a16="http://schemas.microsoft.com/office/drawing/2014/main" id="{F63EAD84-5980-A40C-2BE2-7BF583C9CA54}"/>
+              </a:ext>
+            </a:extLst>
+          </p:cNvPr>
+          <p:cNvPicPr>
+            <a:picLocks noChangeAspect="1"/>
+          </p:cNvPicPr>
+          <p:nvPr/>
+        </p:nvPicPr>
+        <p:blipFill>
+          <a:blip r:embed="rId3"/>
+          <a:stretch>
+            <a:fillRect/>
+          </a:stretch>
+        </p:blipFill>
+        <p:spPr>
+          <a:xfrm>
+            <a:off x="7746185" y="5208357"/>
+            <a:ext cx="4156309" cy="650261"/>
+          </a:xfrm>
+          <a:prstGeom prst="rect">
+            <a:avLst/>
+          </a:prstGeom>
+        </p:spPr>
+      </p:pic>
     </p:spTree>
     <p:extLst>
       <p:ext uri="{BB962C8B-B14F-4D97-AF65-F5344CB8AC3E}">
@@ -20299,7 +22587,7 @@
 </p:sld>
 </file>
 
-<file path=ppt/slides/slide28.xml><?xml version="1.0" encoding="utf-8"?>
+<file path=ppt/slides/slide29.xml><?xml version="1.0" encoding="utf-8"?>
 <p:sld xmlns:a="http://schemas.openxmlformats.org/drawingml/2006/main" xmlns:r="http://schemas.openxmlformats.org/officeDocument/2006/relationships" xmlns:p="http://schemas.openxmlformats.org/presentationml/2006/main">
   <p:cSld>
     <p:bg>
@@ -20408,12 +22696,12 @@
         </p:spPr>
         <p:txBody>
           <a:bodyPr vert="horz" lIns="91440" tIns="45720" rIns="91440" bIns="45720" rtlCol="0" anchor="ctr">
-            <a:normAutofit/>
+            <a:normAutofit fontScale="90000"/>
           </a:bodyPr>
           <a:lstStyle/>
           <a:p>
             <a:r>
-              <a:rPr lang="en-US" sz="1800" b="1" kern="1200">
+              <a:rPr lang="en-US" sz="1800" b="1" kern="1200" dirty="0">
                 <a:solidFill>
                   <a:schemeClr val="tx1"/>
                 </a:solidFill>
@@ -20424,7 +22712,7 @@
               <a:t>Simple linear model: </a:t>
             </a:r>
             <a:r>
-              <a:rPr lang="en-US" sz="1800" kern="1200">
+              <a:rPr lang="en-US" sz="1800" kern="1200" dirty="0">
                 <a:solidFill>
                   <a:schemeClr val="tx1"/>
                 </a:solidFill>
@@ -20435,7 +22723,7 @@
               <a:t>{Categorical predictor} Linear model 02 – Relationship between cumulative GPA of a student (y) and the education level of the student on entry to the module (x) </a:t>
             </a:r>
             <a:br>
-              <a:rPr lang="en-US" sz="1800" kern="1200">
+              <a:rPr lang="en-US" sz="1800" kern="1200" dirty="0">
                 <a:solidFill>
                   <a:schemeClr val="tx1"/>
                 </a:solidFill>
@@ -20444,7 +22732,31 @@
                 <a:cs typeface="+mj-cs"/>
               </a:rPr>
             </a:br>
-            <a:endParaRPr lang="en-US" sz="1800" kern="1200">
+            <a:br>
+              <a:rPr lang="en-US" sz="1800" kern="1200" dirty="0">
+                <a:solidFill>
+                  <a:schemeClr val="tx1"/>
+                </a:solidFill>
+                <a:latin typeface="+mj-lt"/>
+                <a:ea typeface="+mj-ea"/>
+                <a:cs typeface="+mj-cs"/>
+              </a:rPr>
+            </a:br>
+            <a:r>
+              <a:rPr lang="en-US" sz="1800" dirty="0"/>
+              <a:t>Model is clearly a poor fit</a:t>
+            </a:r>
+            <a:br>
+              <a:rPr lang="en-US" sz="1800" kern="1200" dirty="0">
+                <a:solidFill>
+                  <a:schemeClr val="tx1"/>
+                </a:solidFill>
+                <a:latin typeface="+mj-lt"/>
+                <a:ea typeface="+mj-ea"/>
+                <a:cs typeface="+mj-cs"/>
+              </a:rPr>
+            </a:br>
+            <a:endParaRPr lang="en-US" sz="1800" kern="1200" dirty="0">
               <a:solidFill>
                 <a:schemeClr val="tx1"/>
               </a:solidFill>
@@ -20680,6 +22992,36 @@
           </a:p>
         </p:txBody>
       </p:sp>
+      <p:pic>
+        <p:nvPicPr>
+          <p:cNvPr id="4" name="Picture 3">
+            <a:extLst>
+              <a:ext uri="{FF2B5EF4-FFF2-40B4-BE49-F238E27FC236}">
+                <a16:creationId xmlns:a16="http://schemas.microsoft.com/office/drawing/2014/main" id="{8B7B0D3E-DFB5-DB7C-68C9-EA1891434505}"/>
+              </a:ext>
+            </a:extLst>
+          </p:cNvPr>
+          <p:cNvPicPr>
+            <a:picLocks noChangeAspect="1"/>
+          </p:cNvPicPr>
+          <p:nvPr/>
+        </p:nvPicPr>
+        <p:blipFill>
+          <a:blip r:embed="rId3"/>
+          <a:stretch>
+            <a:fillRect/>
+          </a:stretch>
+        </p:blipFill>
+        <p:spPr>
+          <a:xfrm>
+            <a:off x="6742164" y="6148940"/>
+            <a:ext cx="5147751" cy="513352"/>
+          </a:xfrm>
+          <a:prstGeom prst="rect">
+            <a:avLst/>
+          </a:prstGeom>
+        </p:spPr>
+      </p:pic>
     </p:spTree>
     <p:extLst>
       <p:ext uri="{BB962C8B-B14F-4D97-AF65-F5344CB8AC3E}">
@@ -20693,7 +23035,192 @@
 </p:sld>
 </file>
 
-<file path=ppt/slides/slide29.xml><?xml version="1.0" encoding="utf-8"?>
+<file path=ppt/slides/slide3.xml><?xml version="1.0" encoding="utf-8"?>
+<p:sld xmlns:a="http://schemas.openxmlformats.org/drawingml/2006/main" xmlns:r="http://schemas.openxmlformats.org/officeDocument/2006/relationships" xmlns:p="http://schemas.openxmlformats.org/presentationml/2006/main">
+  <p:cSld>
+    <p:bg>
+      <p:bgPr>
+        <a:solidFill>
+          <a:schemeClr val="bg1"/>
+        </a:solidFill>
+        <a:effectLst/>
+      </p:bgPr>
+    </p:bg>
+    <p:spTree>
+      <p:nvGrpSpPr>
+        <p:cNvPr id="1" name=""/>
+        <p:cNvGrpSpPr/>
+        <p:nvPr/>
+      </p:nvGrpSpPr>
+      <p:grpSpPr>
+        <a:xfrm>
+          <a:off x="0" y="0"/>
+          <a:ext cx="0" cy="0"/>
+          <a:chOff x="0" y="0"/>
+          <a:chExt cx="0" cy="0"/>
+        </a:xfrm>
+      </p:grpSpPr>
+      <p:sp>
+        <p:nvSpPr>
+          <p:cNvPr id="85" name="Down Arrow 7">
+            <a:extLst>
+              <a:ext uri="{FF2B5EF4-FFF2-40B4-BE49-F238E27FC236}">
+                <a16:creationId xmlns:a16="http://schemas.microsoft.com/office/drawing/2014/main" id="{D4771268-CB57-404A-9271-370EB28F6090}"/>
+              </a:ext>
+              <a:ext uri="{C183D7F6-B498-43B3-948B-1728B52AA6E4}">
+                <adec:decorative xmlns:adec="http://schemas.microsoft.com/office/drawing/2017/decorative" val="1"/>
+              </a:ext>
+            </a:extLst>
+          </p:cNvPr>
+          <p:cNvSpPr>
+            <a:spLocks noGrp="1" noRot="1" noChangeAspect="1" noMove="1" noResize="1" noEditPoints="1" noAdjustHandles="1" noChangeArrowheads="1" noChangeShapeType="1" noTextEdit="1"/>
+          </p:cNvSpPr>
+          <p:nvPr>
+            <p:extLst>
+              <p:ext uri="{386F3935-93C4-4BCD-93E2-E3B085C9AB24}">
+                <p16:designElem xmlns:p16="http://schemas.microsoft.com/office/powerpoint/2015/main" val="1"/>
+              </p:ext>
+            </p:extLst>
+          </p:nvPr>
+        </p:nvSpPr>
+        <p:spPr>
+          <a:xfrm rot="16200000">
+            <a:off x="800100" y="1491343"/>
+            <a:ext cx="3333749" cy="3499103"/>
+          </a:xfrm>
+          <a:prstGeom prst="downArrow">
+            <a:avLst>
+              <a:gd name="adj1" fmla="val 100000"/>
+              <a:gd name="adj2" fmla="val 15788"/>
+            </a:avLst>
+          </a:prstGeom>
+          <a:solidFill>
+            <a:srgbClr val="404040"/>
+          </a:solidFill>
+          <a:ln w="53975">
+            <a:noFill/>
+          </a:ln>
+        </p:spPr>
+        <p:style>
+          <a:lnRef idx="2">
+            <a:schemeClr val="accent1">
+              <a:shade val="50000"/>
+            </a:schemeClr>
+          </a:lnRef>
+          <a:fillRef idx="1">
+            <a:schemeClr val="accent1"/>
+          </a:fillRef>
+          <a:effectRef idx="0">
+            <a:schemeClr val="accent1"/>
+          </a:effectRef>
+          <a:fontRef idx="minor">
+            <a:schemeClr val="lt1"/>
+          </a:fontRef>
+        </p:style>
+        <p:txBody>
+          <a:bodyPr rtlCol="0" anchor="ctr"/>
+          <a:lstStyle/>
+          <a:p>
+            <a:pPr algn="ctr"/>
+            <a:endParaRPr lang="en-US"/>
+          </a:p>
+        </p:txBody>
+      </p:sp>
+      <p:sp>
+        <p:nvSpPr>
+          <p:cNvPr id="2" name="Title 1">
+            <a:extLst>
+              <a:ext uri="{FF2B5EF4-FFF2-40B4-BE49-F238E27FC236}">
+                <a16:creationId xmlns:a16="http://schemas.microsoft.com/office/drawing/2014/main" id="{92EA2C79-7F6D-ECC9-95C5-D7E278D89B2F}"/>
+              </a:ext>
+            </a:extLst>
+          </p:cNvPr>
+          <p:cNvSpPr>
+            <a:spLocks noGrp="1"/>
+          </p:cNvSpPr>
+          <p:nvPr>
+            <p:ph type="title"/>
+          </p:nvPr>
+        </p:nvSpPr>
+        <p:spPr>
+          <a:xfrm>
+            <a:off x="1028700" y="1967266"/>
+            <a:ext cx="2628900" cy="2547257"/>
+          </a:xfrm>
+          <a:noFill/>
+        </p:spPr>
+        <p:txBody>
+          <a:bodyPr vert="horz" lIns="91440" tIns="45720" rIns="91440" bIns="45720" rtlCol="0" anchor="ctr">
+            <a:normAutofit/>
+          </a:bodyPr>
+          <a:lstStyle/>
+          <a:p>
+            <a:pPr algn="ctr"/>
+            <a:r>
+              <a:rPr lang="en-US" sz="2000" kern="1200" dirty="0">
+                <a:solidFill>
+                  <a:srgbClr val="FFFFFF"/>
+                </a:solidFill>
+                <a:latin typeface="+mj-lt"/>
+                <a:ea typeface="+mj-ea"/>
+                <a:cs typeface="+mj-cs"/>
+              </a:rPr>
+              <a:t>To help me accomplish what I wanted to do, I used all kinds of functions from base R, custom-written functions, as well as functions from over 20 packages</a:t>
+            </a:r>
+          </a:p>
+        </p:txBody>
+      </p:sp>
+      <p:pic>
+        <p:nvPicPr>
+          <p:cNvPr id="5" name="Picture 4" descr="A black background with many colorful text&#10;&#10;Description automatically generated">
+            <a:extLst>
+              <a:ext uri="{FF2B5EF4-FFF2-40B4-BE49-F238E27FC236}">
+                <a16:creationId xmlns:a16="http://schemas.microsoft.com/office/drawing/2014/main" id="{7F992EA3-3189-2C3C-2FBD-8560231E9C4C}"/>
+              </a:ext>
+            </a:extLst>
+          </p:cNvPr>
+          <p:cNvPicPr>
+            <a:picLocks noChangeAspect="1"/>
+          </p:cNvPicPr>
+          <p:nvPr/>
+        </p:nvPicPr>
+        <p:blipFill>
+          <a:blip r:embed="rId2" cstate="print">
+            <a:extLst>
+              <a:ext uri="{28A0092B-C50C-407E-A947-70E740481C1C}">
+                <a14:useLocalDpi xmlns:a14="http://schemas.microsoft.com/office/drawing/2010/main" val="0"/>
+              </a:ext>
+            </a:extLst>
+          </a:blip>
+          <a:stretch>
+            <a:fillRect/>
+          </a:stretch>
+        </p:blipFill>
+        <p:spPr bwMode="auto">
+          <a:xfrm>
+            <a:off x="4985528" y="643466"/>
+            <a:ext cx="6364276" cy="5568739"/>
+          </a:xfrm>
+          <a:prstGeom prst="rect">
+            <a:avLst/>
+          </a:prstGeom>
+          <a:noFill/>
+        </p:spPr>
+      </p:pic>
+    </p:spTree>
+    <p:extLst>
+      <p:ext uri="{BB962C8B-B14F-4D97-AF65-F5344CB8AC3E}">
+        <p14:creationId xmlns:p14="http://schemas.microsoft.com/office/powerpoint/2010/main" val="1379827290"/>
+      </p:ext>
+    </p:extLst>
+  </p:cSld>
+  <p:clrMapOvr>
+    <a:masterClrMapping/>
+  </p:clrMapOvr>
+</p:sld>
+</file>
+
+<file path=ppt/slides/slide30.xml><?xml version="1.0" encoding="utf-8"?>
 <p:sld xmlns:a="http://schemas.openxmlformats.org/drawingml/2006/main" xmlns:r="http://schemas.openxmlformats.org/officeDocument/2006/relationships" xmlns:p="http://schemas.openxmlformats.org/presentationml/2006/main">
   <p:cSld>
     <p:bg>
@@ -20802,12 +23329,12 @@
         </p:spPr>
         <p:txBody>
           <a:bodyPr vert="horz" lIns="91440" tIns="45720" rIns="91440" bIns="45720" rtlCol="0" anchor="ctr">
-            <a:normAutofit/>
+            <a:normAutofit fontScale="90000"/>
           </a:bodyPr>
           <a:lstStyle/>
           <a:p>
             <a:r>
-              <a:rPr lang="en-US" sz="1800" b="1" kern="1200">
+              <a:rPr lang="en-US" sz="1800" b="1" kern="1200" dirty="0">
                 <a:solidFill>
                   <a:schemeClr val="tx1"/>
                 </a:solidFill>
@@ -20818,7 +23345,7 @@
               <a:t>Simple linear model: </a:t>
             </a:r>
             <a:r>
-              <a:rPr lang="en-US" sz="1800" kern="1200">
+              <a:rPr lang="en-US" sz="1800" kern="1200" dirty="0">
                 <a:solidFill>
                   <a:schemeClr val="tx1"/>
                 </a:solidFill>
@@ -20829,7 +23356,7 @@
               <a:t>{Continuous predictor} Linear model 03 – Relationship between cumulative GPA of a student (y) and the total times a student has clicked onto VLE learning material {x}</a:t>
             </a:r>
             <a:br>
-              <a:rPr lang="en-US" sz="1800" kern="1200">
+              <a:rPr lang="en-US" sz="1800" kern="1200" dirty="0">
                 <a:solidFill>
                   <a:schemeClr val="tx1"/>
                 </a:solidFill>
@@ -20838,7 +23365,31 @@
                 <a:cs typeface="+mj-cs"/>
               </a:rPr>
             </a:br>
-            <a:endParaRPr lang="en-US" sz="1800" kern="1200">
+            <a:br>
+              <a:rPr lang="en-US" sz="1800" kern="1200" dirty="0">
+                <a:solidFill>
+                  <a:schemeClr val="tx1"/>
+                </a:solidFill>
+                <a:latin typeface="+mj-lt"/>
+                <a:ea typeface="+mj-ea"/>
+                <a:cs typeface="+mj-cs"/>
+              </a:rPr>
+            </a:br>
+            <a:r>
+              <a:rPr lang="en-US" sz="1800" dirty="0"/>
+              <a:t>Model is clearly a poor fit</a:t>
+            </a:r>
+            <a:br>
+              <a:rPr lang="en-US" sz="1800" kern="1200" dirty="0">
+                <a:solidFill>
+                  <a:schemeClr val="tx1"/>
+                </a:solidFill>
+                <a:latin typeface="+mj-lt"/>
+                <a:ea typeface="+mj-ea"/>
+                <a:cs typeface="+mj-cs"/>
+              </a:rPr>
+            </a:br>
+            <a:endParaRPr lang="en-US" sz="1800" kern="1200" dirty="0">
               <a:solidFill>
                 <a:schemeClr val="tx1"/>
               </a:solidFill>
@@ -21074,6 +23625,36 @@
           </a:p>
         </p:txBody>
       </p:sp>
+      <p:pic>
+        <p:nvPicPr>
+          <p:cNvPr id="4" name="Picture 3" descr="A close-up of numbers&#10;&#10;Description automatically generated">
+            <a:extLst>
+              <a:ext uri="{FF2B5EF4-FFF2-40B4-BE49-F238E27FC236}">
+                <a16:creationId xmlns:a16="http://schemas.microsoft.com/office/drawing/2014/main" id="{02EC5873-F5D4-0664-B5B3-88F2A9288B48}"/>
+              </a:ext>
+            </a:extLst>
+          </p:cNvPr>
+          <p:cNvPicPr>
+            <a:picLocks noChangeAspect="1"/>
+          </p:cNvPicPr>
+          <p:nvPr/>
+        </p:nvPicPr>
+        <p:blipFill>
+          <a:blip r:embed="rId3"/>
+          <a:stretch>
+            <a:fillRect/>
+          </a:stretch>
+        </p:blipFill>
+        <p:spPr>
+          <a:xfrm>
+            <a:off x="6971155" y="5887952"/>
+            <a:ext cx="4766378" cy="611479"/>
+          </a:xfrm>
+          <a:prstGeom prst="rect">
+            <a:avLst/>
+          </a:prstGeom>
+        </p:spPr>
+      </p:pic>
     </p:spTree>
     <p:extLst>
       <p:ext uri="{BB962C8B-B14F-4D97-AF65-F5344CB8AC3E}">
@@ -21087,192 +23668,7 @@
 </p:sld>
 </file>
 
-<file path=ppt/slides/slide3.xml><?xml version="1.0" encoding="utf-8"?>
-<p:sld xmlns:a="http://schemas.openxmlformats.org/drawingml/2006/main" xmlns:r="http://schemas.openxmlformats.org/officeDocument/2006/relationships" xmlns:p="http://schemas.openxmlformats.org/presentationml/2006/main">
-  <p:cSld>
-    <p:bg>
-      <p:bgPr>
-        <a:solidFill>
-          <a:schemeClr val="bg1"/>
-        </a:solidFill>
-        <a:effectLst/>
-      </p:bgPr>
-    </p:bg>
-    <p:spTree>
-      <p:nvGrpSpPr>
-        <p:cNvPr id="1" name=""/>
-        <p:cNvGrpSpPr/>
-        <p:nvPr/>
-      </p:nvGrpSpPr>
-      <p:grpSpPr>
-        <a:xfrm>
-          <a:off x="0" y="0"/>
-          <a:ext cx="0" cy="0"/>
-          <a:chOff x="0" y="0"/>
-          <a:chExt cx="0" cy="0"/>
-        </a:xfrm>
-      </p:grpSpPr>
-      <p:sp>
-        <p:nvSpPr>
-          <p:cNvPr id="85" name="Down Arrow 7">
-            <a:extLst>
-              <a:ext uri="{FF2B5EF4-FFF2-40B4-BE49-F238E27FC236}">
-                <a16:creationId xmlns:a16="http://schemas.microsoft.com/office/drawing/2014/main" id="{D4771268-CB57-404A-9271-370EB28F6090}"/>
-              </a:ext>
-              <a:ext uri="{C183D7F6-B498-43B3-948B-1728B52AA6E4}">
-                <adec:decorative xmlns:adec="http://schemas.microsoft.com/office/drawing/2017/decorative" val="1"/>
-              </a:ext>
-            </a:extLst>
-          </p:cNvPr>
-          <p:cNvSpPr>
-            <a:spLocks noGrp="1" noRot="1" noChangeAspect="1" noMove="1" noResize="1" noEditPoints="1" noAdjustHandles="1" noChangeArrowheads="1" noChangeShapeType="1" noTextEdit="1"/>
-          </p:cNvSpPr>
-          <p:nvPr>
-            <p:extLst>
-              <p:ext uri="{386F3935-93C4-4BCD-93E2-E3B085C9AB24}">
-                <p16:designElem xmlns:p16="http://schemas.microsoft.com/office/powerpoint/2015/main" val="1"/>
-              </p:ext>
-            </p:extLst>
-          </p:nvPr>
-        </p:nvSpPr>
-        <p:spPr>
-          <a:xfrm rot="16200000">
-            <a:off x="800100" y="1491343"/>
-            <a:ext cx="3333749" cy="3499103"/>
-          </a:xfrm>
-          <a:prstGeom prst="downArrow">
-            <a:avLst>
-              <a:gd name="adj1" fmla="val 100000"/>
-              <a:gd name="adj2" fmla="val 15788"/>
-            </a:avLst>
-          </a:prstGeom>
-          <a:solidFill>
-            <a:srgbClr val="404040"/>
-          </a:solidFill>
-          <a:ln w="53975">
-            <a:noFill/>
-          </a:ln>
-        </p:spPr>
-        <p:style>
-          <a:lnRef idx="2">
-            <a:schemeClr val="accent1">
-              <a:shade val="50000"/>
-            </a:schemeClr>
-          </a:lnRef>
-          <a:fillRef idx="1">
-            <a:schemeClr val="accent1"/>
-          </a:fillRef>
-          <a:effectRef idx="0">
-            <a:schemeClr val="accent1"/>
-          </a:effectRef>
-          <a:fontRef idx="minor">
-            <a:schemeClr val="lt1"/>
-          </a:fontRef>
-        </p:style>
-        <p:txBody>
-          <a:bodyPr rtlCol="0" anchor="ctr"/>
-          <a:lstStyle/>
-          <a:p>
-            <a:pPr algn="ctr"/>
-            <a:endParaRPr lang="en-US"/>
-          </a:p>
-        </p:txBody>
-      </p:sp>
-      <p:sp>
-        <p:nvSpPr>
-          <p:cNvPr id="2" name="Title 1">
-            <a:extLst>
-              <a:ext uri="{FF2B5EF4-FFF2-40B4-BE49-F238E27FC236}">
-                <a16:creationId xmlns:a16="http://schemas.microsoft.com/office/drawing/2014/main" id="{92EA2C79-7F6D-ECC9-95C5-D7E278D89B2F}"/>
-              </a:ext>
-            </a:extLst>
-          </p:cNvPr>
-          <p:cNvSpPr>
-            <a:spLocks noGrp="1"/>
-          </p:cNvSpPr>
-          <p:nvPr>
-            <p:ph type="title"/>
-          </p:nvPr>
-        </p:nvSpPr>
-        <p:spPr>
-          <a:xfrm>
-            <a:off x="1028700" y="1967266"/>
-            <a:ext cx="2628900" cy="2547257"/>
-          </a:xfrm>
-          <a:noFill/>
-        </p:spPr>
-        <p:txBody>
-          <a:bodyPr vert="horz" lIns="91440" tIns="45720" rIns="91440" bIns="45720" rtlCol="0" anchor="ctr">
-            <a:normAutofit/>
-          </a:bodyPr>
-          <a:lstStyle/>
-          <a:p>
-            <a:pPr algn="ctr"/>
-            <a:r>
-              <a:rPr lang="en-US" sz="2000" kern="1200" dirty="0">
-                <a:solidFill>
-                  <a:srgbClr val="FFFFFF"/>
-                </a:solidFill>
-                <a:latin typeface="+mj-lt"/>
-                <a:ea typeface="+mj-ea"/>
-                <a:cs typeface="+mj-cs"/>
-              </a:rPr>
-              <a:t>To help me accomplish what I wanted to do, I used all kinds of functions from base R, custom-written functions, as well as functions from over 20 packages</a:t>
-            </a:r>
-          </a:p>
-        </p:txBody>
-      </p:sp>
-      <p:pic>
-        <p:nvPicPr>
-          <p:cNvPr id="5" name="Picture 4" descr="A black background with many colorful text&#10;&#10;Description automatically generated">
-            <a:extLst>
-              <a:ext uri="{FF2B5EF4-FFF2-40B4-BE49-F238E27FC236}">
-                <a16:creationId xmlns:a16="http://schemas.microsoft.com/office/drawing/2014/main" id="{7F992EA3-3189-2C3C-2FBD-8560231E9C4C}"/>
-              </a:ext>
-            </a:extLst>
-          </p:cNvPr>
-          <p:cNvPicPr>
-            <a:picLocks noChangeAspect="1"/>
-          </p:cNvPicPr>
-          <p:nvPr/>
-        </p:nvPicPr>
-        <p:blipFill>
-          <a:blip r:embed="rId2" cstate="print">
-            <a:extLst>
-              <a:ext uri="{28A0092B-C50C-407E-A947-70E740481C1C}">
-                <a14:useLocalDpi xmlns:a14="http://schemas.microsoft.com/office/drawing/2010/main" val="0"/>
-              </a:ext>
-            </a:extLst>
-          </a:blip>
-          <a:stretch>
-            <a:fillRect/>
-          </a:stretch>
-        </p:blipFill>
-        <p:spPr bwMode="auto">
-          <a:xfrm>
-            <a:off x="4985528" y="643466"/>
-            <a:ext cx="6364276" cy="5568739"/>
-          </a:xfrm>
-          <a:prstGeom prst="rect">
-            <a:avLst/>
-          </a:prstGeom>
-          <a:noFill/>
-        </p:spPr>
-      </p:pic>
-    </p:spTree>
-    <p:extLst>
-      <p:ext uri="{BB962C8B-B14F-4D97-AF65-F5344CB8AC3E}">
-        <p14:creationId xmlns:p14="http://schemas.microsoft.com/office/powerpoint/2010/main" val="1379827290"/>
-      </p:ext>
-    </p:extLst>
-  </p:cSld>
-  <p:clrMapOvr>
-    <a:masterClrMapping/>
-  </p:clrMapOvr>
-</p:sld>
-</file>
-
-<file path=ppt/slides/slide30.xml><?xml version="1.0" encoding="utf-8"?>
+<file path=ppt/slides/slide31.xml><?xml version="1.0" encoding="utf-8"?>
 <p:sld xmlns:a="http://schemas.openxmlformats.org/drawingml/2006/main" xmlns:r="http://schemas.openxmlformats.org/officeDocument/2006/relationships" xmlns:p="http://schemas.openxmlformats.org/presentationml/2006/main">
   <p:cSld>
     <p:bg>
@@ -21438,6 +23834,16 @@
             <a:br>
               <a:rPr lang="en-US" sz="1800" dirty="0"/>
             </a:br>
+            <a:br>
+              <a:rPr lang="en-US" sz="1800" dirty="0"/>
+            </a:br>
+            <a:r>
+              <a:rPr lang="en-US" sz="1800" dirty="0"/>
+              <a:t>Model is clearly a poor fit</a:t>
+            </a:r>
+            <a:br>
+              <a:rPr lang="en-US" sz="1800" dirty="0"/>
+            </a:br>
             <a:endParaRPr lang="en-US" sz="1800" dirty="0"/>
           </a:p>
         </p:txBody>
@@ -21779,7 +24185,7 @@
 </p:sld>
 </file>
 
-<file path=ppt/slides/slide31.xml><?xml version="1.0" encoding="utf-8"?>
+<file path=ppt/slides/slide32.xml><?xml version="1.0" encoding="utf-8"?>
 <p:sld xmlns:a="http://schemas.openxmlformats.org/drawingml/2006/main" xmlns:r="http://schemas.openxmlformats.org/officeDocument/2006/relationships" xmlns:p="http://schemas.openxmlformats.org/presentationml/2006/main">
   <p:cSld>
     <p:bg>
@@ -21948,6 +24354,16 @@
             <a:br>
               <a:rPr lang="en-US" sz="1500" dirty="0"/>
             </a:br>
+            <a:r>
+              <a:rPr lang="en-US" sz="1600" dirty="0"/>
+              <a:t>Model is clearly a poor fit</a:t>
+            </a:r>
+            <a:br>
+              <a:rPr lang="en-US" sz="1500" dirty="0"/>
+            </a:br>
+            <a:br>
+              <a:rPr lang="en-US" sz="1500" dirty="0"/>
+            </a:br>
             <a:endParaRPr lang="en-US" sz="1500" dirty="0"/>
           </a:p>
         </p:txBody>
@@ -22289,7 +24705,7 @@
 </p:sld>
 </file>
 
-<file path=ppt/slides/slide32.xml><?xml version="1.0" encoding="utf-8"?>
+<file path=ppt/slides/slide33.xml><?xml version="1.0" encoding="utf-8"?>
 <p:sld xmlns:a="http://schemas.openxmlformats.org/drawingml/2006/main" xmlns:r="http://schemas.openxmlformats.org/officeDocument/2006/relationships" xmlns:p="http://schemas.openxmlformats.org/presentationml/2006/main">
   <p:cSld>
     <p:bg>
@@ -22403,39 +24819,49 @@
           <a:lstStyle/>
           <a:p>
             <a:r>
-              <a:rPr lang="en-US" sz="1500" b="1"/>
+              <a:rPr lang="en-US" sz="1500" b="1" dirty="0"/>
               <a:t>General linear model: </a:t>
             </a:r>
             <a:r>
-              <a:rPr lang="en-US" sz="1500"/>
+              <a:rPr lang="en-US" sz="1500" dirty="0"/>
               <a:t>{Two categorical  predictors} Linear model 08 &amp; 09 - Relationship between the cumulative GPA of a student (y) and IMD band (x</a:t>
             </a:r>
             <a:r>
-              <a:rPr lang="en-US" sz="1500" baseline="-25000"/>
+              <a:rPr lang="en-US" sz="1500" baseline="-25000" dirty="0"/>
               <a:t>1</a:t>
             </a:r>
             <a:r>
-              <a:rPr lang="en-US" sz="1500"/>
+              <a:rPr lang="en-US" sz="1500" dirty="0"/>
               <a:t>) and highest education level on entry (x</a:t>
             </a:r>
             <a:r>
-              <a:rPr lang="en-US" sz="1500" baseline="-25000"/>
+              <a:rPr lang="en-US" sz="1500" baseline="-25000" dirty="0"/>
               <a:t>2</a:t>
             </a:r>
             <a:r>
-              <a:rPr lang="en-US" sz="1500"/>
+              <a:rPr lang="en-US" sz="1500" dirty="0"/>
               <a:t>)</a:t>
             </a:r>
             <a:br>
-              <a:rPr lang="en-US" sz="1500"/>
+              <a:rPr lang="en-US" sz="1500" dirty="0"/>
             </a:br>
             <a:br>
-              <a:rPr lang="en-US" sz="1500"/>
+              <a:rPr lang="en-US" sz="1500" dirty="0"/>
+            </a:br>
+            <a:r>
+              <a:rPr lang="en-US" sz="1600" dirty="0"/>
+              <a:t>Model is clearly a poor fit</a:t>
+            </a:r>
+            <a:br>
+              <a:rPr lang="en-US" sz="1500" dirty="0"/>
             </a:br>
             <a:br>
-              <a:rPr lang="en-US" sz="1500"/>
+              <a:rPr lang="en-US" sz="1500" dirty="0"/>
             </a:br>
-            <a:endParaRPr lang="en-US" sz="1500"/>
+            <a:br>
+              <a:rPr lang="en-US" sz="1500" dirty="0"/>
+            </a:br>
+            <a:endParaRPr lang="en-US" sz="1500" dirty="0"/>
           </a:p>
         </p:txBody>
       </p:sp>
@@ -22776,7 +25202,7 @@
 </p:sld>
 </file>
 
-<file path=ppt/slides/slide33.xml><?xml version="1.0" encoding="utf-8"?>
+<file path=ppt/slides/slide34.xml><?xml version="1.0" encoding="utf-8"?>
 <p:sld xmlns:a="http://schemas.openxmlformats.org/drawingml/2006/main" xmlns:r="http://schemas.openxmlformats.org/officeDocument/2006/relationships" xmlns:p="http://schemas.openxmlformats.org/presentationml/2006/main">
   <p:cSld>
     <p:bg>
@@ -23095,7 +25521,7 @@
           <p:nvPr/>
         </p:nvPicPr>
         <p:blipFill>
-          <a:blip r:embed="rId2"/>
+          <a:blip r:embed="rId3"/>
           <a:stretch>
             <a:fillRect/>
           </a:stretch>
@@ -23964,14 +26390,14 @@
             <p:ph idx="1"/>
             <p:extLst>
               <p:ext uri="{D42A27DB-BD31-4B8C-83A1-F6EECF244321}">
-                <p14:modId xmlns:p14="http://schemas.microsoft.com/office/powerpoint/2010/main" val="1594224961"/>
+                <p14:modId xmlns:p14="http://schemas.microsoft.com/office/powerpoint/2010/main" val="2671841363"/>
               </p:ext>
             </p:extLst>
           </p:nvPr>
         </p:nvGraphicFramePr>
         <p:xfrm>
-          <a:off x="518160" y="1688641"/>
-          <a:ext cx="11414760" cy="5169359"/>
+          <a:off x="252438" y="1297857"/>
+          <a:ext cx="11687114" cy="5560143"/>
         </p:xfrm>
         <a:graphic>
           <a:graphicData uri="http://schemas.openxmlformats.org/drawingml/2006/diagram">
@@ -24530,14 +26956,14 @@
           <p:nvPr>
             <p:extLst>
               <p:ext uri="{D42A27DB-BD31-4B8C-83A1-F6EECF244321}">
-                <p14:modId xmlns:p14="http://schemas.microsoft.com/office/powerpoint/2010/main" val="4186413931"/>
+                <p14:modId xmlns:p14="http://schemas.microsoft.com/office/powerpoint/2010/main" val="3943904078"/>
               </p:ext>
             </p:extLst>
           </p:nvPr>
         </p:nvGraphicFramePr>
         <p:xfrm>
-          <a:off x="388615" y="1688641"/>
-          <a:ext cx="11414760" cy="5169359"/>
+          <a:off x="430276" y="1784505"/>
+          <a:ext cx="11331437" cy="4977630"/>
         </p:xfrm>
         <a:graphic>
           <a:graphicData uri="http://schemas.openxmlformats.org/drawingml/2006/diagram">
@@ -25136,4 +27562,319 @@
     </a:ext>
   </a:extLst>
 </a:theme>
+</file>
+
+<file path=ppt/theme/theme2.xml><?xml version="1.0" encoding="utf-8"?>
+<a:theme xmlns:a="http://schemas.openxmlformats.org/drawingml/2006/main" name="Office Theme">
+  <a:themeElements>
+    <a:clrScheme name="Office">
+      <a:dk1>
+        <a:sysClr val="windowText" lastClr="000000"/>
+      </a:dk1>
+      <a:lt1>
+        <a:sysClr val="window" lastClr="FFFFFF"/>
+      </a:lt1>
+      <a:dk2>
+        <a:srgbClr val="0E2841"/>
+      </a:dk2>
+      <a:lt2>
+        <a:srgbClr val="E8E8E8"/>
+      </a:lt2>
+      <a:accent1>
+        <a:srgbClr val="156082"/>
+      </a:accent1>
+      <a:accent2>
+        <a:srgbClr val="E97132"/>
+      </a:accent2>
+      <a:accent3>
+        <a:srgbClr val="196B24"/>
+      </a:accent3>
+      <a:accent4>
+        <a:srgbClr val="0F9ED5"/>
+      </a:accent4>
+      <a:accent5>
+        <a:srgbClr val="A02B93"/>
+      </a:accent5>
+      <a:accent6>
+        <a:srgbClr val="4EA72E"/>
+      </a:accent6>
+      <a:hlink>
+        <a:srgbClr val="467886"/>
+      </a:hlink>
+      <a:folHlink>
+        <a:srgbClr val="96607D"/>
+      </a:folHlink>
+    </a:clrScheme>
+    <a:fontScheme name="Office">
+      <a:majorFont>
+        <a:latin typeface="Aptos Display" panose="02110004020202020204"/>
+        <a:ea typeface=""/>
+        <a:cs typeface=""/>
+        <a:font script="Jpan" typeface="游ゴシック Light"/>
+        <a:font script="Hang" typeface="맑은 고딕"/>
+        <a:font script="Hans" typeface="等线 Light"/>
+        <a:font script="Hant" typeface="新細明體"/>
+        <a:font script="Arab" typeface="Times New Roman"/>
+        <a:font script="Hebr" typeface="Times New Roman"/>
+        <a:font script="Thai" typeface="Angsana New"/>
+        <a:font script="Ethi" typeface="Nyala"/>
+        <a:font script="Beng" typeface="Vrinda"/>
+        <a:font script="Gujr" typeface="Shruti"/>
+        <a:font script="Khmr" typeface="MoolBoran"/>
+        <a:font script="Knda" typeface="Tunga"/>
+        <a:font script="Guru" typeface="Raavi"/>
+        <a:font script="Cans" typeface="Euphemia"/>
+        <a:font script="Cher" typeface="Plantagenet Cherokee"/>
+        <a:font script="Yiii" typeface="Microsoft Yi Baiti"/>
+        <a:font script="Tibt" typeface="Microsoft Himalaya"/>
+        <a:font script="Thaa" typeface="MV Boli"/>
+        <a:font script="Deva" typeface="Mangal"/>
+        <a:font script="Telu" typeface="Gautami"/>
+        <a:font script="Taml" typeface="Latha"/>
+        <a:font script="Syrc" typeface="Estrangelo Edessa"/>
+        <a:font script="Orya" typeface="Kalinga"/>
+        <a:font script="Mlym" typeface="Kartika"/>
+        <a:font script="Laoo" typeface="DokChampa"/>
+        <a:font script="Sinh" typeface="Iskoola Pota"/>
+        <a:font script="Mong" typeface="Mongolian Baiti"/>
+        <a:font script="Viet" typeface="Times New Roman"/>
+        <a:font script="Uigh" typeface="Microsoft Uighur"/>
+        <a:font script="Geor" typeface="Sylfaen"/>
+        <a:font script="Armn" typeface="Arial"/>
+        <a:font script="Bugi" typeface="Leelawadee UI"/>
+        <a:font script="Bopo" typeface="Microsoft JhengHei"/>
+        <a:font script="Java" typeface="Javanese Text"/>
+        <a:font script="Lisu" typeface="Segoe UI"/>
+        <a:font script="Mymr" typeface="Myanmar Text"/>
+        <a:font script="Nkoo" typeface="Ebrima"/>
+        <a:font script="Olck" typeface="Nirmala UI"/>
+        <a:font script="Osma" typeface="Ebrima"/>
+        <a:font script="Phag" typeface="Phagspa"/>
+        <a:font script="Syrn" typeface="Estrangelo Edessa"/>
+        <a:font script="Syrj" typeface="Estrangelo Edessa"/>
+        <a:font script="Syre" typeface="Estrangelo Edessa"/>
+        <a:font script="Sora" typeface="Nirmala UI"/>
+        <a:font script="Tale" typeface="Microsoft Tai Le"/>
+        <a:font script="Talu" typeface="Microsoft New Tai Lue"/>
+        <a:font script="Tfng" typeface="Ebrima"/>
+      </a:majorFont>
+      <a:minorFont>
+        <a:latin typeface="Aptos" panose="02110004020202020204"/>
+        <a:ea typeface=""/>
+        <a:cs typeface=""/>
+        <a:font script="Jpan" typeface="游ゴシック"/>
+        <a:font script="Hang" typeface="맑은 고딕"/>
+        <a:font script="Hans" typeface="等线"/>
+        <a:font script="Hant" typeface="新細明體"/>
+        <a:font script="Arab" typeface="Arial"/>
+        <a:font script="Hebr" typeface="Arial"/>
+        <a:font script="Thai" typeface="Cordia New"/>
+        <a:font script="Ethi" typeface="Nyala"/>
+        <a:font script="Beng" typeface="Vrinda"/>
+        <a:font script="Gujr" typeface="Shruti"/>
+        <a:font script="Khmr" typeface="DaunPenh"/>
+        <a:font script="Knda" typeface="Tunga"/>
+        <a:font script="Guru" typeface="Raavi"/>
+        <a:font script="Cans" typeface="Euphemia"/>
+        <a:font script="Cher" typeface="Plantagenet Cherokee"/>
+        <a:font script="Yiii" typeface="Microsoft Yi Baiti"/>
+        <a:font script="Tibt" typeface="Microsoft Himalaya"/>
+        <a:font script="Thaa" typeface="MV Boli"/>
+        <a:font script="Deva" typeface="Mangal"/>
+        <a:font script="Telu" typeface="Gautami"/>
+        <a:font script="Taml" typeface="Latha"/>
+        <a:font script="Syrc" typeface="Estrangelo Edessa"/>
+        <a:font script="Orya" typeface="Kalinga"/>
+        <a:font script="Mlym" typeface="Kartika"/>
+        <a:font script="Laoo" typeface="DokChampa"/>
+        <a:font script="Sinh" typeface="Iskoola Pota"/>
+        <a:font script="Mong" typeface="Mongolian Baiti"/>
+        <a:font script="Viet" typeface="Arial"/>
+        <a:font script="Uigh" typeface="Microsoft Uighur"/>
+        <a:font script="Geor" typeface="Sylfaen"/>
+        <a:font script="Armn" typeface="Arial"/>
+        <a:font script="Bugi" typeface="Leelawadee UI"/>
+        <a:font script="Bopo" typeface="Microsoft JhengHei"/>
+        <a:font script="Java" typeface="Javanese Text"/>
+        <a:font script="Lisu" typeface="Segoe UI"/>
+        <a:font script="Mymr" typeface="Myanmar Text"/>
+        <a:font script="Nkoo" typeface="Ebrima"/>
+        <a:font script="Olck" typeface="Nirmala UI"/>
+        <a:font script="Osma" typeface="Ebrima"/>
+        <a:font script="Phag" typeface="Phagspa"/>
+        <a:font script="Syrn" typeface="Estrangelo Edessa"/>
+        <a:font script="Syrj" typeface="Estrangelo Edessa"/>
+        <a:font script="Syre" typeface="Estrangelo Edessa"/>
+        <a:font script="Sora" typeface="Nirmala UI"/>
+        <a:font script="Tale" typeface="Microsoft Tai Le"/>
+        <a:font script="Talu" typeface="Microsoft New Tai Lue"/>
+        <a:font script="Tfng" typeface="Ebrima"/>
+      </a:minorFont>
+    </a:fontScheme>
+    <a:fmtScheme name="Office">
+      <a:fillStyleLst>
+        <a:solidFill>
+          <a:schemeClr val="phClr"/>
+        </a:solidFill>
+        <a:gradFill rotWithShape="1">
+          <a:gsLst>
+            <a:gs pos="0">
+              <a:schemeClr val="phClr">
+                <a:lumMod val="110000"/>
+                <a:satMod val="105000"/>
+                <a:tint val="67000"/>
+              </a:schemeClr>
+            </a:gs>
+            <a:gs pos="50000">
+              <a:schemeClr val="phClr">
+                <a:lumMod val="105000"/>
+                <a:satMod val="103000"/>
+                <a:tint val="73000"/>
+              </a:schemeClr>
+            </a:gs>
+            <a:gs pos="100000">
+              <a:schemeClr val="phClr">
+                <a:lumMod val="105000"/>
+                <a:satMod val="109000"/>
+                <a:tint val="81000"/>
+              </a:schemeClr>
+            </a:gs>
+          </a:gsLst>
+          <a:lin ang="5400000" scaled="0"/>
+        </a:gradFill>
+        <a:gradFill rotWithShape="1">
+          <a:gsLst>
+            <a:gs pos="0">
+              <a:schemeClr val="phClr">
+                <a:satMod val="103000"/>
+                <a:lumMod val="102000"/>
+                <a:tint val="94000"/>
+              </a:schemeClr>
+            </a:gs>
+            <a:gs pos="50000">
+              <a:schemeClr val="phClr">
+                <a:satMod val="110000"/>
+                <a:lumMod val="100000"/>
+                <a:shade val="100000"/>
+              </a:schemeClr>
+            </a:gs>
+            <a:gs pos="100000">
+              <a:schemeClr val="phClr">
+                <a:lumMod val="99000"/>
+                <a:satMod val="120000"/>
+                <a:shade val="78000"/>
+              </a:schemeClr>
+            </a:gs>
+          </a:gsLst>
+          <a:lin ang="5400000" scaled="0"/>
+        </a:gradFill>
+      </a:fillStyleLst>
+      <a:lnStyleLst>
+        <a:ln w="12700" cap="flat" cmpd="sng" algn="ctr">
+          <a:solidFill>
+            <a:schemeClr val="phClr"/>
+          </a:solidFill>
+          <a:prstDash val="solid"/>
+          <a:miter lim="800000"/>
+        </a:ln>
+        <a:ln w="19050" cap="flat" cmpd="sng" algn="ctr">
+          <a:solidFill>
+            <a:schemeClr val="phClr"/>
+          </a:solidFill>
+          <a:prstDash val="solid"/>
+          <a:miter lim="800000"/>
+        </a:ln>
+        <a:ln w="25400" cap="flat" cmpd="sng" algn="ctr">
+          <a:solidFill>
+            <a:schemeClr val="phClr"/>
+          </a:solidFill>
+          <a:prstDash val="solid"/>
+          <a:miter lim="800000"/>
+        </a:ln>
+      </a:lnStyleLst>
+      <a:effectStyleLst>
+        <a:effectStyle>
+          <a:effectLst/>
+        </a:effectStyle>
+        <a:effectStyle>
+          <a:effectLst/>
+        </a:effectStyle>
+        <a:effectStyle>
+          <a:effectLst>
+            <a:outerShdw blurRad="57150" dist="19050" dir="5400000" algn="ctr" rotWithShape="0">
+              <a:srgbClr val="000000">
+                <a:alpha val="63000"/>
+              </a:srgbClr>
+            </a:outerShdw>
+          </a:effectLst>
+        </a:effectStyle>
+      </a:effectStyleLst>
+      <a:bgFillStyleLst>
+        <a:solidFill>
+          <a:schemeClr val="phClr"/>
+        </a:solidFill>
+        <a:solidFill>
+          <a:schemeClr val="phClr">
+            <a:tint val="95000"/>
+            <a:satMod val="170000"/>
+          </a:schemeClr>
+        </a:solidFill>
+        <a:gradFill rotWithShape="1">
+          <a:gsLst>
+            <a:gs pos="0">
+              <a:schemeClr val="phClr">
+                <a:tint val="93000"/>
+                <a:satMod val="150000"/>
+                <a:shade val="98000"/>
+                <a:lumMod val="102000"/>
+              </a:schemeClr>
+            </a:gs>
+            <a:gs pos="50000">
+              <a:schemeClr val="phClr">
+                <a:tint val="98000"/>
+                <a:satMod val="130000"/>
+                <a:shade val="90000"/>
+                <a:lumMod val="103000"/>
+              </a:schemeClr>
+            </a:gs>
+            <a:gs pos="100000">
+              <a:schemeClr val="phClr">
+                <a:shade val="63000"/>
+                <a:satMod val="120000"/>
+              </a:schemeClr>
+            </a:gs>
+          </a:gsLst>
+          <a:lin ang="5400000" scaled="0"/>
+        </a:gradFill>
+      </a:bgFillStyleLst>
+    </a:fmtScheme>
+  </a:themeElements>
+  <a:objectDefaults>
+    <a:lnDef>
+      <a:spPr/>
+      <a:bodyPr/>
+      <a:lstStyle/>
+      <a:style>
+        <a:lnRef idx="2">
+          <a:schemeClr val="accent1"/>
+        </a:lnRef>
+        <a:fillRef idx="0">
+          <a:schemeClr val="accent1"/>
+        </a:fillRef>
+        <a:effectRef idx="1">
+          <a:schemeClr val="accent1"/>
+        </a:effectRef>
+        <a:fontRef idx="minor">
+          <a:schemeClr val="tx1"/>
+        </a:fontRef>
+      </a:style>
+    </a:lnDef>
+  </a:objectDefaults>
+  <a:extraClrSchemeLst/>
+  <a:extLst>
+    <a:ext uri="{05A4C25C-085E-4340-85A3-A5531E510DB2}">
+      <thm15:themeFamily xmlns:thm15="http://schemas.microsoft.com/office/thememl/2012/main" name="Office Theme" id="{2E142A2C-CD16-42D6-873A-C26D2A0506FA}" vid="{1BDDFF52-6CD6-40A5-AB3C-68EB2F1E4D0A}"/>
+    </a:ext>
+  </a:extLst>
+</a:theme>
 </file>